--- a/教學簡報/HTML.pptx
+++ b/教學簡報/HTML.pptx
@@ -5,7 +5,7 @@
     <p:sldMasterId id="2147484070" r:id="rId1"/>
   </p:sldMasterIdLst>
   <p:notesMasterIdLst>
-    <p:notesMasterId r:id="rId30"/>
+    <p:notesMasterId r:id="rId42"/>
   </p:notesMasterIdLst>
   <p:sldIdLst>
     <p:sldId id="259" r:id="rId2"/>
@@ -13,29 +13,41 @@
     <p:sldId id="260" r:id="rId4"/>
     <p:sldId id="264" r:id="rId5"/>
     <p:sldId id="266" r:id="rId6"/>
-    <p:sldId id="335" r:id="rId7"/>
-    <p:sldId id="337" r:id="rId8"/>
-    <p:sldId id="336" r:id="rId9"/>
-    <p:sldId id="338" r:id="rId10"/>
-    <p:sldId id="341" r:id="rId11"/>
-    <p:sldId id="342" r:id="rId12"/>
-    <p:sldId id="343" r:id="rId13"/>
-    <p:sldId id="346" r:id="rId14"/>
-    <p:sldId id="344" r:id="rId15"/>
-    <p:sldId id="345" r:id="rId16"/>
-    <p:sldId id="347" r:id="rId17"/>
-    <p:sldId id="348" r:id="rId18"/>
-    <p:sldId id="349" r:id="rId19"/>
-    <p:sldId id="350" r:id="rId20"/>
-    <p:sldId id="351" r:id="rId21"/>
-    <p:sldId id="333" r:id="rId22"/>
-    <p:sldId id="322" r:id="rId23"/>
-    <p:sldId id="326" r:id="rId24"/>
+    <p:sldId id="337" r:id="rId7"/>
+    <p:sldId id="336" r:id="rId8"/>
+    <p:sldId id="338" r:id="rId9"/>
+    <p:sldId id="341" r:id="rId10"/>
+    <p:sldId id="342" r:id="rId11"/>
+    <p:sldId id="343" r:id="rId12"/>
+    <p:sldId id="346" r:id="rId13"/>
+    <p:sldId id="344" r:id="rId14"/>
+    <p:sldId id="345" r:id="rId15"/>
+    <p:sldId id="347" r:id="rId16"/>
+    <p:sldId id="348" r:id="rId17"/>
+    <p:sldId id="349" r:id="rId18"/>
+    <p:sldId id="350" r:id="rId19"/>
+    <p:sldId id="351" r:id="rId20"/>
+    <p:sldId id="333" r:id="rId21"/>
+    <p:sldId id="322" r:id="rId22"/>
+    <p:sldId id="326" r:id="rId23"/>
+    <p:sldId id="363" r:id="rId24"/>
     <p:sldId id="352" r:id="rId25"/>
     <p:sldId id="353" r:id="rId26"/>
     <p:sldId id="323" r:id="rId27"/>
     <p:sldId id="324" r:id="rId28"/>
-    <p:sldId id="354" r:id="rId29"/>
+    <p:sldId id="355" r:id="rId29"/>
+    <p:sldId id="364" r:id="rId30"/>
+    <p:sldId id="361" r:id="rId31"/>
+    <p:sldId id="356" r:id="rId32"/>
+    <p:sldId id="357" r:id="rId33"/>
+    <p:sldId id="358" r:id="rId34"/>
+    <p:sldId id="359" r:id="rId35"/>
+    <p:sldId id="360" r:id="rId36"/>
+    <p:sldId id="362" r:id="rId37"/>
+    <p:sldId id="365" r:id="rId38"/>
+    <p:sldId id="366" r:id="rId39"/>
+    <p:sldId id="367" r:id="rId40"/>
+    <p:sldId id="354" r:id="rId41"/>
   </p:sldIdLst>
   <p:sldSz cx="9144000" cy="6858000" type="screen4x3"/>
   <p:notesSz cx="6858000" cy="9144000"/>
@@ -148,7 +160,6 @@
         </p14:section>
         <p14:section name="編輯器簡介" id="{04AD65BE-CB55-49D3-AF87-0E4FC99C151B}">
           <p14:sldIdLst>
-            <p14:sldId id="335"/>
             <p14:sldId id="337"/>
             <p14:sldId id="336"/>
             <p14:sldId id="338"/>
@@ -178,10 +189,23 @@
             <p14:sldId id="333"/>
             <p14:sldId id="322"/>
             <p14:sldId id="326"/>
+            <p14:sldId id="363"/>
             <p14:sldId id="352"/>
             <p14:sldId id="353"/>
             <p14:sldId id="323"/>
             <p14:sldId id="324"/>
+            <p14:sldId id="355"/>
+            <p14:sldId id="364"/>
+            <p14:sldId id="361"/>
+            <p14:sldId id="356"/>
+            <p14:sldId id="357"/>
+            <p14:sldId id="358"/>
+            <p14:sldId id="359"/>
+            <p14:sldId id="360"/>
+            <p14:sldId id="362"/>
+            <p14:sldId id="365"/>
+            <p14:sldId id="366"/>
+            <p14:sldId id="367"/>
             <p14:sldId id="354"/>
           </p14:sldIdLst>
         </p14:section>
@@ -292,7 +316,7 @@
             <a:fld id="{A5DCF4EA-E40D-43F8-B4CB-7F82BC812DB7}" type="datetimeFigureOut">
               <a:rPr lang="zh-TW" altLang="en-US" smtClean="0"/>
               <a:pPr/>
-              <a:t>2020/7/24</a:t>
+              <a:t>2020/10/2</a:t>
             </a:fld>
             <a:endParaRPr lang="zh-TW" altLang="en-US" dirty="0"/>
           </a:p>
@@ -719,28 +743,12 @@
           <a:lstStyle/>
           <a:p>
             <a:r>
+              <a:rPr lang="zh-TW" altLang="en-US" dirty="0"/>
+              <a:t>安裝就從官方網站下載，我應該不用多說明安裝要怎麼安裝 </a:t>
+            </a:r>
+            <a:r>
               <a:rPr lang="en-US" altLang="zh-TW" dirty="0"/>
-              <a:t>VSCode</a:t>
-            </a:r>
-            <a:r>
-              <a:rPr lang="zh-TW" altLang="en-US" dirty="0"/>
-              <a:t>！</a:t>
-            </a:r>
-            <a:r>
-              <a:rPr lang="en-US" altLang="zh-TW" dirty="0"/>
-              <a:t>VSCode</a:t>
-            </a:r>
-            <a:r>
-              <a:rPr lang="zh-TW" altLang="en-US" dirty="0"/>
-              <a:t> 就是我們目前要使用的編輯器。當然還有很多其他的教派，如果你們要用其他的也可以，我都不介意，但我今天會先帶各位安裝與熟悉 </a:t>
-            </a:r>
-            <a:r>
-              <a:rPr lang="en-US" altLang="zh-TW" dirty="0"/>
-              <a:t>VSCode</a:t>
-            </a:r>
-            <a:r>
-              <a:rPr lang="zh-TW" altLang="en-US" dirty="0"/>
-              <a:t>。如果有想安裝其他編輯器的可以自行安裝。</a:t>
+              <a:t>XD</a:t>
             </a:r>
           </a:p>
         </p:txBody>
@@ -771,7 +779,7 @@
     </p:spTree>
     <p:extLst>
       <p:ext uri="{BB962C8B-B14F-4D97-AF65-F5344CB8AC3E}">
-        <p14:creationId xmlns:p14="http://schemas.microsoft.com/office/powerpoint/2010/main" val="3047008414"/>
+        <p14:creationId xmlns:p14="http://schemas.microsoft.com/office/powerpoint/2010/main" val="3221643568"/>
       </p:ext>
     </p:extLst>
   </p:cSld>
@@ -827,11 +835,7 @@
           <a:p>
             <a:r>
               <a:rPr lang="zh-TW" altLang="en-US" dirty="0"/>
-              <a:t>安裝就從官方網站下載，我應該不用多說明安裝要怎麼安裝 </a:t>
-            </a:r>
-            <a:r>
-              <a:rPr lang="en-US" altLang="zh-TW" dirty="0"/>
-              <a:t>XD</a:t>
+              <a:t>建議把這些都勾起來，簡單來說你勾了之後，接下來就可以直接對資料夾右鍵打開，比較方便。</a:t>
             </a:r>
           </a:p>
         </p:txBody>
@@ -862,7 +866,7 @@
     </p:spTree>
     <p:extLst>
       <p:ext uri="{BB962C8B-B14F-4D97-AF65-F5344CB8AC3E}">
-        <p14:creationId xmlns:p14="http://schemas.microsoft.com/office/powerpoint/2010/main" val="3221643568"/>
+        <p14:creationId xmlns:p14="http://schemas.microsoft.com/office/powerpoint/2010/main" val="3258298668"/>
       </p:ext>
     </p:extLst>
   </p:cSld>
@@ -918,8 +922,9 @@
           <a:p>
             <a:r>
               <a:rPr lang="zh-TW" altLang="en-US" dirty="0"/>
-              <a:t>建議把這些都勾起來，簡單來說你勾了之後，接下來就可以直接對資料夾右鍵打開，比較方便。</a:t>
-            </a:r>
+              <a:t>總之安裝完就大概長這樣。</a:t>
+            </a:r>
+            <a:endParaRPr lang="en-US" altLang="zh-TW" dirty="0"/>
           </a:p>
         </p:txBody>
       </p:sp>
@@ -949,7 +954,7 @@
     </p:spTree>
     <p:extLst>
       <p:ext uri="{BB962C8B-B14F-4D97-AF65-F5344CB8AC3E}">
-        <p14:creationId xmlns:p14="http://schemas.microsoft.com/office/powerpoint/2010/main" val="3258298668"/>
+        <p14:creationId xmlns:p14="http://schemas.microsoft.com/office/powerpoint/2010/main" val="2735667822"/>
       </p:ext>
     </p:extLst>
   </p:cSld>
@@ -1005,9 +1010,31 @@
           <a:p>
             <a:r>
               <a:rPr lang="zh-TW" altLang="en-US" dirty="0"/>
-              <a:t>總之安裝完就大概長這樣。</a:t>
+              <a:t>首先希望大家打開自動排版，如果不想開的也沒關係。</a:t>
             </a:r>
             <a:endParaRPr lang="en-US" altLang="zh-TW" dirty="0"/>
+          </a:p>
+          <a:p>
+            <a:r>
+              <a:rPr lang="zh-TW" altLang="en-US" dirty="0"/>
+              <a:t>首先大家點左下方的齒輪，裡面有一個 </a:t>
+            </a:r>
+            <a:r>
+              <a:rPr lang="en-US" altLang="zh-TW" dirty="0"/>
+              <a:t>Settings</a:t>
+            </a:r>
+            <a:r>
+              <a:rPr lang="zh-TW" altLang="en-US" dirty="0"/>
+              <a:t>，在跳出來的畫面上方打 </a:t>
+            </a:r>
+            <a:r>
+              <a:rPr lang="en-US" altLang="zh-TW" dirty="0"/>
+              <a:t>format</a:t>
+            </a:r>
+            <a:r>
+              <a:rPr lang="zh-TW" altLang="en-US" dirty="0"/>
+              <a:t>，然後把藍色的三個打勾。</a:t>
+            </a:r>
           </a:p>
         </p:txBody>
       </p:sp>
@@ -1037,7 +1064,7 @@
     </p:spTree>
     <p:extLst>
       <p:ext uri="{BB962C8B-B14F-4D97-AF65-F5344CB8AC3E}">
-        <p14:creationId xmlns:p14="http://schemas.microsoft.com/office/powerpoint/2010/main" val="2735667822"/>
+        <p14:creationId xmlns:p14="http://schemas.microsoft.com/office/powerpoint/2010/main" val="3686889559"/>
       </p:ext>
     </p:extLst>
   </p:cSld>
@@ -1093,31 +1120,40 @@
           <a:p>
             <a:r>
               <a:rPr lang="zh-TW" altLang="en-US" dirty="0"/>
-              <a:t>首先希望大家打開自動排版，如果不想開的也沒關係。</a:t>
+              <a:t>接下來，可能有人覺得這個介面也太可怕，都是英文。</a:t>
             </a:r>
             <a:endParaRPr lang="en-US" altLang="zh-TW" dirty="0"/>
           </a:p>
           <a:p>
             <a:r>
               <a:rPr lang="zh-TW" altLang="en-US" dirty="0"/>
-              <a:t>首先大家點左下方的齒輪，裡面有一個 </a:t>
-            </a:r>
-            <a:r>
-              <a:rPr lang="en-US" altLang="zh-TW" dirty="0"/>
-              <a:t>Settings</a:t>
-            </a:r>
+              <a:t>所以我們現在就來安裝中文。</a:t>
+            </a:r>
+            <a:endParaRPr lang="en-US" altLang="zh-TW" dirty="0"/>
+          </a:p>
+          <a:p>
+            <a:endParaRPr lang="en-US" altLang="zh-TW" dirty="0"/>
+          </a:p>
+          <a:p>
             <a:r>
               <a:rPr lang="zh-TW" altLang="en-US" dirty="0"/>
-              <a:t>，在跳出來的畫面上方打 </a:t>
-            </a:r>
-            <a:r>
-              <a:rPr lang="en-US" altLang="zh-TW" dirty="0"/>
-              <a:t>format</a:t>
-            </a:r>
+              <a:t>現在你學會怎麼安裝插件了。</a:t>
+            </a:r>
+            <a:endParaRPr lang="en-US" altLang="zh-TW" dirty="0"/>
+          </a:p>
+          <a:p>
             <a:r>
               <a:rPr lang="zh-TW" altLang="en-US" dirty="0"/>
-              <a:t>，然後把藍色的三個打勾。</a:t>
-            </a:r>
+              <a:t>安裝插件在使用編輯器是一個很重要的元素，有龐大的社群就有很多好用的插件，</a:t>
+            </a:r>
+            <a:endParaRPr lang="en-US" altLang="zh-TW" dirty="0"/>
+          </a:p>
+          <a:p>
+            <a:r>
+              <a:rPr lang="zh-TW" altLang="en-US" dirty="0"/>
+              <a:t>因此在這個地方你能找到非常多的插件可以使用，例如：</a:t>
+            </a:r>
+            <a:endParaRPr lang="en-US" altLang="zh-TW" dirty="0"/>
           </a:p>
         </p:txBody>
       </p:sp>
@@ -1147,7 +1183,7 @@
     </p:spTree>
     <p:extLst>
       <p:ext uri="{BB962C8B-B14F-4D97-AF65-F5344CB8AC3E}">
-        <p14:creationId xmlns:p14="http://schemas.microsoft.com/office/powerpoint/2010/main" val="3686889559"/>
+        <p14:creationId xmlns:p14="http://schemas.microsoft.com/office/powerpoint/2010/main" val="2387815235"/>
       </p:ext>
     </p:extLst>
   </p:cSld>
@@ -1202,39 +1238,25 @@
           <a:lstStyle/>
           <a:p>
             <a:r>
+              <a:rPr lang="en-US" altLang="zh-TW" sz="1200" dirty="0">
+                <a:solidFill>
+                  <a:srgbClr val="0070C0"/>
+                </a:solidFill>
+                <a:latin typeface="微軟正黑體" panose="020B0604030504040204" pitchFamily="34" charset="-120"/>
+                <a:ea typeface="微軟正黑體" panose="020B0604030504040204" pitchFamily="34" charset="-120"/>
+              </a:rPr>
+              <a:t>Bracket Pair Colorizer 2</a:t>
+            </a:r>
+            <a:r>
               <a:rPr lang="zh-TW" altLang="en-US" dirty="0"/>
-              <a:t>接下來，可能有人覺得這個介面也太可怕，都是英文。</a:t>
+              <a:t>，這個是一個很酷的插件，會自動幫你將各個括號成對加顏色</a:t>
             </a:r>
             <a:endParaRPr lang="en-US" altLang="zh-TW" dirty="0"/>
           </a:p>
           <a:p>
             <a:r>
               <a:rPr lang="zh-TW" altLang="en-US" dirty="0"/>
-              <a:t>所以我們現在就來安裝中文。</a:t>
-            </a:r>
-            <a:endParaRPr lang="en-US" altLang="zh-TW" dirty="0"/>
-          </a:p>
-          <a:p>
-            <a:endParaRPr lang="en-US" altLang="zh-TW" dirty="0"/>
-          </a:p>
-          <a:p>
-            <a:r>
-              <a:rPr lang="zh-TW" altLang="en-US" dirty="0"/>
-              <a:t>現在你學會怎麼安裝插件了。</a:t>
-            </a:r>
-            <a:endParaRPr lang="en-US" altLang="zh-TW" dirty="0"/>
-          </a:p>
-          <a:p>
-            <a:r>
-              <a:rPr lang="zh-TW" altLang="en-US" dirty="0"/>
-              <a:t>安裝插件在使用編輯器是一個很重要的元素，有龐大的社群就有很多好用的插件，</a:t>
-            </a:r>
-            <a:endParaRPr lang="en-US" altLang="zh-TW" dirty="0"/>
-          </a:p>
-          <a:p>
-            <a:r>
-              <a:rPr lang="zh-TW" altLang="en-US" dirty="0"/>
-              <a:t>因此在這個地方你能找到非常多的插件可以使用，例如：</a:t>
+              <a:t>，讓你知道哪一層是哪一層</a:t>
             </a:r>
             <a:endParaRPr lang="en-US" altLang="zh-TW" dirty="0"/>
           </a:p>
@@ -1266,7 +1288,7 @@
     </p:spTree>
     <p:extLst>
       <p:ext uri="{BB962C8B-B14F-4D97-AF65-F5344CB8AC3E}">
-        <p14:creationId xmlns:p14="http://schemas.microsoft.com/office/powerpoint/2010/main" val="2387815235"/>
+        <p14:creationId xmlns:p14="http://schemas.microsoft.com/office/powerpoint/2010/main" val="2421125853"/>
       </p:ext>
     </p:extLst>
   </p:cSld>
@@ -1321,25 +1343,44 @@
           <a:lstStyle/>
           <a:p>
             <a:r>
-              <a:rPr lang="en-US" altLang="zh-TW" sz="1200" dirty="0">
-                <a:solidFill>
-                  <a:srgbClr val="0070C0"/>
-                </a:solidFill>
-                <a:latin typeface="微軟正黑體" panose="020B0604030504040204" pitchFamily="34" charset="-120"/>
-                <a:ea typeface="微軟正黑體" panose="020B0604030504040204" pitchFamily="34" charset="-120"/>
-              </a:rPr>
-              <a:t>Bracket Pair Colorizer 2</a:t>
+              <a:rPr lang="en-US" altLang="zh-TW" dirty="0"/>
+              <a:t>CSS</a:t>
             </a:r>
             <a:r>
               <a:rPr lang="zh-TW" altLang="en-US" dirty="0"/>
-              <a:t>，這個是一個很酷的插件，會自動幫你將各個括號成對加顏色</a:t>
-            </a:r>
-            <a:endParaRPr lang="en-US" altLang="zh-TW" dirty="0"/>
-          </a:p>
-          <a:p>
+              <a:t> 的自動排版，其實 </a:t>
+            </a:r>
+            <a:r>
+              <a:rPr lang="en-US" altLang="zh-TW" dirty="0" err="1"/>
+              <a:t>VSCode</a:t>
+            </a:r>
             <a:r>
               <a:rPr lang="zh-TW" altLang="en-US" dirty="0"/>
-              <a:t>，讓你知道哪一層是哪一層</a:t>
+              <a:t> 好像沒有支援，因此我有特別安裝其他的 </a:t>
+            </a:r>
+            <a:r>
+              <a:rPr lang="en-US" altLang="zh-TW" dirty="0"/>
+              <a:t>CSS</a:t>
+            </a:r>
+            <a:r>
+              <a:rPr lang="zh-TW" altLang="en-US" dirty="0"/>
+              <a:t> </a:t>
+            </a:r>
+            <a:r>
+              <a:rPr lang="en-US" altLang="zh-TW" dirty="0"/>
+              <a:t>Formatter</a:t>
+            </a:r>
+            <a:r>
+              <a:rPr lang="zh-TW" altLang="en-US" dirty="0"/>
+              <a:t>，只要在上面搜尋 </a:t>
+            </a:r>
+            <a:r>
+              <a:rPr lang="en-US" altLang="zh-TW" dirty="0"/>
+              <a:t>CSS</a:t>
+            </a:r>
+            <a:r>
+              <a:rPr lang="zh-TW" altLang="en-US" dirty="0"/>
+              <a:t> 你就會找到了，因此你哪天想寫什麼就去找看看。</a:t>
             </a:r>
             <a:endParaRPr lang="en-US" altLang="zh-TW" dirty="0"/>
           </a:p>
@@ -1371,7 +1412,7 @@
     </p:spTree>
     <p:extLst>
       <p:ext uri="{BB962C8B-B14F-4D97-AF65-F5344CB8AC3E}">
-        <p14:creationId xmlns:p14="http://schemas.microsoft.com/office/powerpoint/2010/main" val="2421125853"/>
+        <p14:creationId xmlns:p14="http://schemas.microsoft.com/office/powerpoint/2010/main" val="2415730413"/>
       </p:ext>
     </p:extLst>
   </p:cSld>
@@ -1425,45 +1466,66 @@
           <a:bodyPr/>
           <a:lstStyle/>
           <a:p>
-            <a:r>
-              <a:rPr lang="en-US" altLang="zh-TW" dirty="0"/>
-              <a:t>CSS</a:t>
-            </a:r>
+            <a:pPr marL="0" marR="0" indent="0" algn="l" defTabSz="914400" rtl="0" eaLnBrk="1" fontAlgn="auto" latinLnBrk="0" hangingPunct="1">
+              <a:lnSpc>
+                <a:spcPct val="100000"/>
+              </a:lnSpc>
+              <a:spcBef>
+                <a:spcPts val="0"/>
+              </a:spcBef>
+              <a:spcAft>
+                <a:spcPts val="0"/>
+              </a:spcAft>
+              <a:buClrTx/>
+              <a:buSzTx/>
+              <a:buFontTx/>
+              <a:buNone/>
+              <a:tabLst/>
+              <a:defRPr/>
+            </a:pPr>
+            <a:r>
+              <a:rPr lang="zh-TW" altLang="en-US" sz="1200" dirty="0">
+                <a:latin typeface="微軟正黑體" panose="020B0604030504040204" pitchFamily="34" charset="-120"/>
+                <a:ea typeface="微軟正黑體" panose="020B0604030504040204" pitchFamily="34" charset="-120"/>
+              </a:rPr>
+              <a:t>如果不是</a:t>
+            </a:r>
+            <a:r>
+              <a:rPr lang="zh-TW" altLang="en-US" sz="1200" dirty="0">
+                <a:latin typeface="微軟正黑體" panose="020B0604030504040204" pitchFamily="34" charset="-120"/>
+              </a:rPr>
+              <a:t>操作</a:t>
+            </a:r>
+            <a:r>
+              <a:rPr lang="zh-TW" altLang="en-US" sz="1200" dirty="0">
+                <a:latin typeface="微軟正黑體" panose="020B0604030504040204" pitchFamily="34" charset="-120"/>
+                <a:ea typeface="微軟正黑體" panose="020B0604030504040204" pitchFamily="34" charset="-120"/>
+              </a:rPr>
+              <a:t>單一檔案，建議用編輯器載入資料夾。</a:t>
+            </a:r>
+            <a:endParaRPr lang="en-US" altLang="zh-TW" sz="1200" dirty="0">
+              <a:latin typeface="微軟正黑體" panose="020B0604030504040204" pitchFamily="34" charset="-120"/>
+              <a:ea typeface="微軟正黑體" panose="020B0604030504040204" pitchFamily="34" charset="-120"/>
+            </a:endParaRPr>
+          </a:p>
+          <a:p>
             <a:r>
               <a:rPr lang="zh-TW" altLang="en-US" dirty="0"/>
-              <a:t> 的自動排版，其實 </a:t>
-            </a:r>
-            <a:r>
-              <a:rPr lang="en-US" altLang="zh-TW" dirty="0" err="1"/>
-              <a:t>VSCode</a:t>
-            </a:r>
+              <a:t>這樣就可以透過左邊的欄位看到資料夾內容，</a:t>
+            </a:r>
+            <a:endParaRPr lang="en-US" altLang="zh-TW" dirty="0"/>
+          </a:p>
+          <a:p>
             <a:r>
               <a:rPr lang="zh-TW" altLang="en-US" dirty="0"/>
-              <a:t> 好像沒有支援，因此我有特別安裝其他的 </a:t>
-            </a:r>
-            <a:r>
-              <a:rPr lang="en-US" altLang="zh-TW" dirty="0"/>
-              <a:t>CSS</a:t>
-            </a:r>
+              <a:t>不用一直切換視窗去開啟其他檔案，在寫的時候也比較能掌握每個檔案位置在哪裡。</a:t>
+            </a:r>
+            <a:endParaRPr lang="en-US" altLang="zh-TW" dirty="0"/>
+          </a:p>
+          <a:p>
             <a:r>
               <a:rPr lang="zh-TW" altLang="en-US" dirty="0"/>
-              <a:t> </a:t>
-            </a:r>
-            <a:r>
-              <a:rPr lang="en-US" altLang="zh-TW" dirty="0"/>
-              <a:t>Formatter</a:t>
-            </a:r>
-            <a:r>
-              <a:rPr lang="zh-TW" altLang="en-US" dirty="0"/>
-              <a:t>，只要在上面搜尋 </a:t>
-            </a:r>
-            <a:r>
-              <a:rPr lang="en-US" altLang="zh-TW" dirty="0"/>
-              <a:t>CSS</a:t>
-            </a:r>
-            <a:r>
-              <a:rPr lang="zh-TW" altLang="en-US" dirty="0"/>
-              <a:t> 你就會找到了，因此你哪天想寫什麼就去找看看。</a:t>
+              <a:t>不會有時候引入檔案的時候失敗。</a:t>
             </a:r>
             <a:endParaRPr lang="en-US" altLang="zh-TW" dirty="0"/>
           </a:p>
@@ -1495,7 +1557,7 @@
     </p:spTree>
     <p:extLst>
       <p:ext uri="{BB962C8B-B14F-4D97-AF65-F5344CB8AC3E}">
-        <p14:creationId xmlns:p14="http://schemas.microsoft.com/office/powerpoint/2010/main" val="2415730413"/>
+        <p14:creationId xmlns:p14="http://schemas.microsoft.com/office/powerpoint/2010/main" val="1656395698"/>
       </p:ext>
     </p:extLst>
   </p:cSld>
@@ -1549,42 +1611,53 @@
           <a:bodyPr/>
           <a:lstStyle/>
           <a:p>
-            <a:pPr marL="0" marR="0" indent="0" algn="l" defTabSz="914400" rtl="0" eaLnBrk="1" fontAlgn="auto" latinLnBrk="0" hangingPunct="1">
-              <a:lnSpc>
-                <a:spcPct val="100000"/>
-              </a:lnSpc>
-              <a:spcBef>
-                <a:spcPts val="0"/>
-              </a:spcBef>
-              <a:spcAft>
-                <a:spcPts val="0"/>
-              </a:spcAft>
-              <a:buClrTx/>
-              <a:buSzTx/>
-              <a:buFontTx/>
-              <a:buNone/>
-              <a:tabLst/>
-              <a:defRPr/>
-            </a:pPr>
             <a:r>
               <a:rPr lang="zh-TW" altLang="en-US" sz="1200" dirty="0">
                 <a:latin typeface="微軟正黑體" panose="020B0604030504040204" pitchFamily="34" charset="-120"/>
                 <a:ea typeface="微軟正黑體" panose="020B0604030504040204" pitchFamily="34" charset="-120"/>
               </a:rPr>
-              <a:t>如果不是</a:t>
+              <a:t>如果要打指令，可以透過快捷鍵 </a:t>
+            </a:r>
+            <a:r>
+              <a:rPr lang="en-US" altLang="zh-TW" sz="1200" u="sng" dirty="0">
+                <a:solidFill>
+                  <a:srgbClr val="FF5050"/>
+                </a:solidFill>
+                <a:latin typeface="微軟正黑體" panose="020B0604030504040204" pitchFamily="34" charset="-120"/>
+                <a:ea typeface="微軟正黑體" panose="020B0604030504040204" pitchFamily="34" charset="-120"/>
+              </a:rPr>
+              <a:t>Ctrl+`</a:t>
+            </a:r>
+            <a:r>
+              <a:rPr lang="en-US" altLang="zh-TW" sz="1200" dirty="0">
+                <a:solidFill>
+                  <a:srgbClr val="414141"/>
+                </a:solidFill>
+                <a:latin typeface="微軟正黑體" panose="020B0604030504040204" pitchFamily="34" charset="-120"/>
+                <a:ea typeface="微軟正黑體" panose="020B0604030504040204" pitchFamily="34" charset="-120"/>
+              </a:rPr>
+              <a:t> </a:t>
             </a:r>
             <a:r>
               <a:rPr lang="zh-TW" altLang="en-US" sz="1200" dirty="0">
                 <a:latin typeface="微軟正黑體" panose="020B0604030504040204" pitchFamily="34" charset="-120"/>
-              </a:rPr>
-              <a:t>操作</a:t>
+                <a:ea typeface="微軟正黑體" panose="020B0604030504040204" pitchFamily="34" charset="-120"/>
+              </a:rPr>
+              <a:t>叫出編輯器整合的 </a:t>
+            </a:r>
+            <a:r>
+              <a:rPr lang="en-US" altLang="zh-TW" sz="1200" dirty="0">
+                <a:latin typeface="微軟正黑體" panose="020B0604030504040204" pitchFamily="34" charset="-120"/>
+                <a:ea typeface="微軟正黑體" panose="020B0604030504040204" pitchFamily="34" charset="-120"/>
+              </a:rPr>
+              <a:t>Terminal</a:t>
             </a:r>
             <a:r>
               <a:rPr lang="zh-TW" altLang="en-US" sz="1200" dirty="0">
                 <a:latin typeface="微軟正黑體" panose="020B0604030504040204" pitchFamily="34" charset="-120"/>
                 <a:ea typeface="微軟正黑體" panose="020B0604030504040204" pitchFamily="34" charset="-120"/>
               </a:rPr>
-              <a:t>單一檔案，建議用編輯器載入資料夾。</a:t>
+              <a:t>。</a:t>
             </a:r>
             <a:endParaRPr lang="en-US" altLang="zh-TW" sz="1200" dirty="0">
               <a:latin typeface="微軟正黑體" panose="020B0604030504040204" pitchFamily="34" charset="-120"/>
@@ -1594,23 +1667,16 @@
           <a:p>
             <a:r>
               <a:rPr lang="zh-TW" altLang="en-US" dirty="0"/>
-              <a:t>這樣就可以透過左邊的欄位看到資料夾內容，</a:t>
-            </a:r>
-            <a:endParaRPr lang="en-US" altLang="zh-TW" dirty="0"/>
-          </a:p>
-          <a:p>
+              <a:t>一樣，這種整合編輯器或是 </a:t>
+            </a:r>
+            <a:r>
+              <a:rPr lang="en-US" altLang="zh-TW" dirty="0"/>
+              <a:t>IDE</a:t>
+            </a:r>
             <a:r>
               <a:rPr lang="zh-TW" altLang="en-US" dirty="0"/>
-              <a:t>不用一直切換視窗去開啟其他檔案，在寫的時候也比較能掌握每個檔案位置在哪裡。</a:t>
-            </a:r>
-            <a:endParaRPr lang="en-US" altLang="zh-TW" dirty="0"/>
-          </a:p>
-          <a:p>
-            <a:r>
-              <a:rPr lang="zh-TW" altLang="en-US" dirty="0"/>
-              <a:t>不會有時候引入檔案的時候失敗。</a:t>
-            </a:r>
-            <a:endParaRPr lang="en-US" altLang="zh-TW" dirty="0"/>
+              <a:t> 就是讓你在開發的時候可以避免一直切換視窗才出現的，所以請善用這些功能。</a:t>
+            </a:r>
           </a:p>
         </p:txBody>
       </p:sp>
@@ -1640,7 +1706,7 @@
     </p:spTree>
     <p:extLst>
       <p:ext uri="{BB962C8B-B14F-4D97-AF65-F5344CB8AC3E}">
-        <p14:creationId xmlns:p14="http://schemas.microsoft.com/office/powerpoint/2010/main" val="1656395698"/>
+        <p14:creationId xmlns:p14="http://schemas.microsoft.com/office/powerpoint/2010/main" val="2100451296"/>
       </p:ext>
     </p:extLst>
   </p:cSld>
@@ -1695,71 +1761,18 @@
           <a:lstStyle/>
           <a:p>
             <a:r>
-              <a:rPr lang="zh-TW" altLang="en-US" sz="1200" dirty="0">
-                <a:latin typeface="微軟正黑體" panose="020B0604030504040204" pitchFamily="34" charset="-120"/>
-                <a:ea typeface="微軟正黑體" panose="020B0604030504040204" pitchFamily="34" charset="-120"/>
-              </a:rPr>
-              <a:t>如果要打指令，可以透過快捷鍵 </a:t>
-            </a:r>
-            <a:r>
-              <a:rPr lang="en-US" altLang="zh-TW" sz="1200" u="sng" dirty="0">
-                <a:solidFill>
-                  <a:srgbClr val="FF5050"/>
-                </a:solidFill>
-                <a:latin typeface="微軟正黑體" panose="020B0604030504040204" pitchFamily="34" charset="-120"/>
-                <a:ea typeface="微軟正黑體" panose="020B0604030504040204" pitchFamily="34" charset="-120"/>
-              </a:rPr>
-              <a:t>Ctrl+`</a:t>
-            </a:r>
-            <a:r>
-              <a:rPr lang="en-US" altLang="zh-TW" sz="1200" dirty="0">
-                <a:solidFill>
-                  <a:srgbClr val="414141"/>
-                </a:solidFill>
-                <a:latin typeface="微軟正黑體" panose="020B0604030504040204" pitchFamily="34" charset="-120"/>
-                <a:ea typeface="微軟正黑體" panose="020B0604030504040204" pitchFamily="34" charset="-120"/>
-              </a:rPr>
-              <a:t> </a:t>
-            </a:r>
-            <a:r>
-              <a:rPr lang="zh-TW" altLang="en-US" sz="1200" dirty="0">
-                <a:latin typeface="微軟正黑體" panose="020B0604030504040204" pitchFamily="34" charset="-120"/>
-                <a:ea typeface="微軟正黑體" panose="020B0604030504040204" pitchFamily="34" charset="-120"/>
-              </a:rPr>
-              <a:t>叫出編輯器整合的 </a:t>
-            </a:r>
-            <a:r>
-              <a:rPr lang="en-US" altLang="zh-TW" sz="1200" dirty="0">
-                <a:latin typeface="微軟正黑體" panose="020B0604030504040204" pitchFamily="34" charset="-120"/>
-                <a:ea typeface="微軟正黑體" panose="020B0604030504040204" pitchFamily="34" charset="-120"/>
-              </a:rPr>
-              <a:t>Terminal</a:t>
-            </a:r>
-            <a:r>
-              <a:rPr lang="zh-TW" altLang="en-US" sz="1200" dirty="0">
-                <a:latin typeface="微軟正黑體" panose="020B0604030504040204" pitchFamily="34" charset="-120"/>
-                <a:ea typeface="微軟正黑體" panose="020B0604030504040204" pitchFamily="34" charset="-120"/>
-              </a:rPr>
+              <a:rPr lang="zh-TW" altLang="en-US" dirty="0"/>
+              <a:t>好，經過了重重難關，終於來到了今天的重點，</a:t>
+            </a:r>
+            <a:r>
+              <a:rPr lang="en-US" altLang="zh-TW" dirty="0"/>
+              <a:t>HTML</a:t>
+            </a:r>
+            <a:r>
+              <a:rPr lang="zh-TW" altLang="en-US" dirty="0"/>
               <a:t>。</a:t>
             </a:r>
-            <a:endParaRPr lang="en-US" altLang="zh-TW" sz="1200" dirty="0">
-              <a:latin typeface="微軟正黑體" panose="020B0604030504040204" pitchFamily="34" charset="-120"/>
-              <a:ea typeface="微軟正黑體" panose="020B0604030504040204" pitchFamily="34" charset="-120"/>
-            </a:endParaRPr>
-          </a:p>
-          <a:p>
-            <a:r>
-              <a:rPr lang="zh-TW" altLang="en-US" dirty="0"/>
-              <a:t>一樣，這種整合編輯器或是 </a:t>
-            </a:r>
-            <a:r>
-              <a:rPr lang="en-US" altLang="zh-TW" dirty="0"/>
-              <a:t>IDE</a:t>
-            </a:r>
-            <a:r>
-              <a:rPr lang="zh-TW" altLang="en-US" dirty="0"/>
-              <a:t> 就是讓你在開發的時候可以避免一直切換視窗才出現的，所以請善用這些功能。</a:t>
-            </a:r>
+            <a:endParaRPr lang="en-US" altLang="zh-TW" dirty="0"/>
           </a:p>
         </p:txBody>
       </p:sp>
@@ -1789,7 +1802,7 @@
     </p:spTree>
     <p:extLst>
       <p:ext uri="{BB962C8B-B14F-4D97-AF65-F5344CB8AC3E}">
-        <p14:creationId xmlns:p14="http://schemas.microsoft.com/office/powerpoint/2010/main" val="2100451296"/>
+        <p14:creationId xmlns:p14="http://schemas.microsoft.com/office/powerpoint/2010/main" val="274611486"/>
       </p:ext>
     </p:extLst>
   </p:cSld>
@@ -1927,19 +1940,7 @@
           <a:bodyPr/>
           <a:lstStyle/>
           <a:p>
-            <a:r>
-              <a:rPr lang="zh-TW" altLang="en-US" dirty="0"/>
-              <a:t>好，經過了重重難關，終於來到了今天的重點，</a:t>
-            </a:r>
-            <a:r>
-              <a:rPr lang="en-US" altLang="zh-TW" dirty="0"/>
-              <a:t>HTML</a:t>
-            </a:r>
-            <a:r>
-              <a:rPr lang="zh-TW" altLang="en-US" dirty="0"/>
-              <a:t>。</a:t>
-            </a:r>
-            <a:endParaRPr lang="en-US" altLang="zh-TW" dirty="0"/>
+            <a:endParaRPr lang="zh-TW" altLang="en-US" dirty="0"/>
           </a:p>
         </p:txBody>
       </p:sp>
@@ -1969,7 +1970,7 @@
     </p:spTree>
     <p:extLst>
       <p:ext uri="{BB962C8B-B14F-4D97-AF65-F5344CB8AC3E}">
-        <p14:creationId xmlns:p14="http://schemas.microsoft.com/office/powerpoint/2010/main" val="274611486"/>
+        <p14:creationId xmlns:p14="http://schemas.microsoft.com/office/powerpoint/2010/main" val="4270384013"/>
       </p:ext>
     </p:extLst>
   </p:cSld>
@@ -2053,7 +2054,7 @@
     </p:spTree>
     <p:extLst>
       <p:ext uri="{BB962C8B-B14F-4D97-AF65-F5344CB8AC3E}">
-        <p14:creationId xmlns:p14="http://schemas.microsoft.com/office/powerpoint/2010/main" val="4270384013"/>
+        <p14:creationId xmlns:p14="http://schemas.microsoft.com/office/powerpoint/2010/main" val="1302024346"/>
       </p:ext>
     </p:extLst>
   </p:cSld>
@@ -2137,7 +2138,7 @@
     </p:spTree>
     <p:extLst>
       <p:ext uri="{BB962C8B-B14F-4D97-AF65-F5344CB8AC3E}">
-        <p14:creationId xmlns:p14="http://schemas.microsoft.com/office/powerpoint/2010/main" val="1302024346"/>
+        <p14:creationId xmlns:p14="http://schemas.microsoft.com/office/powerpoint/2010/main" val="3196693321"/>
       </p:ext>
     </p:extLst>
   </p:cSld>
@@ -2810,26 +2811,7 @@
           <a:bodyPr/>
           <a:lstStyle/>
           <a:p>
-            <a:r>
-              <a:rPr lang="zh-TW" altLang="en-US" dirty="0"/>
-              <a:t>剛剛那段就會變成這樣：</a:t>
-            </a:r>
-            <a:r>
-              <a:rPr lang="en-US" altLang="zh-TW" dirty="0"/>
-              <a:t>title</a:t>
-            </a:r>
-            <a:r>
-              <a:rPr lang="zh-TW" altLang="en-US" dirty="0"/>
-              <a:t> 標籤對應到標題，</a:t>
-            </a:r>
-            <a:r>
-              <a:rPr lang="en-US" altLang="zh-TW" dirty="0"/>
-              <a:t>body</a:t>
-            </a:r>
-            <a:r>
-              <a:rPr lang="zh-TW" altLang="en-US" dirty="0"/>
-              <a:t> 標籤內的網站內文就對應到網站顯示的內容。</a:t>
-            </a:r>
+            <a:endParaRPr lang="zh-TW" altLang="en-US" dirty="0"/>
           </a:p>
         </p:txBody>
       </p:sp>
@@ -2859,7 +2841,175 @@
     </p:spTree>
     <p:extLst>
       <p:ext uri="{BB962C8B-B14F-4D97-AF65-F5344CB8AC3E}">
-        <p14:creationId xmlns:p14="http://schemas.microsoft.com/office/powerpoint/2010/main" val="779427691"/>
+        <p14:creationId xmlns:p14="http://schemas.microsoft.com/office/powerpoint/2010/main" val="4061141305"/>
+      </p:ext>
+    </p:extLst>
+  </p:cSld>
+  <p:clrMapOvr>
+    <a:masterClrMapping/>
+  </p:clrMapOvr>
+</p:notes>
+</file>
+
+<file path=ppt/notesSlides/notesSlide28.xml><?xml version="1.0" encoding="utf-8"?>
+<p:notes xmlns:a="http://schemas.openxmlformats.org/drawingml/2006/main" xmlns:r="http://schemas.openxmlformats.org/officeDocument/2006/relationships" xmlns:p="http://schemas.openxmlformats.org/presentationml/2006/main">
+  <p:cSld>
+    <p:spTree>
+      <p:nvGrpSpPr>
+        <p:cNvPr id="1" name=""/>
+        <p:cNvGrpSpPr/>
+        <p:nvPr/>
+      </p:nvGrpSpPr>
+      <p:grpSpPr>
+        <a:xfrm>
+          <a:off x="0" y="0"/>
+          <a:ext cx="0" cy="0"/>
+          <a:chOff x="0" y="0"/>
+          <a:chExt cx="0" cy="0"/>
+        </a:xfrm>
+      </p:grpSpPr>
+      <p:sp>
+        <p:nvSpPr>
+          <p:cNvPr id="2" name="投影片圖像版面配置區 1"/>
+          <p:cNvSpPr>
+            <a:spLocks noGrp="1" noRot="1" noChangeAspect="1"/>
+          </p:cNvSpPr>
+          <p:nvPr>
+            <p:ph type="sldImg"/>
+          </p:nvPr>
+        </p:nvSpPr>
+        <p:spPr/>
+      </p:sp>
+      <p:sp>
+        <p:nvSpPr>
+          <p:cNvPr id="3" name="備忘稿版面配置區 2"/>
+          <p:cNvSpPr>
+            <a:spLocks noGrp="1"/>
+          </p:cNvSpPr>
+          <p:nvPr>
+            <p:ph type="body" idx="1"/>
+          </p:nvPr>
+        </p:nvSpPr>
+        <p:spPr/>
+        <p:txBody>
+          <a:bodyPr/>
+          <a:lstStyle/>
+          <a:p>
+            <a:endParaRPr lang="zh-TW" altLang="en-US" dirty="0"/>
+          </a:p>
+        </p:txBody>
+      </p:sp>
+      <p:sp>
+        <p:nvSpPr>
+          <p:cNvPr id="4" name="投影片編號版面配置區 3"/>
+          <p:cNvSpPr>
+            <a:spLocks noGrp="1"/>
+          </p:cNvSpPr>
+          <p:nvPr>
+            <p:ph type="sldNum" sz="quarter" idx="10"/>
+          </p:nvPr>
+        </p:nvSpPr>
+        <p:spPr/>
+        <p:txBody>
+          <a:bodyPr/>
+          <a:lstStyle/>
+          <a:p>
+            <a:fld id="{288A6225-17E4-4F1A-9B1B-5D6F54C0EC31}" type="slidenum">
+              <a:rPr lang="zh-TW" altLang="en-US" smtClean="0"/>
+              <a:t>29</a:t>
+            </a:fld>
+            <a:endParaRPr lang="zh-TW" altLang="en-US"/>
+          </a:p>
+        </p:txBody>
+      </p:sp>
+    </p:spTree>
+    <p:extLst>
+      <p:ext uri="{BB962C8B-B14F-4D97-AF65-F5344CB8AC3E}">
+        <p14:creationId xmlns:p14="http://schemas.microsoft.com/office/powerpoint/2010/main" val="704425117"/>
+      </p:ext>
+    </p:extLst>
+  </p:cSld>
+  <p:clrMapOvr>
+    <a:masterClrMapping/>
+  </p:clrMapOvr>
+</p:notes>
+</file>
+
+<file path=ppt/notesSlides/notesSlide29.xml><?xml version="1.0" encoding="utf-8"?>
+<p:notes xmlns:a="http://schemas.openxmlformats.org/drawingml/2006/main" xmlns:r="http://schemas.openxmlformats.org/officeDocument/2006/relationships" xmlns:p="http://schemas.openxmlformats.org/presentationml/2006/main">
+  <p:cSld>
+    <p:spTree>
+      <p:nvGrpSpPr>
+        <p:cNvPr id="1" name=""/>
+        <p:cNvGrpSpPr/>
+        <p:nvPr/>
+      </p:nvGrpSpPr>
+      <p:grpSpPr>
+        <a:xfrm>
+          <a:off x="0" y="0"/>
+          <a:ext cx="0" cy="0"/>
+          <a:chOff x="0" y="0"/>
+          <a:chExt cx="0" cy="0"/>
+        </a:xfrm>
+      </p:grpSpPr>
+      <p:sp>
+        <p:nvSpPr>
+          <p:cNvPr id="2" name="投影片圖像版面配置區 1"/>
+          <p:cNvSpPr>
+            <a:spLocks noGrp="1" noRot="1" noChangeAspect="1"/>
+          </p:cNvSpPr>
+          <p:nvPr>
+            <p:ph type="sldImg"/>
+          </p:nvPr>
+        </p:nvSpPr>
+        <p:spPr/>
+      </p:sp>
+      <p:sp>
+        <p:nvSpPr>
+          <p:cNvPr id="3" name="備忘稿版面配置區 2"/>
+          <p:cNvSpPr>
+            <a:spLocks noGrp="1"/>
+          </p:cNvSpPr>
+          <p:nvPr>
+            <p:ph type="body" idx="1"/>
+          </p:nvPr>
+        </p:nvSpPr>
+        <p:spPr/>
+        <p:txBody>
+          <a:bodyPr/>
+          <a:lstStyle/>
+          <a:p>
+            <a:endParaRPr lang="zh-TW" altLang="en-US" dirty="0"/>
+          </a:p>
+        </p:txBody>
+      </p:sp>
+      <p:sp>
+        <p:nvSpPr>
+          <p:cNvPr id="4" name="投影片編號版面配置區 3"/>
+          <p:cNvSpPr>
+            <a:spLocks noGrp="1"/>
+          </p:cNvSpPr>
+          <p:nvPr>
+            <p:ph type="sldNum" sz="quarter" idx="10"/>
+          </p:nvPr>
+        </p:nvSpPr>
+        <p:spPr/>
+        <p:txBody>
+          <a:bodyPr/>
+          <a:lstStyle/>
+          <a:p>
+            <a:fld id="{288A6225-17E4-4F1A-9B1B-5D6F54C0EC31}" type="slidenum">
+              <a:rPr lang="zh-TW" altLang="en-US" smtClean="0"/>
+              <a:t>30</a:t>
+            </a:fld>
+            <a:endParaRPr lang="zh-TW" altLang="en-US"/>
+          </a:p>
+        </p:txBody>
+      </p:sp>
+    </p:spTree>
+    <p:extLst>
+      <p:ext uri="{BB962C8B-B14F-4D97-AF65-F5344CB8AC3E}">
+        <p14:creationId xmlns:p14="http://schemas.microsoft.com/office/powerpoint/2010/main" val="1811035174"/>
       </p:ext>
     </p:extLst>
   </p:cSld>
@@ -2947,6 +3097,846 @@
     <p:extLst>
       <p:ext uri="{BB962C8B-B14F-4D97-AF65-F5344CB8AC3E}">
         <p14:creationId xmlns:p14="http://schemas.microsoft.com/office/powerpoint/2010/main" val="136689113"/>
+      </p:ext>
+    </p:extLst>
+  </p:cSld>
+  <p:clrMapOvr>
+    <a:masterClrMapping/>
+  </p:clrMapOvr>
+</p:notes>
+</file>
+
+<file path=ppt/notesSlides/notesSlide30.xml><?xml version="1.0" encoding="utf-8"?>
+<p:notes xmlns:a="http://schemas.openxmlformats.org/drawingml/2006/main" xmlns:r="http://schemas.openxmlformats.org/officeDocument/2006/relationships" xmlns:p="http://schemas.openxmlformats.org/presentationml/2006/main">
+  <p:cSld>
+    <p:spTree>
+      <p:nvGrpSpPr>
+        <p:cNvPr id="1" name=""/>
+        <p:cNvGrpSpPr/>
+        <p:nvPr/>
+      </p:nvGrpSpPr>
+      <p:grpSpPr>
+        <a:xfrm>
+          <a:off x="0" y="0"/>
+          <a:ext cx="0" cy="0"/>
+          <a:chOff x="0" y="0"/>
+          <a:chExt cx="0" cy="0"/>
+        </a:xfrm>
+      </p:grpSpPr>
+      <p:sp>
+        <p:nvSpPr>
+          <p:cNvPr id="2" name="投影片圖像版面配置區 1"/>
+          <p:cNvSpPr>
+            <a:spLocks noGrp="1" noRot="1" noChangeAspect="1"/>
+          </p:cNvSpPr>
+          <p:nvPr>
+            <p:ph type="sldImg"/>
+          </p:nvPr>
+        </p:nvSpPr>
+        <p:spPr/>
+      </p:sp>
+      <p:sp>
+        <p:nvSpPr>
+          <p:cNvPr id="3" name="備忘稿版面配置區 2"/>
+          <p:cNvSpPr>
+            <a:spLocks noGrp="1"/>
+          </p:cNvSpPr>
+          <p:nvPr>
+            <p:ph type="body" idx="1"/>
+          </p:nvPr>
+        </p:nvSpPr>
+        <p:spPr/>
+        <p:txBody>
+          <a:bodyPr/>
+          <a:lstStyle/>
+          <a:p>
+            <a:endParaRPr lang="zh-TW" altLang="en-US" dirty="0"/>
+          </a:p>
+        </p:txBody>
+      </p:sp>
+      <p:sp>
+        <p:nvSpPr>
+          <p:cNvPr id="4" name="投影片編號版面配置區 3"/>
+          <p:cNvSpPr>
+            <a:spLocks noGrp="1"/>
+          </p:cNvSpPr>
+          <p:nvPr>
+            <p:ph type="sldNum" sz="quarter" idx="10"/>
+          </p:nvPr>
+        </p:nvSpPr>
+        <p:spPr/>
+        <p:txBody>
+          <a:bodyPr/>
+          <a:lstStyle/>
+          <a:p>
+            <a:fld id="{288A6225-17E4-4F1A-9B1B-5D6F54C0EC31}" type="slidenum">
+              <a:rPr lang="zh-TW" altLang="en-US" smtClean="0"/>
+              <a:t>31</a:t>
+            </a:fld>
+            <a:endParaRPr lang="zh-TW" altLang="en-US"/>
+          </a:p>
+        </p:txBody>
+      </p:sp>
+    </p:spTree>
+    <p:extLst>
+      <p:ext uri="{BB962C8B-B14F-4D97-AF65-F5344CB8AC3E}">
+        <p14:creationId xmlns:p14="http://schemas.microsoft.com/office/powerpoint/2010/main" val="2009302084"/>
+      </p:ext>
+    </p:extLst>
+  </p:cSld>
+  <p:clrMapOvr>
+    <a:masterClrMapping/>
+  </p:clrMapOvr>
+</p:notes>
+</file>
+
+<file path=ppt/notesSlides/notesSlide31.xml><?xml version="1.0" encoding="utf-8"?>
+<p:notes xmlns:a="http://schemas.openxmlformats.org/drawingml/2006/main" xmlns:r="http://schemas.openxmlformats.org/officeDocument/2006/relationships" xmlns:p="http://schemas.openxmlformats.org/presentationml/2006/main">
+  <p:cSld>
+    <p:spTree>
+      <p:nvGrpSpPr>
+        <p:cNvPr id="1" name=""/>
+        <p:cNvGrpSpPr/>
+        <p:nvPr/>
+      </p:nvGrpSpPr>
+      <p:grpSpPr>
+        <a:xfrm>
+          <a:off x="0" y="0"/>
+          <a:ext cx="0" cy="0"/>
+          <a:chOff x="0" y="0"/>
+          <a:chExt cx="0" cy="0"/>
+        </a:xfrm>
+      </p:grpSpPr>
+      <p:sp>
+        <p:nvSpPr>
+          <p:cNvPr id="2" name="投影片圖像版面配置區 1"/>
+          <p:cNvSpPr>
+            <a:spLocks noGrp="1" noRot="1" noChangeAspect="1"/>
+          </p:cNvSpPr>
+          <p:nvPr>
+            <p:ph type="sldImg"/>
+          </p:nvPr>
+        </p:nvSpPr>
+        <p:spPr/>
+      </p:sp>
+      <p:sp>
+        <p:nvSpPr>
+          <p:cNvPr id="3" name="備忘稿版面配置區 2"/>
+          <p:cNvSpPr>
+            <a:spLocks noGrp="1"/>
+          </p:cNvSpPr>
+          <p:nvPr>
+            <p:ph type="body" idx="1"/>
+          </p:nvPr>
+        </p:nvSpPr>
+        <p:spPr/>
+        <p:txBody>
+          <a:bodyPr/>
+          <a:lstStyle/>
+          <a:p>
+            <a:endParaRPr lang="zh-TW" altLang="en-US" dirty="0"/>
+          </a:p>
+        </p:txBody>
+      </p:sp>
+      <p:sp>
+        <p:nvSpPr>
+          <p:cNvPr id="4" name="投影片編號版面配置區 3"/>
+          <p:cNvSpPr>
+            <a:spLocks noGrp="1"/>
+          </p:cNvSpPr>
+          <p:nvPr>
+            <p:ph type="sldNum" sz="quarter" idx="10"/>
+          </p:nvPr>
+        </p:nvSpPr>
+        <p:spPr/>
+        <p:txBody>
+          <a:bodyPr/>
+          <a:lstStyle/>
+          <a:p>
+            <a:fld id="{288A6225-17E4-4F1A-9B1B-5D6F54C0EC31}" type="slidenum">
+              <a:rPr lang="zh-TW" altLang="en-US" smtClean="0"/>
+              <a:t>32</a:t>
+            </a:fld>
+            <a:endParaRPr lang="zh-TW" altLang="en-US"/>
+          </a:p>
+        </p:txBody>
+      </p:sp>
+    </p:spTree>
+    <p:extLst>
+      <p:ext uri="{BB962C8B-B14F-4D97-AF65-F5344CB8AC3E}">
+        <p14:creationId xmlns:p14="http://schemas.microsoft.com/office/powerpoint/2010/main" val="3875785858"/>
+      </p:ext>
+    </p:extLst>
+  </p:cSld>
+  <p:clrMapOvr>
+    <a:masterClrMapping/>
+  </p:clrMapOvr>
+</p:notes>
+</file>
+
+<file path=ppt/notesSlides/notesSlide32.xml><?xml version="1.0" encoding="utf-8"?>
+<p:notes xmlns:a="http://schemas.openxmlformats.org/drawingml/2006/main" xmlns:r="http://schemas.openxmlformats.org/officeDocument/2006/relationships" xmlns:p="http://schemas.openxmlformats.org/presentationml/2006/main">
+  <p:cSld>
+    <p:spTree>
+      <p:nvGrpSpPr>
+        <p:cNvPr id="1" name=""/>
+        <p:cNvGrpSpPr/>
+        <p:nvPr/>
+      </p:nvGrpSpPr>
+      <p:grpSpPr>
+        <a:xfrm>
+          <a:off x="0" y="0"/>
+          <a:ext cx="0" cy="0"/>
+          <a:chOff x="0" y="0"/>
+          <a:chExt cx="0" cy="0"/>
+        </a:xfrm>
+      </p:grpSpPr>
+      <p:sp>
+        <p:nvSpPr>
+          <p:cNvPr id="2" name="投影片圖像版面配置區 1"/>
+          <p:cNvSpPr>
+            <a:spLocks noGrp="1" noRot="1" noChangeAspect="1"/>
+          </p:cNvSpPr>
+          <p:nvPr>
+            <p:ph type="sldImg"/>
+          </p:nvPr>
+        </p:nvSpPr>
+        <p:spPr/>
+      </p:sp>
+      <p:sp>
+        <p:nvSpPr>
+          <p:cNvPr id="3" name="備忘稿版面配置區 2"/>
+          <p:cNvSpPr>
+            <a:spLocks noGrp="1"/>
+          </p:cNvSpPr>
+          <p:nvPr>
+            <p:ph type="body" idx="1"/>
+          </p:nvPr>
+        </p:nvSpPr>
+        <p:spPr/>
+        <p:txBody>
+          <a:bodyPr/>
+          <a:lstStyle/>
+          <a:p>
+            <a:endParaRPr lang="zh-TW" altLang="en-US" dirty="0"/>
+          </a:p>
+        </p:txBody>
+      </p:sp>
+      <p:sp>
+        <p:nvSpPr>
+          <p:cNvPr id="4" name="投影片編號版面配置區 3"/>
+          <p:cNvSpPr>
+            <a:spLocks noGrp="1"/>
+          </p:cNvSpPr>
+          <p:nvPr>
+            <p:ph type="sldNum" sz="quarter" idx="10"/>
+          </p:nvPr>
+        </p:nvSpPr>
+        <p:spPr/>
+        <p:txBody>
+          <a:bodyPr/>
+          <a:lstStyle/>
+          <a:p>
+            <a:fld id="{288A6225-17E4-4F1A-9B1B-5D6F54C0EC31}" type="slidenum">
+              <a:rPr lang="zh-TW" altLang="en-US" smtClean="0"/>
+              <a:t>33</a:t>
+            </a:fld>
+            <a:endParaRPr lang="zh-TW" altLang="en-US"/>
+          </a:p>
+        </p:txBody>
+      </p:sp>
+    </p:spTree>
+    <p:extLst>
+      <p:ext uri="{BB962C8B-B14F-4D97-AF65-F5344CB8AC3E}">
+        <p14:creationId xmlns:p14="http://schemas.microsoft.com/office/powerpoint/2010/main" val="1397324981"/>
+      </p:ext>
+    </p:extLst>
+  </p:cSld>
+  <p:clrMapOvr>
+    <a:masterClrMapping/>
+  </p:clrMapOvr>
+</p:notes>
+</file>
+
+<file path=ppt/notesSlides/notesSlide33.xml><?xml version="1.0" encoding="utf-8"?>
+<p:notes xmlns:a="http://schemas.openxmlformats.org/drawingml/2006/main" xmlns:r="http://schemas.openxmlformats.org/officeDocument/2006/relationships" xmlns:p="http://schemas.openxmlformats.org/presentationml/2006/main">
+  <p:cSld>
+    <p:spTree>
+      <p:nvGrpSpPr>
+        <p:cNvPr id="1" name=""/>
+        <p:cNvGrpSpPr/>
+        <p:nvPr/>
+      </p:nvGrpSpPr>
+      <p:grpSpPr>
+        <a:xfrm>
+          <a:off x="0" y="0"/>
+          <a:ext cx="0" cy="0"/>
+          <a:chOff x="0" y="0"/>
+          <a:chExt cx="0" cy="0"/>
+        </a:xfrm>
+      </p:grpSpPr>
+      <p:sp>
+        <p:nvSpPr>
+          <p:cNvPr id="2" name="投影片圖像版面配置區 1"/>
+          <p:cNvSpPr>
+            <a:spLocks noGrp="1" noRot="1" noChangeAspect="1"/>
+          </p:cNvSpPr>
+          <p:nvPr>
+            <p:ph type="sldImg"/>
+          </p:nvPr>
+        </p:nvSpPr>
+        <p:spPr/>
+      </p:sp>
+      <p:sp>
+        <p:nvSpPr>
+          <p:cNvPr id="3" name="備忘稿版面配置區 2"/>
+          <p:cNvSpPr>
+            <a:spLocks noGrp="1"/>
+          </p:cNvSpPr>
+          <p:nvPr>
+            <p:ph type="body" idx="1"/>
+          </p:nvPr>
+        </p:nvSpPr>
+        <p:spPr/>
+        <p:txBody>
+          <a:bodyPr/>
+          <a:lstStyle/>
+          <a:p>
+            <a:endParaRPr lang="zh-TW" altLang="en-US" dirty="0"/>
+          </a:p>
+        </p:txBody>
+      </p:sp>
+      <p:sp>
+        <p:nvSpPr>
+          <p:cNvPr id="4" name="投影片編號版面配置區 3"/>
+          <p:cNvSpPr>
+            <a:spLocks noGrp="1"/>
+          </p:cNvSpPr>
+          <p:nvPr>
+            <p:ph type="sldNum" sz="quarter" idx="10"/>
+          </p:nvPr>
+        </p:nvSpPr>
+        <p:spPr/>
+        <p:txBody>
+          <a:bodyPr/>
+          <a:lstStyle/>
+          <a:p>
+            <a:fld id="{288A6225-17E4-4F1A-9B1B-5D6F54C0EC31}" type="slidenum">
+              <a:rPr lang="zh-TW" altLang="en-US" smtClean="0"/>
+              <a:t>34</a:t>
+            </a:fld>
+            <a:endParaRPr lang="zh-TW" altLang="en-US"/>
+          </a:p>
+        </p:txBody>
+      </p:sp>
+    </p:spTree>
+    <p:extLst>
+      <p:ext uri="{BB962C8B-B14F-4D97-AF65-F5344CB8AC3E}">
+        <p14:creationId xmlns:p14="http://schemas.microsoft.com/office/powerpoint/2010/main" val="3571198910"/>
+      </p:ext>
+    </p:extLst>
+  </p:cSld>
+  <p:clrMapOvr>
+    <a:masterClrMapping/>
+  </p:clrMapOvr>
+</p:notes>
+</file>
+
+<file path=ppt/notesSlides/notesSlide34.xml><?xml version="1.0" encoding="utf-8"?>
+<p:notes xmlns:a="http://schemas.openxmlformats.org/drawingml/2006/main" xmlns:r="http://schemas.openxmlformats.org/officeDocument/2006/relationships" xmlns:p="http://schemas.openxmlformats.org/presentationml/2006/main">
+  <p:cSld>
+    <p:spTree>
+      <p:nvGrpSpPr>
+        <p:cNvPr id="1" name=""/>
+        <p:cNvGrpSpPr/>
+        <p:nvPr/>
+      </p:nvGrpSpPr>
+      <p:grpSpPr>
+        <a:xfrm>
+          <a:off x="0" y="0"/>
+          <a:ext cx="0" cy="0"/>
+          <a:chOff x="0" y="0"/>
+          <a:chExt cx="0" cy="0"/>
+        </a:xfrm>
+      </p:grpSpPr>
+      <p:sp>
+        <p:nvSpPr>
+          <p:cNvPr id="2" name="投影片圖像版面配置區 1"/>
+          <p:cNvSpPr>
+            <a:spLocks noGrp="1" noRot="1" noChangeAspect="1"/>
+          </p:cNvSpPr>
+          <p:nvPr>
+            <p:ph type="sldImg"/>
+          </p:nvPr>
+        </p:nvSpPr>
+        <p:spPr/>
+      </p:sp>
+      <p:sp>
+        <p:nvSpPr>
+          <p:cNvPr id="3" name="備忘稿版面配置區 2"/>
+          <p:cNvSpPr>
+            <a:spLocks noGrp="1"/>
+          </p:cNvSpPr>
+          <p:nvPr>
+            <p:ph type="body" idx="1"/>
+          </p:nvPr>
+        </p:nvSpPr>
+        <p:spPr/>
+        <p:txBody>
+          <a:bodyPr/>
+          <a:lstStyle/>
+          <a:p>
+            <a:endParaRPr lang="zh-TW" altLang="en-US" dirty="0"/>
+          </a:p>
+        </p:txBody>
+      </p:sp>
+      <p:sp>
+        <p:nvSpPr>
+          <p:cNvPr id="4" name="投影片編號版面配置區 3"/>
+          <p:cNvSpPr>
+            <a:spLocks noGrp="1"/>
+          </p:cNvSpPr>
+          <p:nvPr>
+            <p:ph type="sldNum" sz="quarter" idx="10"/>
+          </p:nvPr>
+        </p:nvSpPr>
+        <p:spPr/>
+        <p:txBody>
+          <a:bodyPr/>
+          <a:lstStyle/>
+          <a:p>
+            <a:fld id="{288A6225-17E4-4F1A-9B1B-5D6F54C0EC31}" type="slidenum">
+              <a:rPr lang="zh-TW" altLang="en-US" smtClean="0"/>
+              <a:t>35</a:t>
+            </a:fld>
+            <a:endParaRPr lang="zh-TW" altLang="en-US"/>
+          </a:p>
+        </p:txBody>
+      </p:sp>
+    </p:spTree>
+    <p:extLst>
+      <p:ext uri="{BB962C8B-B14F-4D97-AF65-F5344CB8AC3E}">
+        <p14:creationId xmlns:p14="http://schemas.microsoft.com/office/powerpoint/2010/main" val="869606277"/>
+      </p:ext>
+    </p:extLst>
+  </p:cSld>
+  <p:clrMapOvr>
+    <a:masterClrMapping/>
+  </p:clrMapOvr>
+</p:notes>
+</file>
+
+<file path=ppt/notesSlides/notesSlide35.xml><?xml version="1.0" encoding="utf-8"?>
+<p:notes xmlns:a="http://schemas.openxmlformats.org/drawingml/2006/main" xmlns:r="http://schemas.openxmlformats.org/officeDocument/2006/relationships" xmlns:p="http://schemas.openxmlformats.org/presentationml/2006/main">
+  <p:cSld>
+    <p:spTree>
+      <p:nvGrpSpPr>
+        <p:cNvPr id="1" name=""/>
+        <p:cNvGrpSpPr/>
+        <p:nvPr/>
+      </p:nvGrpSpPr>
+      <p:grpSpPr>
+        <a:xfrm>
+          <a:off x="0" y="0"/>
+          <a:ext cx="0" cy="0"/>
+          <a:chOff x="0" y="0"/>
+          <a:chExt cx="0" cy="0"/>
+        </a:xfrm>
+      </p:grpSpPr>
+      <p:sp>
+        <p:nvSpPr>
+          <p:cNvPr id="2" name="投影片圖像版面配置區 1"/>
+          <p:cNvSpPr>
+            <a:spLocks noGrp="1" noRot="1" noChangeAspect="1"/>
+          </p:cNvSpPr>
+          <p:nvPr>
+            <p:ph type="sldImg"/>
+          </p:nvPr>
+        </p:nvSpPr>
+        <p:spPr/>
+      </p:sp>
+      <p:sp>
+        <p:nvSpPr>
+          <p:cNvPr id="3" name="備忘稿版面配置區 2"/>
+          <p:cNvSpPr>
+            <a:spLocks noGrp="1"/>
+          </p:cNvSpPr>
+          <p:nvPr>
+            <p:ph type="body" idx="1"/>
+          </p:nvPr>
+        </p:nvSpPr>
+        <p:spPr/>
+        <p:txBody>
+          <a:bodyPr/>
+          <a:lstStyle/>
+          <a:p>
+            <a:endParaRPr lang="zh-TW" altLang="en-US" dirty="0"/>
+          </a:p>
+        </p:txBody>
+      </p:sp>
+      <p:sp>
+        <p:nvSpPr>
+          <p:cNvPr id="4" name="投影片編號版面配置區 3"/>
+          <p:cNvSpPr>
+            <a:spLocks noGrp="1"/>
+          </p:cNvSpPr>
+          <p:nvPr>
+            <p:ph type="sldNum" sz="quarter" idx="10"/>
+          </p:nvPr>
+        </p:nvSpPr>
+        <p:spPr/>
+        <p:txBody>
+          <a:bodyPr/>
+          <a:lstStyle/>
+          <a:p>
+            <a:fld id="{288A6225-17E4-4F1A-9B1B-5D6F54C0EC31}" type="slidenum">
+              <a:rPr lang="zh-TW" altLang="en-US" smtClean="0"/>
+              <a:t>36</a:t>
+            </a:fld>
+            <a:endParaRPr lang="zh-TW" altLang="en-US"/>
+          </a:p>
+        </p:txBody>
+      </p:sp>
+    </p:spTree>
+    <p:extLst>
+      <p:ext uri="{BB962C8B-B14F-4D97-AF65-F5344CB8AC3E}">
+        <p14:creationId xmlns:p14="http://schemas.microsoft.com/office/powerpoint/2010/main" val="54539256"/>
+      </p:ext>
+    </p:extLst>
+  </p:cSld>
+  <p:clrMapOvr>
+    <a:masterClrMapping/>
+  </p:clrMapOvr>
+</p:notes>
+</file>
+
+<file path=ppt/notesSlides/notesSlide36.xml><?xml version="1.0" encoding="utf-8"?>
+<p:notes xmlns:a="http://schemas.openxmlformats.org/drawingml/2006/main" xmlns:r="http://schemas.openxmlformats.org/officeDocument/2006/relationships" xmlns:p="http://schemas.openxmlformats.org/presentationml/2006/main">
+  <p:cSld>
+    <p:spTree>
+      <p:nvGrpSpPr>
+        <p:cNvPr id="1" name=""/>
+        <p:cNvGrpSpPr/>
+        <p:nvPr/>
+      </p:nvGrpSpPr>
+      <p:grpSpPr>
+        <a:xfrm>
+          <a:off x="0" y="0"/>
+          <a:ext cx="0" cy="0"/>
+          <a:chOff x="0" y="0"/>
+          <a:chExt cx="0" cy="0"/>
+        </a:xfrm>
+      </p:grpSpPr>
+      <p:sp>
+        <p:nvSpPr>
+          <p:cNvPr id="2" name="投影片圖像版面配置區 1"/>
+          <p:cNvSpPr>
+            <a:spLocks noGrp="1" noRot="1" noChangeAspect="1"/>
+          </p:cNvSpPr>
+          <p:nvPr>
+            <p:ph type="sldImg"/>
+          </p:nvPr>
+        </p:nvSpPr>
+        <p:spPr/>
+      </p:sp>
+      <p:sp>
+        <p:nvSpPr>
+          <p:cNvPr id="3" name="備忘稿版面配置區 2"/>
+          <p:cNvSpPr>
+            <a:spLocks noGrp="1"/>
+          </p:cNvSpPr>
+          <p:nvPr>
+            <p:ph type="body" idx="1"/>
+          </p:nvPr>
+        </p:nvSpPr>
+        <p:spPr/>
+        <p:txBody>
+          <a:bodyPr/>
+          <a:lstStyle/>
+          <a:p>
+            <a:endParaRPr lang="zh-TW" altLang="en-US" dirty="0"/>
+          </a:p>
+        </p:txBody>
+      </p:sp>
+      <p:sp>
+        <p:nvSpPr>
+          <p:cNvPr id="4" name="投影片編號版面配置區 3"/>
+          <p:cNvSpPr>
+            <a:spLocks noGrp="1"/>
+          </p:cNvSpPr>
+          <p:nvPr>
+            <p:ph type="sldNum" sz="quarter" idx="10"/>
+          </p:nvPr>
+        </p:nvSpPr>
+        <p:spPr/>
+        <p:txBody>
+          <a:bodyPr/>
+          <a:lstStyle/>
+          <a:p>
+            <a:fld id="{288A6225-17E4-4F1A-9B1B-5D6F54C0EC31}" type="slidenum">
+              <a:rPr lang="zh-TW" altLang="en-US" smtClean="0"/>
+              <a:t>37</a:t>
+            </a:fld>
+            <a:endParaRPr lang="zh-TW" altLang="en-US"/>
+          </a:p>
+        </p:txBody>
+      </p:sp>
+    </p:spTree>
+    <p:extLst>
+      <p:ext uri="{BB962C8B-B14F-4D97-AF65-F5344CB8AC3E}">
+        <p14:creationId xmlns:p14="http://schemas.microsoft.com/office/powerpoint/2010/main" val="1771983850"/>
+      </p:ext>
+    </p:extLst>
+  </p:cSld>
+  <p:clrMapOvr>
+    <a:masterClrMapping/>
+  </p:clrMapOvr>
+</p:notes>
+</file>
+
+<file path=ppt/notesSlides/notesSlide37.xml><?xml version="1.0" encoding="utf-8"?>
+<p:notes xmlns:a="http://schemas.openxmlformats.org/drawingml/2006/main" xmlns:r="http://schemas.openxmlformats.org/officeDocument/2006/relationships" xmlns:p="http://schemas.openxmlformats.org/presentationml/2006/main">
+  <p:cSld>
+    <p:spTree>
+      <p:nvGrpSpPr>
+        <p:cNvPr id="1" name=""/>
+        <p:cNvGrpSpPr/>
+        <p:nvPr/>
+      </p:nvGrpSpPr>
+      <p:grpSpPr>
+        <a:xfrm>
+          <a:off x="0" y="0"/>
+          <a:ext cx="0" cy="0"/>
+          <a:chOff x="0" y="0"/>
+          <a:chExt cx="0" cy="0"/>
+        </a:xfrm>
+      </p:grpSpPr>
+      <p:sp>
+        <p:nvSpPr>
+          <p:cNvPr id="2" name="投影片圖像版面配置區 1"/>
+          <p:cNvSpPr>
+            <a:spLocks noGrp="1" noRot="1" noChangeAspect="1"/>
+          </p:cNvSpPr>
+          <p:nvPr>
+            <p:ph type="sldImg"/>
+          </p:nvPr>
+        </p:nvSpPr>
+        <p:spPr/>
+      </p:sp>
+      <p:sp>
+        <p:nvSpPr>
+          <p:cNvPr id="3" name="備忘稿版面配置區 2"/>
+          <p:cNvSpPr>
+            <a:spLocks noGrp="1"/>
+          </p:cNvSpPr>
+          <p:nvPr>
+            <p:ph type="body" idx="1"/>
+          </p:nvPr>
+        </p:nvSpPr>
+        <p:spPr/>
+        <p:txBody>
+          <a:bodyPr/>
+          <a:lstStyle/>
+          <a:p>
+            <a:endParaRPr lang="zh-TW" altLang="en-US" dirty="0"/>
+          </a:p>
+        </p:txBody>
+      </p:sp>
+      <p:sp>
+        <p:nvSpPr>
+          <p:cNvPr id="4" name="投影片編號版面配置區 3"/>
+          <p:cNvSpPr>
+            <a:spLocks noGrp="1"/>
+          </p:cNvSpPr>
+          <p:nvPr>
+            <p:ph type="sldNum" sz="quarter" idx="10"/>
+          </p:nvPr>
+        </p:nvSpPr>
+        <p:spPr/>
+        <p:txBody>
+          <a:bodyPr/>
+          <a:lstStyle/>
+          <a:p>
+            <a:fld id="{288A6225-17E4-4F1A-9B1B-5D6F54C0EC31}" type="slidenum">
+              <a:rPr lang="zh-TW" altLang="en-US" smtClean="0"/>
+              <a:t>38</a:t>
+            </a:fld>
+            <a:endParaRPr lang="zh-TW" altLang="en-US"/>
+          </a:p>
+        </p:txBody>
+      </p:sp>
+    </p:spTree>
+    <p:extLst>
+      <p:ext uri="{BB962C8B-B14F-4D97-AF65-F5344CB8AC3E}">
+        <p14:creationId xmlns:p14="http://schemas.microsoft.com/office/powerpoint/2010/main" val="3691964908"/>
+      </p:ext>
+    </p:extLst>
+  </p:cSld>
+  <p:clrMapOvr>
+    <a:masterClrMapping/>
+  </p:clrMapOvr>
+</p:notes>
+</file>
+
+<file path=ppt/notesSlides/notesSlide38.xml><?xml version="1.0" encoding="utf-8"?>
+<p:notes xmlns:a="http://schemas.openxmlformats.org/drawingml/2006/main" xmlns:r="http://schemas.openxmlformats.org/officeDocument/2006/relationships" xmlns:p="http://schemas.openxmlformats.org/presentationml/2006/main">
+  <p:cSld>
+    <p:spTree>
+      <p:nvGrpSpPr>
+        <p:cNvPr id="1" name=""/>
+        <p:cNvGrpSpPr/>
+        <p:nvPr/>
+      </p:nvGrpSpPr>
+      <p:grpSpPr>
+        <a:xfrm>
+          <a:off x="0" y="0"/>
+          <a:ext cx="0" cy="0"/>
+          <a:chOff x="0" y="0"/>
+          <a:chExt cx="0" cy="0"/>
+        </a:xfrm>
+      </p:grpSpPr>
+      <p:sp>
+        <p:nvSpPr>
+          <p:cNvPr id="2" name="投影片圖像版面配置區 1"/>
+          <p:cNvSpPr>
+            <a:spLocks noGrp="1" noRot="1" noChangeAspect="1"/>
+          </p:cNvSpPr>
+          <p:nvPr>
+            <p:ph type="sldImg"/>
+          </p:nvPr>
+        </p:nvSpPr>
+        <p:spPr/>
+      </p:sp>
+      <p:sp>
+        <p:nvSpPr>
+          <p:cNvPr id="3" name="備忘稿版面配置區 2"/>
+          <p:cNvSpPr>
+            <a:spLocks noGrp="1"/>
+          </p:cNvSpPr>
+          <p:nvPr>
+            <p:ph type="body" idx="1"/>
+          </p:nvPr>
+        </p:nvSpPr>
+        <p:spPr/>
+        <p:txBody>
+          <a:bodyPr/>
+          <a:lstStyle/>
+          <a:p>
+            <a:endParaRPr lang="zh-TW" altLang="en-US" dirty="0"/>
+          </a:p>
+        </p:txBody>
+      </p:sp>
+      <p:sp>
+        <p:nvSpPr>
+          <p:cNvPr id="4" name="投影片編號版面配置區 3"/>
+          <p:cNvSpPr>
+            <a:spLocks noGrp="1"/>
+          </p:cNvSpPr>
+          <p:nvPr>
+            <p:ph type="sldNum" sz="quarter" idx="10"/>
+          </p:nvPr>
+        </p:nvSpPr>
+        <p:spPr/>
+        <p:txBody>
+          <a:bodyPr/>
+          <a:lstStyle/>
+          <a:p>
+            <a:fld id="{288A6225-17E4-4F1A-9B1B-5D6F54C0EC31}" type="slidenum">
+              <a:rPr lang="zh-TW" altLang="en-US" smtClean="0"/>
+              <a:t>39</a:t>
+            </a:fld>
+            <a:endParaRPr lang="zh-TW" altLang="en-US"/>
+          </a:p>
+        </p:txBody>
+      </p:sp>
+    </p:spTree>
+    <p:extLst>
+      <p:ext uri="{BB962C8B-B14F-4D97-AF65-F5344CB8AC3E}">
+        <p14:creationId xmlns:p14="http://schemas.microsoft.com/office/powerpoint/2010/main" val="2346908192"/>
+      </p:ext>
+    </p:extLst>
+  </p:cSld>
+  <p:clrMapOvr>
+    <a:masterClrMapping/>
+  </p:clrMapOvr>
+</p:notes>
+</file>
+
+<file path=ppt/notesSlides/notesSlide39.xml><?xml version="1.0" encoding="utf-8"?>
+<p:notes xmlns:a="http://schemas.openxmlformats.org/drawingml/2006/main" xmlns:r="http://schemas.openxmlformats.org/officeDocument/2006/relationships" xmlns:p="http://schemas.openxmlformats.org/presentationml/2006/main">
+  <p:cSld>
+    <p:spTree>
+      <p:nvGrpSpPr>
+        <p:cNvPr id="1" name=""/>
+        <p:cNvGrpSpPr/>
+        <p:nvPr/>
+      </p:nvGrpSpPr>
+      <p:grpSpPr>
+        <a:xfrm>
+          <a:off x="0" y="0"/>
+          <a:ext cx="0" cy="0"/>
+          <a:chOff x="0" y="0"/>
+          <a:chExt cx="0" cy="0"/>
+        </a:xfrm>
+      </p:grpSpPr>
+      <p:sp>
+        <p:nvSpPr>
+          <p:cNvPr id="2" name="投影片圖像版面配置區 1"/>
+          <p:cNvSpPr>
+            <a:spLocks noGrp="1" noRot="1" noChangeAspect="1"/>
+          </p:cNvSpPr>
+          <p:nvPr>
+            <p:ph type="sldImg"/>
+          </p:nvPr>
+        </p:nvSpPr>
+        <p:spPr/>
+      </p:sp>
+      <p:sp>
+        <p:nvSpPr>
+          <p:cNvPr id="3" name="備忘稿版面配置區 2"/>
+          <p:cNvSpPr>
+            <a:spLocks noGrp="1"/>
+          </p:cNvSpPr>
+          <p:nvPr>
+            <p:ph type="body" idx="1"/>
+          </p:nvPr>
+        </p:nvSpPr>
+        <p:spPr/>
+        <p:txBody>
+          <a:bodyPr/>
+          <a:lstStyle/>
+          <a:p>
+            <a:endParaRPr lang="zh-TW" altLang="en-US" dirty="0"/>
+          </a:p>
+        </p:txBody>
+      </p:sp>
+      <p:sp>
+        <p:nvSpPr>
+          <p:cNvPr id="4" name="投影片編號版面配置區 3"/>
+          <p:cNvSpPr>
+            <a:spLocks noGrp="1"/>
+          </p:cNvSpPr>
+          <p:nvPr>
+            <p:ph type="sldNum" sz="quarter" idx="10"/>
+          </p:nvPr>
+        </p:nvSpPr>
+        <p:spPr/>
+        <p:txBody>
+          <a:bodyPr/>
+          <a:lstStyle/>
+          <a:p>
+            <a:fld id="{288A6225-17E4-4F1A-9B1B-5D6F54C0EC31}" type="slidenum">
+              <a:rPr lang="zh-TW" altLang="en-US" smtClean="0"/>
+              <a:t>40</a:t>
+            </a:fld>
+            <a:endParaRPr lang="zh-TW" altLang="en-US"/>
+          </a:p>
+        </p:txBody>
+      </p:sp>
+    </p:spTree>
+    <p:extLst>
+      <p:ext uri="{BB962C8B-B14F-4D97-AF65-F5344CB8AC3E}">
+        <p14:creationId xmlns:p14="http://schemas.microsoft.com/office/powerpoint/2010/main" val="779427691"/>
       </p:ext>
     </p:extLst>
   </p:cSld>
@@ -3090,17 +4080,19 @@
           <a:p>
             <a:r>
               <a:rPr lang="zh-TW" altLang="en-US" dirty="0"/>
-              <a:t>你們現在大概很想跟我說：不要廢話那麼多，趕快開始</a:t>
-            </a:r>
-            <a:r>
-              <a:rPr lang="zh-TW" altLang="en-US" baseline="0" dirty="0"/>
-              <a:t> </a:t>
-            </a:r>
-            <a:r>
-              <a:rPr lang="en-US" altLang="zh-TW" baseline="0" dirty="0"/>
-              <a:t>==</a:t>
+              <a:t>所以我們就盡速進入今天的主題吧！</a:t>
             </a:r>
             <a:endParaRPr lang="en-US" altLang="zh-TW" dirty="0"/>
+          </a:p>
+          <a:p>
+            <a:r>
+              <a:rPr lang="zh-TW" altLang="en-US" dirty="0"/>
+              <a:t>在開始學習撰寫網頁之前</a:t>
+            </a:r>
+            <a:r>
+              <a:rPr lang="en-US" altLang="zh-TW" dirty="0"/>
+              <a:t>…</a:t>
+            </a:r>
           </a:p>
         </p:txBody>
       </p:sp>
@@ -3130,7 +4122,7 @@
     </p:spTree>
     <p:extLst>
       <p:ext uri="{BB962C8B-B14F-4D97-AF65-F5344CB8AC3E}">
-        <p14:creationId xmlns:p14="http://schemas.microsoft.com/office/powerpoint/2010/main" val="1401099157"/>
+        <p14:creationId xmlns:p14="http://schemas.microsoft.com/office/powerpoint/2010/main" val="4012858178"/>
       </p:ext>
     </p:extLst>
   </p:cSld>
@@ -3186,19 +4178,42 @@
           <a:p>
             <a:r>
               <a:rPr lang="zh-TW" altLang="en-US" dirty="0"/>
-              <a:t>所以我們就盡速進入今天的主題吧！</a:t>
-            </a:r>
-            <a:endParaRPr lang="en-US" altLang="zh-TW" dirty="0"/>
-          </a:p>
-          <a:p>
+              <a:t>我想你應該會需要一個編輯器！編輯器是什麼呢？簡單來說就像是你做簡報的時候會用微軟的 </a:t>
+            </a:r>
+            <a:r>
+              <a:rPr lang="en-US" altLang="zh-TW" dirty="0"/>
+              <a:t>PowerPoint</a:t>
+            </a:r>
             <a:r>
               <a:rPr lang="zh-TW" altLang="en-US" dirty="0"/>
-              <a:t>在開始學習撰寫網頁之前</a:t>
+              <a:t> 這樣的感覺，跟微軟的 </a:t>
+            </a:r>
+            <a:r>
+              <a:rPr lang="en-US" altLang="zh-TW" dirty="0"/>
+              <a:t>Word</a:t>
+            </a:r>
+            <a:r>
+              <a:rPr lang="zh-TW" altLang="en-US" dirty="0"/>
+              <a:t> 的存在很像，因此讓我簡單帶過以下</a:t>
+            </a:r>
+            <a:r>
+              <a:rPr lang="zh-TW" altLang="en-US" sz="1200" dirty="0">
+                <a:solidFill>
+                  <a:srgbClr val="0070C0"/>
+                </a:solidFill>
+                <a:latin typeface="微軟正黑體" panose="020B0604030504040204" pitchFamily="34" charset="-120"/>
+              </a:rPr>
+              <a:t>幾</a:t>
+            </a:r>
+            <a:r>
+              <a:rPr lang="zh-TW" altLang="en-US" dirty="0"/>
+              <a:t>個教派</a:t>
             </a:r>
             <a:r>
               <a:rPr lang="en-US" altLang="zh-TW" dirty="0"/>
               <a:t>…</a:t>
             </a:r>
+            <a:endParaRPr lang="zh-TW" altLang="en-US" dirty="0"/>
           </a:p>
         </p:txBody>
       </p:sp>
@@ -3228,7 +4243,7 @@
     </p:spTree>
     <p:extLst>
       <p:ext uri="{BB962C8B-B14F-4D97-AF65-F5344CB8AC3E}">
-        <p14:creationId xmlns:p14="http://schemas.microsoft.com/office/powerpoint/2010/main" val="4012858178"/>
+        <p14:creationId xmlns:p14="http://schemas.microsoft.com/office/powerpoint/2010/main" val="1023190476"/>
       </p:ext>
     </p:extLst>
   </p:cSld>
@@ -3284,36 +4299,23 @@
           <a:p>
             <a:r>
               <a:rPr lang="zh-TW" altLang="en-US" dirty="0"/>
-              <a:t>我想你應該會需要一個編輯器！編輯器是什麼呢？簡單來說就像是你做簡報的時候會用微軟的 </a:t>
+              <a:t>記事本！如果你要用記事本的話，還有另一個選擇是 </a:t>
             </a:r>
             <a:r>
               <a:rPr lang="en-US" altLang="zh-TW" dirty="0"/>
-              <a:t>PowerPoint</a:t>
+              <a:t>Notepad++</a:t>
             </a:r>
             <a:r>
               <a:rPr lang="zh-TW" altLang="en-US" dirty="0"/>
-              <a:t> 這樣的感覺，跟微軟的 </a:t>
+              <a:t>，雖然如果你要用這兩個寫扣，我不介意</a:t>
             </a:r>
             <a:r>
               <a:rPr lang="en-US" altLang="zh-TW" dirty="0"/>
-              <a:t>Word</a:t>
+              <a:t>… </a:t>
             </a:r>
             <a:r>
               <a:rPr lang="zh-TW" altLang="en-US" dirty="0"/>
-              <a:t> 的存在很像，因此讓我簡單帶過以下</a:t>
-            </a:r>
-            <a:r>
-              <a:rPr lang="zh-TW" altLang="en-US" sz="1200" dirty="0">
-                <a:solidFill>
-                  <a:srgbClr val="0070C0"/>
-                </a:solidFill>
-                <a:latin typeface="微軟正黑體" panose="020B0604030504040204" pitchFamily="34" charset="-120"/>
-              </a:rPr>
-              <a:t>幾</a:t>
-            </a:r>
-            <a:r>
-              <a:rPr lang="zh-TW" altLang="en-US" dirty="0"/>
-              <a:t>個教派</a:t>
+              <a:t>但還是讓我們略過它</a:t>
             </a:r>
             <a:r>
               <a:rPr lang="en-US" altLang="zh-TW" dirty="0"/>
@@ -3349,7 +4351,7 @@
     </p:spTree>
     <p:extLst>
       <p:ext uri="{BB962C8B-B14F-4D97-AF65-F5344CB8AC3E}">
-        <p14:creationId xmlns:p14="http://schemas.microsoft.com/office/powerpoint/2010/main" val="1023190476"/>
+        <p14:creationId xmlns:p14="http://schemas.microsoft.com/office/powerpoint/2010/main" val="794209715"/>
       </p:ext>
     </p:extLst>
   </p:cSld>
@@ -3404,30 +4406,21 @@
           <a:lstStyle/>
           <a:p>
             <a:r>
+              <a:rPr lang="en-US" altLang="zh-TW" dirty="0"/>
+              <a:t>WebStorm</a:t>
+            </a:r>
+            <a:r>
               <a:rPr lang="zh-TW" altLang="en-US" dirty="0"/>
-              <a:t>記事本！如果你要用記事本的話，還有另一個選擇是 </a:t>
+              <a:t>！它是一個很好用很方便的 </a:t>
             </a:r>
             <a:r>
               <a:rPr lang="en-US" altLang="zh-TW" dirty="0"/>
-              <a:t>Notepad++</a:t>
+              <a:t>IDE</a:t>
             </a:r>
             <a:r>
               <a:rPr lang="zh-TW" altLang="en-US" dirty="0"/>
-              <a:t>，雖然如果你要用這兩個寫扣，我不介意</a:t>
-            </a:r>
-            <a:r>
-              <a:rPr lang="en-US" altLang="zh-TW" dirty="0"/>
-              <a:t>… </a:t>
-            </a:r>
-            <a:r>
-              <a:rPr lang="zh-TW" altLang="en-US" dirty="0"/>
-              <a:t>但還是讓我們略過它</a:t>
-            </a:r>
-            <a:r>
-              <a:rPr lang="en-US" altLang="zh-TW" dirty="0"/>
-              <a:t>…</a:t>
-            </a:r>
-            <a:endParaRPr lang="zh-TW" altLang="en-US" dirty="0"/>
+              <a:t>，但是要錢，不過如果是學生身分的話可以去申請免費的授權，如果有想用的可以去找看看相關資訊，不過我們目前先不說這個。</a:t>
+            </a:r>
           </a:p>
         </p:txBody>
       </p:sp>
@@ -3457,7 +4450,7 @@
     </p:spTree>
     <p:extLst>
       <p:ext uri="{BB962C8B-B14F-4D97-AF65-F5344CB8AC3E}">
-        <p14:creationId xmlns:p14="http://schemas.microsoft.com/office/powerpoint/2010/main" val="794209715"/>
+        <p14:creationId xmlns:p14="http://schemas.microsoft.com/office/powerpoint/2010/main" val="1777891793"/>
       </p:ext>
     </p:extLst>
   </p:cSld>
@@ -3513,19 +4506,27 @@
           <a:p>
             <a:r>
               <a:rPr lang="en-US" altLang="zh-TW" dirty="0"/>
-              <a:t>WebStorm</a:t>
+              <a:t>VSCode</a:t>
             </a:r>
             <a:r>
               <a:rPr lang="zh-TW" altLang="en-US" dirty="0"/>
-              <a:t>！它是一個很好用很方便的 </a:t>
+              <a:t>！</a:t>
             </a:r>
             <a:r>
               <a:rPr lang="en-US" altLang="zh-TW" dirty="0"/>
-              <a:t>IDE</a:t>
+              <a:t>VSCode</a:t>
             </a:r>
             <a:r>
               <a:rPr lang="zh-TW" altLang="en-US" dirty="0"/>
-              <a:t>，但是要錢，不過如果是學生身分的話可以去申請免費的授權，如果有想用的可以去找看看相關資訊，不過我們目前先不說這個。</a:t>
+              <a:t> 就是我們目前要使用的編輯器。當然還有很多其他的教派，如果你們要用其他的也可以，我都不介意，但我今天會先帶各位安裝與熟悉 </a:t>
+            </a:r>
+            <a:r>
+              <a:rPr lang="en-US" altLang="zh-TW" dirty="0"/>
+              <a:t>VSCode</a:t>
+            </a:r>
+            <a:r>
+              <a:rPr lang="zh-TW" altLang="en-US" dirty="0"/>
+              <a:t>。如果有想安裝其他編輯器的可以自行安裝。</a:t>
             </a:r>
           </a:p>
         </p:txBody>
@@ -3556,7 +4557,7 @@
     </p:spTree>
     <p:extLst>
       <p:ext uri="{BB962C8B-B14F-4D97-AF65-F5344CB8AC3E}">
-        <p14:creationId xmlns:p14="http://schemas.microsoft.com/office/powerpoint/2010/main" val="1777891793"/>
+        <p14:creationId xmlns:p14="http://schemas.microsoft.com/office/powerpoint/2010/main" val="3047008414"/>
       </p:ext>
     </p:extLst>
   </p:cSld>
@@ -3697,7 +4698,7 @@
           <a:p>
             <a:fld id="{3D8CBC75-8284-403E-92F0-16B75D676E39}" type="datetimeFigureOut">
               <a:rPr lang="zh-TW" altLang="en-US" smtClean="0"/>
-              <a:t>2020/7/24</a:t>
+              <a:t>2020/10/2</a:t>
             </a:fld>
             <a:endParaRPr lang="zh-TW" altLang="en-US"/>
           </a:p>
@@ -3825,7 +4826,7 @@
           <a:p>
             <a:fld id="{3D8CBC75-8284-403E-92F0-16B75D676E39}" type="datetimeFigureOut">
               <a:rPr lang="zh-TW" altLang="en-US" smtClean="0"/>
-              <a:t>2020/7/24</a:t>
+              <a:t>2020/10/2</a:t>
             </a:fld>
             <a:endParaRPr lang="zh-TW" altLang="en-US"/>
           </a:p>
@@ -4168,7 +5169,7 @@
           <a:p>
             <a:fld id="{3D8CBC75-8284-403E-92F0-16B75D676E39}" type="datetimeFigureOut">
               <a:rPr lang="zh-TW" altLang="en-US" smtClean="0"/>
-              <a:t>2020/7/24</a:t>
+              <a:t>2020/10/2</a:t>
             </a:fld>
             <a:endParaRPr lang="zh-TW" altLang="en-US"/>
           </a:p>
@@ -4501,7 +5502,7 @@
           <a:p>
             <a:fld id="{3D8CBC75-8284-403E-92F0-16B75D676E39}" type="datetimeFigureOut">
               <a:rPr lang="zh-TW" altLang="en-US" smtClean="0"/>
-              <a:t>2020/7/24</a:t>
+              <a:t>2020/10/2</a:t>
             </a:fld>
             <a:endParaRPr lang="zh-TW" altLang="en-US"/>
           </a:p>
@@ -4870,7 +5871,7 @@
           <a:p>
             <a:fld id="{3D8CBC75-8284-403E-92F0-16B75D676E39}" type="datetimeFigureOut">
               <a:rPr lang="zh-TW" altLang="en-US" smtClean="0"/>
-              <a:t>2020/7/24</a:t>
+              <a:t>2020/10/2</a:t>
             </a:fld>
             <a:endParaRPr lang="zh-TW" altLang="en-US"/>
           </a:p>
@@ -5093,7 +6094,7 @@
           <a:p>
             <a:fld id="{3D8CBC75-8284-403E-92F0-16B75D676E39}" type="datetimeFigureOut">
               <a:rPr lang="zh-TW" altLang="en-US" smtClean="0"/>
-              <a:t>2020/7/24</a:t>
+              <a:t>2020/10/2</a:t>
             </a:fld>
             <a:endParaRPr lang="zh-TW" altLang="en-US"/>
           </a:p>
@@ -5623,7 +6624,7 @@
           <a:p>
             <a:fld id="{3D8CBC75-8284-403E-92F0-16B75D676E39}" type="datetimeFigureOut">
               <a:rPr lang="zh-TW" altLang="en-US" smtClean="0"/>
-              <a:t>2020/7/24</a:t>
+              <a:t>2020/10/2</a:t>
             </a:fld>
             <a:endParaRPr lang="zh-TW" altLang="en-US"/>
           </a:p>
@@ -5904,7 +6905,7 @@
           <a:p>
             <a:fld id="{3D8CBC75-8284-403E-92F0-16B75D676E39}" type="datetimeFigureOut">
               <a:rPr lang="zh-TW" altLang="en-US" smtClean="0"/>
-              <a:t>2020/7/24</a:t>
+              <a:t>2020/10/2</a:t>
             </a:fld>
             <a:endParaRPr lang="zh-TW" altLang="en-US"/>
           </a:p>
@@ -6091,7 +7092,7 @@
           <a:p>
             <a:fld id="{3D8CBC75-8284-403E-92F0-16B75D676E39}" type="datetimeFigureOut">
               <a:rPr lang="zh-TW" altLang="en-US" smtClean="0"/>
-              <a:t>2020/7/24</a:t>
+              <a:t>2020/10/2</a:t>
             </a:fld>
             <a:endParaRPr lang="zh-TW" altLang="en-US"/>
           </a:p>
@@ -6493,7 +7494,7 @@
           <a:p>
             <a:fld id="{3D8CBC75-8284-403E-92F0-16B75D676E39}" type="datetimeFigureOut">
               <a:rPr lang="zh-TW" altLang="en-US" smtClean="0"/>
-              <a:t>2020/7/24</a:t>
+              <a:t>2020/10/2</a:t>
             </a:fld>
             <a:endParaRPr lang="zh-TW" altLang="en-US"/>
           </a:p>
@@ -6913,7 +7914,7 @@
           <a:p>
             <a:fld id="{3D8CBC75-8284-403E-92F0-16B75D676E39}" type="datetimeFigureOut">
               <a:rPr lang="zh-TW" altLang="en-US" smtClean="0"/>
-              <a:t>2020/7/24</a:t>
+              <a:t>2020/10/2</a:t>
             </a:fld>
             <a:endParaRPr lang="zh-TW" altLang="en-US"/>
           </a:p>
@@ -7300,7 +8301,7 @@
             <a:fld id="{3D8CBC75-8284-403E-92F0-16B75D676E39}" type="datetimeFigureOut">
               <a:rPr lang="zh-TW" altLang="en-US" smtClean="0"/>
               <a:pPr/>
-              <a:t>2020/7/24</a:t>
+              <a:t>2020/10/2</a:t>
             </a:fld>
             <a:endParaRPr lang="zh-TW" altLang="en-US" dirty="0"/>
           </a:p>
@@ -7823,7 +8824,7 @@
                 <a:ea typeface="微軟正黑體" panose="020B0604030504040204" pitchFamily="34" charset="-120"/>
                 <a:hlinkClick r:id="rId3"/>
               </a:rPr>
-              <a:t>WebStorm</a:t>
+              <a:t>VSCode</a:t>
             </a:r>
             <a:endParaRPr lang="zh-TW" altLang="en-US" sz="6000" dirty="0">
               <a:latin typeface="微軟正黑體" panose="020B0604030504040204" pitchFamily="34" charset="-120"/>
@@ -7840,7 +8841,7 @@
           </p:cNvPicPr>
           <p:nvPr/>
         </p:nvPicPr>
-        <p:blipFill>
+        <p:blipFill rotWithShape="1">
           <a:blip r:embed="rId4" cstate="print">
             <a:extLst>
               <a:ext uri="{28A0092B-C50C-407E-A947-70E740481C1C}">
@@ -7848,14 +8849,13 @@
               </a:ext>
             </a:extLst>
           </a:blip>
-          <a:stretch>
-            <a:fillRect/>
-          </a:stretch>
+          <a:srcRect l="2903" t="3800" r="2903" b="3800"/>
+          <a:stretch/>
         </p:blipFill>
         <p:spPr>
           <a:xfrm>
-            <a:off x="1475656" y="1290012"/>
-            <a:ext cx="6192688" cy="3715612"/>
+            <a:off x="2051720" y="1123481"/>
+            <a:ext cx="5040560" cy="3890958"/>
           </a:xfrm>
           <a:prstGeom prst="rect">
             <a:avLst/>
@@ -7877,7 +8877,7 @@
     </p:spTree>
     <p:extLst>
       <p:ext uri="{BB962C8B-B14F-4D97-AF65-F5344CB8AC3E}">
-        <p14:creationId xmlns:p14="http://schemas.microsoft.com/office/powerpoint/2010/main" val="3332417897"/>
+        <p14:creationId xmlns:p14="http://schemas.microsoft.com/office/powerpoint/2010/main" val="2873439117"/>
       </p:ext>
     </p:extLst>
   </p:cSld>
@@ -7933,157 +8933,6 @@
                   <a:srgbClr val="0070C0"/>
                 </a:solidFill>
                 <a:latin typeface="微軟正黑體" panose="020B0604030504040204" pitchFamily="34" charset="-120"/>
-              </a:rPr>
-              <a:t>幾種教派</a:t>
-            </a:r>
-            <a:endParaRPr lang="zh-TW" altLang="en-US" sz="4000" dirty="0">
-              <a:solidFill>
-                <a:srgbClr val="0070C0"/>
-              </a:solidFill>
-              <a:latin typeface="微軟正黑體" panose="020B0604030504040204" pitchFamily="34" charset="-120"/>
-              <a:ea typeface="微軟正黑體" panose="020B0604030504040204" pitchFamily="34" charset="-120"/>
-            </a:endParaRPr>
-          </a:p>
-        </p:txBody>
-      </p:sp>
-      <p:sp>
-        <p:nvSpPr>
-          <p:cNvPr id="3" name="文字方塊 2"/>
-          <p:cNvSpPr txBox="1"/>
-          <p:nvPr/>
-        </p:nvSpPr>
-        <p:spPr>
-          <a:xfrm>
-            <a:off x="8412" y="5005624"/>
-            <a:ext cx="9144000" cy="1015663"/>
-          </a:xfrm>
-          <a:prstGeom prst="rect">
-            <a:avLst/>
-          </a:prstGeom>
-          <a:noFill/>
-        </p:spPr>
-        <p:txBody>
-          <a:bodyPr wrap="square" rtlCol="0">
-            <a:spAutoFit/>
-          </a:bodyPr>
-          <a:lstStyle/>
-          <a:p>
-            <a:pPr algn="ctr"/>
-            <a:r>
-              <a:rPr lang="en-US" altLang="zh-TW" sz="6000" dirty="0">
-                <a:latin typeface="微軟正黑體" panose="020B0604030504040204" pitchFamily="34" charset="-120"/>
-                <a:ea typeface="微軟正黑體" panose="020B0604030504040204" pitchFamily="34" charset="-120"/>
-                <a:hlinkClick r:id="rId3"/>
-              </a:rPr>
-              <a:t>VSCode</a:t>
-            </a:r>
-            <a:endParaRPr lang="zh-TW" altLang="en-US" sz="6000" dirty="0">
-              <a:latin typeface="微軟正黑體" panose="020B0604030504040204" pitchFamily="34" charset="-120"/>
-              <a:ea typeface="微軟正黑體" panose="020B0604030504040204" pitchFamily="34" charset="-120"/>
-            </a:endParaRPr>
-          </a:p>
-        </p:txBody>
-      </p:sp>
-      <p:pic>
-        <p:nvPicPr>
-          <p:cNvPr id="4" name="圖片 3"/>
-          <p:cNvPicPr>
-            <a:picLocks noChangeAspect="1"/>
-          </p:cNvPicPr>
-          <p:nvPr/>
-        </p:nvPicPr>
-        <p:blipFill rotWithShape="1">
-          <a:blip r:embed="rId4" cstate="print">
-            <a:extLst>
-              <a:ext uri="{28A0092B-C50C-407E-A947-70E740481C1C}">
-                <a14:useLocalDpi xmlns:a14="http://schemas.microsoft.com/office/drawing/2010/main" val="0"/>
-              </a:ext>
-            </a:extLst>
-          </a:blip>
-          <a:srcRect l="2903" t="3800" r="2903" b="3800"/>
-          <a:stretch/>
-        </p:blipFill>
-        <p:spPr>
-          <a:xfrm>
-            <a:off x="2051720" y="1123481"/>
-            <a:ext cx="5040560" cy="3890958"/>
-          </a:xfrm>
-          <a:prstGeom prst="rect">
-            <a:avLst/>
-          </a:prstGeom>
-          <a:ln w="28575">
-            <a:solidFill>
-              <a:schemeClr val="bg1"/>
-            </a:solidFill>
-          </a:ln>
-          <a:effectLst>
-            <a:outerShdw blurRad="63500" sx="102000" sy="102000" algn="ctr" rotWithShape="0">
-              <a:prstClr val="black">
-                <a:alpha val="40000"/>
-              </a:prstClr>
-            </a:outerShdw>
-          </a:effectLst>
-        </p:spPr>
-      </p:pic>
-    </p:spTree>
-    <p:extLst>
-      <p:ext uri="{BB962C8B-B14F-4D97-AF65-F5344CB8AC3E}">
-        <p14:creationId xmlns:p14="http://schemas.microsoft.com/office/powerpoint/2010/main" val="2873439117"/>
-      </p:ext>
-    </p:extLst>
-  </p:cSld>
-  <p:clrMapOvr>
-    <a:masterClrMapping/>
-  </p:clrMapOvr>
-</p:sld>
-</file>
-
-<file path=ppt/slides/slide12.xml><?xml version="1.0" encoding="utf-8"?>
-<p:sld xmlns:a="http://schemas.openxmlformats.org/drawingml/2006/main" xmlns:r="http://schemas.openxmlformats.org/officeDocument/2006/relationships" xmlns:p="http://schemas.openxmlformats.org/presentationml/2006/main">
-  <p:cSld>
-    <p:spTree>
-      <p:nvGrpSpPr>
-        <p:cNvPr id="1" name=""/>
-        <p:cNvGrpSpPr/>
-        <p:nvPr/>
-      </p:nvGrpSpPr>
-      <p:grpSpPr>
-        <a:xfrm>
-          <a:off x="0" y="0"/>
-          <a:ext cx="0" cy="0"/>
-          <a:chOff x="0" y="0"/>
-          <a:chExt cx="0" cy="0"/>
-        </a:xfrm>
-      </p:grpSpPr>
-      <p:sp>
-        <p:nvSpPr>
-          <p:cNvPr id="2" name="標題 1"/>
-          <p:cNvSpPr>
-            <a:spLocks noGrp="1"/>
-          </p:cNvSpPr>
-          <p:nvPr>
-            <p:ph type="title"/>
-          </p:nvPr>
-        </p:nvSpPr>
-        <p:spPr>
-          <a:xfrm>
-            <a:off x="0" y="1"/>
-            <a:ext cx="9144000" cy="836712"/>
-          </a:xfrm>
-        </p:spPr>
-        <p:txBody>
-          <a:bodyPr anchor="b">
-            <a:normAutofit/>
-          </a:bodyPr>
-          <a:lstStyle/>
-          <a:p>
-            <a:pPr algn="ctr"/>
-            <a:r>
-              <a:rPr lang="zh-TW" altLang="en-US" sz="4000" dirty="0">
-                <a:solidFill>
-                  <a:srgbClr val="0070C0"/>
-                </a:solidFill>
-                <a:latin typeface="微軟正黑體" panose="020B0604030504040204" pitchFamily="34" charset="-120"/>
                 <a:ea typeface="微軟正黑體" panose="020B0604030504040204" pitchFamily="34" charset="-120"/>
               </a:rPr>
               <a:t>安裝 </a:t>
@@ -8208,7 +9057,7 @@
 </p:sld>
 </file>
 
-<file path=ppt/slides/slide13.xml><?xml version="1.0" encoding="utf-8"?>
+<file path=ppt/slides/slide12.xml><?xml version="1.0" encoding="utf-8"?>
 <p:sld xmlns:a="http://schemas.openxmlformats.org/drawingml/2006/main" xmlns:r="http://schemas.openxmlformats.org/officeDocument/2006/relationships" xmlns:p="http://schemas.openxmlformats.org/presentationml/2006/main">
   <p:cSld>
     <p:spTree>
@@ -8525,7 +9374,7 @@
 </p:sld>
 </file>
 
-<file path=ppt/slides/slide14.xml><?xml version="1.0" encoding="utf-8"?>
+<file path=ppt/slides/slide13.xml><?xml version="1.0" encoding="utf-8"?>
 <p:sld xmlns:a="http://schemas.openxmlformats.org/drawingml/2006/main" xmlns:r="http://schemas.openxmlformats.org/officeDocument/2006/relationships" xmlns:p="http://schemas.openxmlformats.org/presentationml/2006/main">
   <p:cSld>
     <p:spTree>
@@ -8632,7 +9481,7 @@
 </p:sld>
 </file>
 
-<file path=ppt/slides/slide15.xml><?xml version="1.0" encoding="utf-8"?>
+<file path=ppt/slides/slide14.xml><?xml version="1.0" encoding="utf-8"?>
 <p:sld xmlns:a="http://schemas.openxmlformats.org/drawingml/2006/main" xmlns:r="http://schemas.openxmlformats.org/officeDocument/2006/relationships" xmlns:p="http://schemas.openxmlformats.org/presentationml/2006/main">
   <p:cSld>
     <p:spTree>
@@ -8781,7 +9630,7 @@
 </p:sld>
 </file>
 
-<file path=ppt/slides/slide16.xml><?xml version="1.0" encoding="utf-8"?>
+<file path=ppt/slides/slide15.xml><?xml version="1.0" encoding="utf-8"?>
 <p:sld xmlns:a="http://schemas.openxmlformats.org/drawingml/2006/main" xmlns:r="http://schemas.openxmlformats.org/officeDocument/2006/relationships" xmlns:p="http://schemas.openxmlformats.org/presentationml/2006/main">
   <p:cSld>
     <p:spTree>
@@ -9628,7 +10477,7 @@
 </p:sld>
 </file>
 
-<file path=ppt/slides/slide17.xml><?xml version="1.0" encoding="utf-8"?>
+<file path=ppt/slides/slide16.xml><?xml version="1.0" encoding="utf-8"?>
 <p:sld xmlns:a="http://schemas.openxmlformats.org/drawingml/2006/main" xmlns:r="http://schemas.openxmlformats.org/officeDocument/2006/relationships" xmlns:p="http://schemas.openxmlformats.org/presentationml/2006/main">
   <p:cSld>
     <p:spTree>
@@ -9747,7 +10596,7 @@
 </p:sld>
 </file>
 
-<file path=ppt/slides/slide18.xml><?xml version="1.0" encoding="utf-8"?>
+<file path=ppt/slides/slide17.xml><?xml version="1.0" encoding="utf-8"?>
 <p:sld xmlns:a="http://schemas.openxmlformats.org/drawingml/2006/main" xmlns:r="http://schemas.openxmlformats.org/officeDocument/2006/relationships" xmlns:p="http://schemas.openxmlformats.org/presentationml/2006/main">
   <p:cSld>
     <p:spTree>
@@ -9886,7 +10735,7 @@
 </p:sld>
 </file>
 
-<file path=ppt/slides/slide19.xml><?xml version="1.0" encoding="utf-8"?>
+<file path=ppt/slides/slide18.xml><?xml version="1.0" encoding="utf-8"?>
 <p:sld xmlns:a="http://schemas.openxmlformats.org/drawingml/2006/main" xmlns:r="http://schemas.openxmlformats.org/officeDocument/2006/relationships" xmlns:p="http://schemas.openxmlformats.org/presentationml/2006/main">
   <p:cSld>
     <p:spTree>
@@ -10012,6 +10861,266 @@
     <p:extLst>
       <p:ext uri="{BB962C8B-B14F-4D97-AF65-F5344CB8AC3E}">
         <p14:creationId xmlns:p14="http://schemas.microsoft.com/office/powerpoint/2010/main" val="3547184953"/>
+      </p:ext>
+    </p:extLst>
+  </p:cSld>
+  <p:clrMapOvr>
+    <a:masterClrMapping/>
+  </p:clrMapOvr>
+  <p:timing>
+    <p:tnLst>
+      <p:par>
+        <p:cTn id="1" dur="indefinite" restart="never" nodeType="tmRoot">
+          <p:childTnLst>
+            <p:seq concurrent="1" nextAc="seek">
+              <p:cTn id="2" dur="indefinite" nodeType="mainSeq">
+                <p:childTnLst>
+                  <p:par>
+                    <p:cTn id="3" fill="hold">
+                      <p:stCondLst>
+                        <p:cond delay="indefinite"/>
+                      </p:stCondLst>
+                      <p:childTnLst>
+                        <p:par>
+                          <p:cTn id="4" fill="hold">
+                            <p:stCondLst>
+                              <p:cond delay="0"/>
+                            </p:stCondLst>
+                            <p:childTnLst>
+                              <p:par>
+                                <p:cTn id="5" presetID="1" presetClass="entr" presetSubtype="0" fill="hold" grpId="0" nodeType="clickEffect">
+                                  <p:stCondLst>
+                                    <p:cond delay="0"/>
+                                  </p:stCondLst>
+                                  <p:childTnLst>
+                                    <p:set>
+                                      <p:cBhvr>
+                                        <p:cTn id="6" dur="1" fill="hold">
+                                          <p:stCondLst>
+                                            <p:cond delay="0"/>
+                                          </p:stCondLst>
+                                        </p:cTn>
+                                        <p:tgtEl>
+                                          <p:spTgt spid="3">
+                                            <p:txEl>
+                                              <p:pRg st="0" end="0"/>
+                                            </p:txEl>
+                                          </p:spTgt>
+                                        </p:tgtEl>
+                                        <p:attrNameLst>
+                                          <p:attrName>style.visibility</p:attrName>
+                                        </p:attrNameLst>
+                                      </p:cBhvr>
+                                      <p:to>
+                                        <p:strVal val="visible"/>
+                                      </p:to>
+                                    </p:set>
+                                  </p:childTnLst>
+                                </p:cTn>
+                              </p:par>
+                            </p:childTnLst>
+                          </p:cTn>
+                        </p:par>
+                      </p:childTnLst>
+                    </p:cTn>
+                  </p:par>
+                </p:childTnLst>
+              </p:cTn>
+              <p:prevCondLst>
+                <p:cond evt="onPrev" delay="0">
+                  <p:tgtEl>
+                    <p:sldTgt/>
+                  </p:tgtEl>
+                </p:cond>
+              </p:prevCondLst>
+              <p:nextCondLst>
+                <p:cond evt="onNext" delay="0">
+                  <p:tgtEl>
+                    <p:sldTgt/>
+                  </p:tgtEl>
+                </p:cond>
+              </p:nextCondLst>
+            </p:seq>
+          </p:childTnLst>
+        </p:cTn>
+      </p:par>
+    </p:tnLst>
+    <p:bldLst>
+      <p:bldP spid="3" grpId="0" build="p"/>
+    </p:bldLst>
+  </p:timing>
+</p:sld>
+</file>
+
+<file path=ppt/slides/slide19.xml><?xml version="1.0" encoding="utf-8"?>
+<p:sld xmlns:a="http://schemas.openxmlformats.org/drawingml/2006/main" xmlns:r="http://schemas.openxmlformats.org/officeDocument/2006/relationships" xmlns:p="http://schemas.openxmlformats.org/presentationml/2006/main">
+  <p:cSld>
+    <p:spTree>
+      <p:nvGrpSpPr>
+        <p:cNvPr id="1" name=""/>
+        <p:cNvGrpSpPr/>
+        <p:nvPr/>
+      </p:nvGrpSpPr>
+      <p:grpSpPr>
+        <a:xfrm>
+          <a:off x="0" y="0"/>
+          <a:ext cx="0" cy="0"/>
+          <a:chOff x="0" y="0"/>
+          <a:chExt cx="0" cy="0"/>
+        </a:xfrm>
+      </p:grpSpPr>
+      <p:sp>
+        <p:nvSpPr>
+          <p:cNvPr id="2" name="標題 1"/>
+          <p:cNvSpPr>
+            <a:spLocks noGrp="1"/>
+          </p:cNvSpPr>
+          <p:nvPr>
+            <p:ph type="title"/>
+          </p:nvPr>
+        </p:nvSpPr>
+        <p:spPr>
+          <a:xfrm>
+            <a:off x="0" y="1"/>
+            <a:ext cx="9144000" cy="836712"/>
+          </a:xfrm>
+        </p:spPr>
+        <p:txBody>
+          <a:bodyPr anchor="b">
+            <a:normAutofit/>
+          </a:bodyPr>
+          <a:lstStyle/>
+          <a:p>
+            <a:pPr algn="ctr"/>
+            <a:r>
+              <a:rPr lang="zh-TW" altLang="en-US" sz="4000" dirty="0">
+                <a:solidFill>
+                  <a:srgbClr val="0070C0"/>
+                </a:solidFill>
+                <a:latin typeface="微軟正黑體" panose="020B0604030504040204" pitchFamily="34" charset="-120"/>
+                <a:ea typeface="微軟正黑體" panose="020B0604030504040204" pitchFamily="34" charset="-120"/>
+              </a:rPr>
+              <a:t>使用編輯器的小提醒</a:t>
+            </a:r>
+          </a:p>
+        </p:txBody>
+      </p:sp>
+      <p:sp>
+        <p:nvSpPr>
+          <p:cNvPr id="3" name="內容版面配置區 2"/>
+          <p:cNvSpPr>
+            <a:spLocks noGrp="1"/>
+          </p:cNvSpPr>
+          <p:nvPr>
+            <p:ph idx="1"/>
+          </p:nvPr>
+        </p:nvSpPr>
+        <p:spPr>
+          <a:xfrm>
+            <a:off x="628650" y="1052736"/>
+            <a:ext cx="7886700" cy="4351338"/>
+          </a:xfrm>
+        </p:spPr>
+        <p:txBody>
+          <a:bodyPr>
+            <a:normAutofit/>
+          </a:bodyPr>
+          <a:lstStyle/>
+          <a:p>
+            <a:pPr>
+              <a:lnSpc>
+                <a:spcPct val="100000"/>
+              </a:lnSpc>
+            </a:pPr>
+            <a:r>
+              <a:rPr lang="zh-TW" altLang="en-US" sz="2000" dirty="0">
+                <a:latin typeface="微軟正黑體" panose="020B0604030504040204" pitchFamily="34" charset="-120"/>
+                <a:ea typeface="微軟正黑體" panose="020B0604030504040204" pitchFamily="34" charset="-120"/>
+              </a:rPr>
+              <a:t>如果要打指令，可以透過快捷鍵 </a:t>
+            </a:r>
+            <a:r>
+              <a:rPr lang="en-US" altLang="zh-TW" sz="2000" u="sng" dirty="0">
+                <a:solidFill>
+                  <a:srgbClr val="FF5050"/>
+                </a:solidFill>
+                <a:latin typeface="微軟正黑體" panose="020B0604030504040204" pitchFamily="34" charset="-120"/>
+                <a:ea typeface="微軟正黑體" panose="020B0604030504040204" pitchFamily="34" charset="-120"/>
+              </a:rPr>
+              <a:t>Ctrl+`</a:t>
+            </a:r>
+            <a:r>
+              <a:rPr lang="en-US" altLang="zh-TW" sz="2000" dirty="0">
+                <a:solidFill>
+                  <a:srgbClr val="414141"/>
+                </a:solidFill>
+                <a:latin typeface="微軟正黑體" panose="020B0604030504040204" pitchFamily="34" charset="-120"/>
+                <a:ea typeface="微軟正黑體" panose="020B0604030504040204" pitchFamily="34" charset="-120"/>
+              </a:rPr>
+              <a:t> </a:t>
+            </a:r>
+            <a:r>
+              <a:rPr lang="zh-TW" altLang="en-US" sz="2000" dirty="0">
+                <a:latin typeface="微軟正黑體" panose="020B0604030504040204" pitchFamily="34" charset="-120"/>
+                <a:ea typeface="微軟正黑體" panose="020B0604030504040204" pitchFamily="34" charset="-120"/>
+              </a:rPr>
+              <a:t>叫出編輯器整合的 </a:t>
+            </a:r>
+            <a:r>
+              <a:rPr lang="en-US" altLang="zh-TW" sz="2000" dirty="0">
+                <a:latin typeface="微軟正黑體" panose="020B0604030504040204" pitchFamily="34" charset="-120"/>
+                <a:ea typeface="微軟正黑體" panose="020B0604030504040204" pitchFamily="34" charset="-120"/>
+              </a:rPr>
+              <a:t>Terminal</a:t>
+            </a:r>
+            <a:r>
+              <a:rPr lang="zh-TW" altLang="en-US" sz="2000" dirty="0">
+                <a:latin typeface="微軟正黑體" panose="020B0604030504040204" pitchFamily="34" charset="-120"/>
+                <a:ea typeface="微軟正黑體" panose="020B0604030504040204" pitchFamily="34" charset="-120"/>
+              </a:rPr>
+              <a:t>。</a:t>
+            </a:r>
+            <a:endParaRPr lang="en-US" altLang="zh-TW" sz="2000" dirty="0">
+              <a:latin typeface="微軟正黑體" panose="020B0604030504040204" pitchFamily="34" charset="-120"/>
+              <a:ea typeface="微軟正黑體" panose="020B0604030504040204" pitchFamily="34" charset="-120"/>
+            </a:endParaRPr>
+          </a:p>
+        </p:txBody>
+      </p:sp>
+      <p:pic>
+        <p:nvPicPr>
+          <p:cNvPr id="4" name="圖片 3"/>
+          <p:cNvPicPr>
+            <a:picLocks noChangeAspect="1"/>
+          </p:cNvPicPr>
+          <p:nvPr/>
+        </p:nvPicPr>
+        <p:blipFill>
+          <a:blip r:embed="rId3">
+            <a:extLst>
+              <a:ext uri="{28A0092B-C50C-407E-A947-70E740481C1C}">
+                <a14:useLocalDpi xmlns:a14="http://schemas.microsoft.com/office/drawing/2010/main" val="0"/>
+              </a:ext>
+            </a:extLst>
+          </a:blip>
+          <a:stretch>
+            <a:fillRect/>
+          </a:stretch>
+        </p:blipFill>
+        <p:spPr>
+          <a:xfrm>
+            <a:off x="1820202" y="1556792"/>
+            <a:ext cx="5503596" cy="4362382"/>
+          </a:xfrm>
+          <a:prstGeom prst="rect">
+            <a:avLst/>
+          </a:prstGeom>
+        </p:spPr>
+      </p:pic>
+    </p:spTree>
+    <p:extLst>
+      <p:ext uri="{BB962C8B-B14F-4D97-AF65-F5344CB8AC3E}">
+        <p14:creationId xmlns:p14="http://schemas.microsoft.com/office/powerpoint/2010/main" val="594718533"/>
       </p:ext>
     </p:extLst>
   </p:cSld>
@@ -10292,266 +11401,6 @@
           <a:chExt cx="0" cy="0"/>
         </a:xfrm>
       </p:grpSpPr>
-      <p:sp>
-        <p:nvSpPr>
-          <p:cNvPr id="2" name="標題 1"/>
-          <p:cNvSpPr>
-            <a:spLocks noGrp="1"/>
-          </p:cNvSpPr>
-          <p:nvPr>
-            <p:ph type="title"/>
-          </p:nvPr>
-        </p:nvSpPr>
-        <p:spPr>
-          <a:xfrm>
-            <a:off x="0" y="1"/>
-            <a:ext cx="9144000" cy="836712"/>
-          </a:xfrm>
-        </p:spPr>
-        <p:txBody>
-          <a:bodyPr anchor="b">
-            <a:normAutofit/>
-          </a:bodyPr>
-          <a:lstStyle/>
-          <a:p>
-            <a:pPr algn="ctr"/>
-            <a:r>
-              <a:rPr lang="zh-TW" altLang="en-US" sz="4000" dirty="0">
-                <a:solidFill>
-                  <a:srgbClr val="0070C0"/>
-                </a:solidFill>
-                <a:latin typeface="微軟正黑體" panose="020B0604030504040204" pitchFamily="34" charset="-120"/>
-                <a:ea typeface="微軟正黑體" panose="020B0604030504040204" pitchFamily="34" charset="-120"/>
-              </a:rPr>
-              <a:t>使用編輯器的小提醒</a:t>
-            </a:r>
-          </a:p>
-        </p:txBody>
-      </p:sp>
-      <p:sp>
-        <p:nvSpPr>
-          <p:cNvPr id="3" name="內容版面配置區 2"/>
-          <p:cNvSpPr>
-            <a:spLocks noGrp="1"/>
-          </p:cNvSpPr>
-          <p:nvPr>
-            <p:ph idx="1"/>
-          </p:nvPr>
-        </p:nvSpPr>
-        <p:spPr>
-          <a:xfrm>
-            <a:off x="628650" y="1052736"/>
-            <a:ext cx="7886700" cy="4351338"/>
-          </a:xfrm>
-        </p:spPr>
-        <p:txBody>
-          <a:bodyPr>
-            <a:normAutofit/>
-          </a:bodyPr>
-          <a:lstStyle/>
-          <a:p>
-            <a:pPr>
-              <a:lnSpc>
-                <a:spcPct val="100000"/>
-              </a:lnSpc>
-            </a:pPr>
-            <a:r>
-              <a:rPr lang="zh-TW" altLang="en-US" sz="2000" dirty="0">
-                <a:latin typeface="微軟正黑體" panose="020B0604030504040204" pitchFamily="34" charset="-120"/>
-                <a:ea typeface="微軟正黑體" panose="020B0604030504040204" pitchFamily="34" charset="-120"/>
-              </a:rPr>
-              <a:t>如果要打指令，可以透過快捷鍵 </a:t>
-            </a:r>
-            <a:r>
-              <a:rPr lang="en-US" altLang="zh-TW" sz="2000" u="sng" dirty="0">
-                <a:solidFill>
-                  <a:srgbClr val="FF5050"/>
-                </a:solidFill>
-                <a:latin typeface="微軟正黑體" panose="020B0604030504040204" pitchFamily="34" charset="-120"/>
-                <a:ea typeface="微軟正黑體" panose="020B0604030504040204" pitchFamily="34" charset="-120"/>
-              </a:rPr>
-              <a:t>Ctrl+`</a:t>
-            </a:r>
-            <a:r>
-              <a:rPr lang="en-US" altLang="zh-TW" sz="2000" dirty="0">
-                <a:solidFill>
-                  <a:srgbClr val="414141"/>
-                </a:solidFill>
-                <a:latin typeface="微軟正黑體" panose="020B0604030504040204" pitchFamily="34" charset="-120"/>
-                <a:ea typeface="微軟正黑體" panose="020B0604030504040204" pitchFamily="34" charset="-120"/>
-              </a:rPr>
-              <a:t> </a:t>
-            </a:r>
-            <a:r>
-              <a:rPr lang="zh-TW" altLang="en-US" sz="2000" dirty="0">
-                <a:latin typeface="微軟正黑體" panose="020B0604030504040204" pitchFamily="34" charset="-120"/>
-                <a:ea typeface="微軟正黑體" panose="020B0604030504040204" pitchFamily="34" charset="-120"/>
-              </a:rPr>
-              <a:t>叫出編輯器整合的 </a:t>
-            </a:r>
-            <a:r>
-              <a:rPr lang="en-US" altLang="zh-TW" sz="2000" dirty="0">
-                <a:latin typeface="微軟正黑體" panose="020B0604030504040204" pitchFamily="34" charset="-120"/>
-                <a:ea typeface="微軟正黑體" panose="020B0604030504040204" pitchFamily="34" charset="-120"/>
-              </a:rPr>
-              <a:t>Terminal</a:t>
-            </a:r>
-            <a:r>
-              <a:rPr lang="zh-TW" altLang="en-US" sz="2000" dirty="0">
-                <a:latin typeface="微軟正黑體" panose="020B0604030504040204" pitchFamily="34" charset="-120"/>
-                <a:ea typeface="微軟正黑體" panose="020B0604030504040204" pitchFamily="34" charset="-120"/>
-              </a:rPr>
-              <a:t>。</a:t>
-            </a:r>
-            <a:endParaRPr lang="en-US" altLang="zh-TW" sz="2000" dirty="0">
-              <a:latin typeface="微軟正黑體" panose="020B0604030504040204" pitchFamily="34" charset="-120"/>
-              <a:ea typeface="微軟正黑體" panose="020B0604030504040204" pitchFamily="34" charset="-120"/>
-            </a:endParaRPr>
-          </a:p>
-        </p:txBody>
-      </p:sp>
-      <p:pic>
-        <p:nvPicPr>
-          <p:cNvPr id="4" name="圖片 3"/>
-          <p:cNvPicPr>
-            <a:picLocks noChangeAspect="1"/>
-          </p:cNvPicPr>
-          <p:nvPr/>
-        </p:nvPicPr>
-        <p:blipFill>
-          <a:blip r:embed="rId3">
-            <a:extLst>
-              <a:ext uri="{28A0092B-C50C-407E-A947-70E740481C1C}">
-                <a14:useLocalDpi xmlns:a14="http://schemas.microsoft.com/office/drawing/2010/main" val="0"/>
-              </a:ext>
-            </a:extLst>
-          </a:blip>
-          <a:stretch>
-            <a:fillRect/>
-          </a:stretch>
-        </p:blipFill>
-        <p:spPr>
-          <a:xfrm>
-            <a:off x="1820202" y="1556792"/>
-            <a:ext cx="5503596" cy="4362382"/>
-          </a:xfrm>
-          <a:prstGeom prst="rect">
-            <a:avLst/>
-          </a:prstGeom>
-        </p:spPr>
-      </p:pic>
-    </p:spTree>
-    <p:extLst>
-      <p:ext uri="{BB962C8B-B14F-4D97-AF65-F5344CB8AC3E}">
-        <p14:creationId xmlns:p14="http://schemas.microsoft.com/office/powerpoint/2010/main" val="594718533"/>
-      </p:ext>
-    </p:extLst>
-  </p:cSld>
-  <p:clrMapOvr>
-    <a:masterClrMapping/>
-  </p:clrMapOvr>
-  <p:timing>
-    <p:tnLst>
-      <p:par>
-        <p:cTn id="1" dur="indefinite" restart="never" nodeType="tmRoot">
-          <p:childTnLst>
-            <p:seq concurrent="1" nextAc="seek">
-              <p:cTn id="2" dur="indefinite" nodeType="mainSeq">
-                <p:childTnLst>
-                  <p:par>
-                    <p:cTn id="3" fill="hold">
-                      <p:stCondLst>
-                        <p:cond delay="indefinite"/>
-                      </p:stCondLst>
-                      <p:childTnLst>
-                        <p:par>
-                          <p:cTn id="4" fill="hold">
-                            <p:stCondLst>
-                              <p:cond delay="0"/>
-                            </p:stCondLst>
-                            <p:childTnLst>
-                              <p:par>
-                                <p:cTn id="5" presetID="1" presetClass="entr" presetSubtype="0" fill="hold" grpId="0" nodeType="clickEffect">
-                                  <p:stCondLst>
-                                    <p:cond delay="0"/>
-                                  </p:stCondLst>
-                                  <p:childTnLst>
-                                    <p:set>
-                                      <p:cBhvr>
-                                        <p:cTn id="6" dur="1" fill="hold">
-                                          <p:stCondLst>
-                                            <p:cond delay="0"/>
-                                          </p:stCondLst>
-                                        </p:cTn>
-                                        <p:tgtEl>
-                                          <p:spTgt spid="3">
-                                            <p:txEl>
-                                              <p:pRg st="0" end="0"/>
-                                            </p:txEl>
-                                          </p:spTgt>
-                                        </p:tgtEl>
-                                        <p:attrNameLst>
-                                          <p:attrName>style.visibility</p:attrName>
-                                        </p:attrNameLst>
-                                      </p:cBhvr>
-                                      <p:to>
-                                        <p:strVal val="visible"/>
-                                      </p:to>
-                                    </p:set>
-                                  </p:childTnLst>
-                                </p:cTn>
-                              </p:par>
-                            </p:childTnLst>
-                          </p:cTn>
-                        </p:par>
-                      </p:childTnLst>
-                    </p:cTn>
-                  </p:par>
-                </p:childTnLst>
-              </p:cTn>
-              <p:prevCondLst>
-                <p:cond evt="onPrev" delay="0">
-                  <p:tgtEl>
-                    <p:sldTgt/>
-                  </p:tgtEl>
-                </p:cond>
-              </p:prevCondLst>
-              <p:nextCondLst>
-                <p:cond evt="onNext" delay="0">
-                  <p:tgtEl>
-                    <p:sldTgt/>
-                  </p:tgtEl>
-                </p:cond>
-              </p:nextCondLst>
-            </p:seq>
-          </p:childTnLst>
-        </p:cTn>
-      </p:par>
-    </p:tnLst>
-    <p:bldLst>
-      <p:bldP spid="3" grpId="0" build="p"/>
-    </p:bldLst>
-  </p:timing>
-</p:sld>
-</file>
-
-<file path=ppt/slides/slide21.xml><?xml version="1.0" encoding="utf-8"?>
-<p:sld xmlns:a="http://schemas.openxmlformats.org/drawingml/2006/main" xmlns:r="http://schemas.openxmlformats.org/officeDocument/2006/relationships" xmlns:p="http://schemas.openxmlformats.org/presentationml/2006/main">
-  <p:cSld>
-    <p:spTree>
-      <p:nvGrpSpPr>
-        <p:cNvPr id="1" name=""/>
-        <p:cNvGrpSpPr/>
-        <p:nvPr/>
-      </p:nvGrpSpPr>
-      <p:grpSpPr>
-        <a:xfrm>
-          <a:off x="0" y="0"/>
-          <a:ext cx="0" cy="0"/>
-          <a:chOff x="0" y="0"/>
-          <a:chExt cx="0" cy="0"/>
-        </a:xfrm>
-      </p:grpSpPr>
       <p:pic>
         <p:nvPicPr>
           <p:cNvPr id="5" name="圖片 4"/>
@@ -10595,7 +11444,7 @@
 </p:sld>
 </file>
 
-<file path=ppt/slides/slide22.xml><?xml version="1.0" encoding="utf-8"?>
+<file path=ppt/slides/slide21.xml><?xml version="1.0" encoding="utf-8"?>
 <p:sld xmlns:a="http://schemas.openxmlformats.org/drawingml/2006/main" xmlns:r="http://schemas.openxmlformats.org/officeDocument/2006/relationships" xmlns:p="http://schemas.openxmlformats.org/presentationml/2006/main">
   <p:cSld>
     <p:spTree>
@@ -11096,6 +11945,327 @@
 </p:sld>
 </file>
 
+<file path=ppt/slides/slide22.xml><?xml version="1.0" encoding="utf-8"?>
+<p:sld xmlns:a="http://schemas.openxmlformats.org/drawingml/2006/main" xmlns:r="http://schemas.openxmlformats.org/officeDocument/2006/relationships" xmlns:p="http://schemas.openxmlformats.org/presentationml/2006/main">
+  <p:cSld>
+    <p:spTree>
+      <p:nvGrpSpPr>
+        <p:cNvPr id="1" name=""/>
+        <p:cNvGrpSpPr/>
+        <p:nvPr/>
+      </p:nvGrpSpPr>
+      <p:grpSpPr>
+        <a:xfrm>
+          <a:off x="0" y="0"/>
+          <a:ext cx="0" cy="0"/>
+          <a:chOff x="0" y="0"/>
+          <a:chExt cx="0" cy="0"/>
+        </a:xfrm>
+      </p:grpSpPr>
+      <p:sp>
+        <p:nvSpPr>
+          <p:cNvPr id="2" name="標題 1"/>
+          <p:cNvSpPr>
+            <a:spLocks noGrp="1"/>
+          </p:cNvSpPr>
+          <p:nvPr>
+            <p:ph type="title"/>
+          </p:nvPr>
+        </p:nvSpPr>
+        <p:spPr>
+          <a:xfrm>
+            <a:off x="0" y="1"/>
+            <a:ext cx="9144000" cy="836712"/>
+          </a:xfrm>
+        </p:spPr>
+        <p:txBody>
+          <a:bodyPr anchor="b">
+            <a:normAutofit/>
+          </a:bodyPr>
+          <a:lstStyle/>
+          <a:p>
+            <a:pPr algn="ctr"/>
+            <a:r>
+              <a:rPr lang="zh-TW" altLang="en-US" sz="4000" dirty="0">
+                <a:solidFill>
+                  <a:srgbClr val="0070C0"/>
+                </a:solidFill>
+                <a:latin typeface="微軟正黑體" panose="020B0604030504040204" pitchFamily="34" charset="-120"/>
+              </a:rPr>
+              <a:t>標記語言</a:t>
+            </a:r>
+            <a:r>
+              <a:rPr lang="zh-TW" altLang="en-US" sz="4000" dirty="0">
+                <a:solidFill>
+                  <a:srgbClr val="0070C0"/>
+                </a:solidFill>
+                <a:latin typeface="微軟正黑體" panose="020B0604030504040204" pitchFamily="34" charset="-120"/>
+                <a:ea typeface="微軟正黑體" panose="020B0604030504040204" pitchFamily="34" charset="-120"/>
+              </a:rPr>
+              <a:t>是什麼？</a:t>
+            </a:r>
+          </a:p>
+        </p:txBody>
+      </p:sp>
+      <p:sp>
+        <p:nvSpPr>
+          <p:cNvPr id="6" name="矩形 5"/>
+          <p:cNvSpPr/>
+          <p:nvPr/>
+        </p:nvSpPr>
+        <p:spPr>
+          <a:xfrm>
+            <a:off x="251520" y="2132869"/>
+            <a:ext cx="8424936" cy="3102260"/>
+          </a:xfrm>
+          <a:prstGeom prst="rect">
+            <a:avLst/>
+          </a:prstGeom>
+        </p:spPr>
+        <p:txBody>
+          <a:bodyPr wrap="square">
+            <a:spAutoFit/>
+          </a:bodyPr>
+          <a:lstStyle/>
+          <a:p>
+            <a:pPr marL="342900" lvl="0" indent="-342900" defTabSz="685800">
+              <a:lnSpc>
+                <a:spcPct val="150000"/>
+              </a:lnSpc>
+              <a:spcBef>
+                <a:spcPts val="750"/>
+              </a:spcBef>
+              <a:buFont typeface="Arial" panose="020B0604020202020204" pitchFamily="34" charset="0"/>
+              <a:buChar char="•"/>
+            </a:pPr>
+            <a:r>
+              <a:rPr lang="zh-TW" altLang="en-US" sz="2400" dirty="0">
+                <a:solidFill>
+                  <a:srgbClr val="0070C0"/>
+                </a:solidFill>
+                <a:latin typeface="微軟正黑體" panose="020B0604030504040204" pitchFamily="34" charset="-120"/>
+                <a:ea typeface="微軟正黑體" panose="020B0604030504040204" pitchFamily="34" charset="-120"/>
+              </a:rPr>
+              <a:t>指的是電腦所能理解的</a:t>
+            </a:r>
+            <a:endParaRPr lang="en-US" altLang="zh-TW" sz="2400" dirty="0">
+              <a:solidFill>
+                <a:srgbClr val="0070C0"/>
+              </a:solidFill>
+              <a:latin typeface="微軟正黑體" panose="020B0604030504040204" pitchFamily="34" charset="-120"/>
+              <a:ea typeface="微軟正黑體" panose="020B0604030504040204" pitchFamily="34" charset="-120"/>
+            </a:endParaRPr>
+          </a:p>
+          <a:p>
+            <a:pPr marL="342900" lvl="0" indent="-342900" defTabSz="685800">
+              <a:lnSpc>
+                <a:spcPct val="150000"/>
+              </a:lnSpc>
+              <a:spcBef>
+                <a:spcPts val="750"/>
+              </a:spcBef>
+              <a:buFont typeface="Arial" panose="020B0604020202020204" pitchFamily="34" charset="0"/>
+              <a:buChar char="•"/>
+            </a:pPr>
+            <a:r>
+              <a:rPr lang="zh-TW" altLang="en-US" sz="2400" dirty="0">
+                <a:solidFill>
+                  <a:srgbClr val="0070C0"/>
+                </a:solidFill>
+                <a:latin typeface="微軟正黑體" panose="020B0604030504040204" pitchFamily="34" charset="-120"/>
+                <a:ea typeface="微軟正黑體" panose="020B0604030504040204" pitchFamily="34" charset="-120"/>
+              </a:rPr>
+              <a:t>符號，標示符號定義出一份文件應該怎麼呈現在螢幕面前</a:t>
+            </a:r>
+            <a:endParaRPr lang="en-US" altLang="zh-TW" sz="2400" dirty="0">
+              <a:solidFill>
+                <a:srgbClr val="0070C0"/>
+              </a:solidFill>
+              <a:latin typeface="微軟正黑體" panose="020B0604030504040204" pitchFamily="34" charset="-120"/>
+              <a:ea typeface="微軟正黑體" panose="020B0604030504040204" pitchFamily="34" charset="-120"/>
+            </a:endParaRPr>
+          </a:p>
+          <a:p>
+            <a:pPr marL="342900" indent="-342900" defTabSz="685800">
+              <a:lnSpc>
+                <a:spcPct val="150000"/>
+              </a:lnSpc>
+              <a:spcBef>
+                <a:spcPts val="750"/>
+              </a:spcBef>
+              <a:buFont typeface="Arial" panose="020B0604020202020204" pitchFamily="34" charset="0"/>
+              <a:buChar char="•"/>
+            </a:pPr>
+            <a:r>
+              <a:rPr lang="zh-TW" altLang="en-US" sz="2400" dirty="0">
+                <a:solidFill>
+                  <a:srgbClr val="0070C0"/>
+                </a:solidFill>
+              </a:rPr>
+              <a:t>以</a:t>
+            </a:r>
+            <a:r>
+              <a:rPr lang="en-US" altLang="zh-TW" sz="2400" dirty="0">
+                <a:solidFill>
+                  <a:srgbClr val="0070C0"/>
+                </a:solidFill>
+              </a:rPr>
+              <a:t>HTML</a:t>
+            </a:r>
+            <a:r>
+              <a:rPr lang="zh-TW" altLang="en-US" sz="2400" dirty="0">
+                <a:solidFill>
+                  <a:srgbClr val="0070C0"/>
+                </a:solidFill>
+              </a:rPr>
+              <a:t>為例，當電腦看到 </a:t>
+            </a:r>
+            <a:r>
+              <a:rPr lang="en-US" altLang="zh-TW" sz="2400" dirty="0">
+                <a:solidFill>
+                  <a:srgbClr val="0070C0"/>
+                </a:solidFill>
+              </a:rPr>
+              <a:t>&lt;P&gt;</a:t>
+            </a:r>
+            <a:r>
+              <a:rPr lang="zh-TW" altLang="en-US" sz="2400" dirty="0">
+                <a:solidFill>
+                  <a:srgbClr val="0070C0"/>
+                </a:solidFill>
+              </a:rPr>
+              <a:t> 這個符號時，表示知道這裡該分段了。</a:t>
+            </a:r>
+          </a:p>
+          <a:p>
+            <a:pPr marL="342900" lvl="0" indent="-342900" defTabSz="685800">
+              <a:lnSpc>
+                <a:spcPct val="150000"/>
+              </a:lnSpc>
+              <a:spcBef>
+                <a:spcPts val="750"/>
+              </a:spcBef>
+              <a:buFont typeface="Arial" panose="020B0604020202020204" pitchFamily="34" charset="0"/>
+              <a:buChar char="•"/>
+            </a:pPr>
+            <a:endParaRPr lang="en-US" altLang="zh-TW" sz="2400" dirty="0">
+              <a:solidFill>
+                <a:srgbClr val="0070C0"/>
+              </a:solidFill>
+              <a:latin typeface="微軟正黑體" panose="020B0604030504040204" pitchFamily="34" charset="-120"/>
+              <a:ea typeface="微軟正黑體" panose="020B0604030504040204" pitchFamily="34" charset="-120"/>
+            </a:endParaRPr>
+          </a:p>
+        </p:txBody>
+      </p:sp>
+      <p:cxnSp>
+        <p:nvCxnSpPr>
+          <p:cNvPr id="23" name="直線接點 22"/>
+          <p:cNvCxnSpPr>
+            <a:cxnSpLocks/>
+          </p:cNvCxnSpPr>
+          <p:nvPr/>
+        </p:nvCxnSpPr>
+        <p:spPr>
+          <a:xfrm>
+            <a:off x="0" y="1824255"/>
+            <a:ext cx="7236296" cy="0"/>
+          </a:xfrm>
+          <a:prstGeom prst="line">
+            <a:avLst/>
+          </a:prstGeom>
+          <a:ln w="19050"/>
+        </p:spPr>
+        <p:style>
+          <a:lnRef idx="1">
+            <a:schemeClr val="accent1"/>
+          </a:lnRef>
+          <a:fillRef idx="0">
+            <a:schemeClr val="accent1"/>
+          </a:fillRef>
+          <a:effectRef idx="0">
+            <a:schemeClr val="accent1"/>
+          </a:effectRef>
+          <a:fontRef idx="minor">
+            <a:schemeClr val="tx1"/>
+          </a:fontRef>
+        </p:style>
+      </p:cxnSp>
+      <p:sp>
+        <p:nvSpPr>
+          <p:cNvPr id="3" name="矩形 2">
+            <a:extLst>
+              <a:ext uri="{FF2B5EF4-FFF2-40B4-BE49-F238E27FC236}">
+                <a16:creationId xmlns:a16="http://schemas.microsoft.com/office/drawing/2014/main" id="{8B42E6FA-1766-4A41-9F27-B21799E250B7}"/>
+              </a:ext>
+            </a:extLst>
+          </p:cNvPr>
+          <p:cNvSpPr/>
+          <p:nvPr/>
+        </p:nvSpPr>
+        <p:spPr>
+          <a:xfrm>
+            <a:off x="251520" y="1106214"/>
+            <a:ext cx="6192688" cy="584775"/>
+          </a:xfrm>
+          <a:prstGeom prst="rect">
+            <a:avLst/>
+          </a:prstGeom>
+        </p:spPr>
+        <p:txBody>
+          <a:bodyPr wrap="square">
+            <a:spAutoFit/>
+          </a:bodyPr>
+          <a:lstStyle/>
+          <a:p>
+            <a:r>
+              <a:rPr lang="en-US" altLang="zh-TW" sz="3200" dirty="0">
+                <a:solidFill>
+                  <a:srgbClr val="0070C0"/>
+                </a:solidFill>
+              </a:rPr>
+              <a:t>Markup Language</a:t>
+            </a:r>
+            <a:r>
+              <a:rPr lang="zh-TW" altLang="en-US" sz="3200" dirty="0">
+                <a:solidFill>
+                  <a:srgbClr val="0070C0"/>
+                </a:solidFill>
+              </a:rPr>
+              <a:t> 裡 </a:t>
+            </a:r>
+            <a:r>
+              <a:rPr lang="en-US" altLang="zh-TW" sz="3000" dirty="0">
+                <a:solidFill>
+                  <a:srgbClr val="0070C0"/>
+                </a:solidFill>
+              </a:rPr>
+              <a:t>Markup</a:t>
+            </a:r>
+            <a:r>
+              <a:rPr lang="zh-TW" altLang="en-US" sz="3000" dirty="0">
+                <a:solidFill>
+                  <a:srgbClr val="0070C0"/>
+                </a:solidFill>
+              </a:rPr>
+              <a:t>（標記）</a:t>
+            </a:r>
+          </a:p>
+        </p:txBody>
+      </p:sp>
+    </p:spTree>
+    <p:extLst>
+      <p:ext uri="{BB962C8B-B14F-4D97-AF65-F5344CB8AC3E}">
+        <p14:creationId xmlns:p14="http://schemas.microsoft.com/office/powerpoint/2010/main" val="1135257271"/>
+      </p:ext>
+    </p:extLst>
+  </p:cSld>
+  <p:clrMapOvr>
+    <a:masterClrMapping/>
+  </p:clrMapOvr>
+</p:sld>
+</file>
+
 <file path=ppt/slides/slide23.xml><?xml version="1.0" encoding="utf-8"?>
 <p:sld xmlns:a="http://schemas.openxmlformats.org/drawingml/2006/main" xmlns:r="http://schemas.openxmlformats.org/officeDocument/2006/relationships" xmlns:p="http://schemas.openxmlformats.org/presentationml/2006/main">
   <p:cSld>
@@ -11525,7 +12695,7 @@
     </p:spTree>
     <p:extLst>
       <p:ext uri="{BB962C8B-B14F-4D97-AF65-F5344CB8AC3E}">
-        <p14:creationId xmlns:p14="http://schemas.microsoft.com/office/powerpoint/2010/main" val="1135257271"/>
+        <p14:creationId xmlns:p14="http://schemas.microsoft.com/office/powerpoint/2010/main" val="3001340817"/>
       </p:ext>
     </p:extLst>
   </p:cSld>
@@ -13152,14 +14322,13 @@
           <a:p>
             <a:pPr algn="ctr"/>
             <a:r>
-              <a:rPr lang="zh-TW" altLang="en-US" sz="4000">
+              <a:rPr lang="en-US" altLang="zh-TW" sz="4000" dirty="0">
                 <a:solidFill>
                   <a:srgbClr val="0070C0"/>
                 </a:solidFill>
                 <a:latin typeface="微軟正黑體" panose="020B0604030504040204" pitchFamily="34" charset="-120"/>
-                <a:ea typeface="微軟正黑體" panose="020B0604030504040204" pitchFamily="34" charset="-120"/>
-              </a:rPr>
-              <a:t>作業</a:t>
+              </a:rPr>
+              <a:t>&lt;p&gt;&lt;/p&gt;</a:t>
             </a:r>
             <a:endParaRPr lang="zh-TW" altLang="en-US" sz="4000" dirty="0">
               <a:solidFill>
@@ -13173,7 +14342,13 @@
       </p:sp>
       <p:sp>
         <p:nvSpPr>
-          <p:cNvPr id="3" name="內容版面配置區 2"/>
+          <p:cNvPr id="5" name="內容版面配置區 4">
+            <a:extLst>
+              <a:ext uri="{FF2B5EF4-FFF2-40B4-BE49-F238E27FC236}">
+                <a16:creationId xmlns:a16="http://schemas.microsoft.com/office/drawing/2014/main" id="{F6B9FE8A-DA81-40F3-9BA3-C1837BC936D5}"/>
+              </a:ext>
+            </a:extLst>
+          </p:cNvPr>
           <p:cNvSpPr>
             <a:spLocks noGrp="1"/>
           </p:cNvSpPr>
@@ -13183,185 +14358,541 @@
         </p:nvSpPr>
         <p:spPr>
           <a:xfrm>
-            <a:off x="628650" y="1196752"/>
-            <a:ext cx="7886700" cy="4351338"/>
-          </a:xfrm>
-        </p:spPr>
-        <p:txBody>
-          <a:bodyPr/>
-          <a:lstStyle/>
-          <a:p>
-            <a:r>
-              <a:rPr lang="zh-TW" altLang="en-US" dirty="0"/>
-              <a:t>目標：寫出一個課表。</a:t>
-            </a:r>
-            <a:endParaRPr lang="en-US" altLang="zh-TW" dirty="0"/>
-          </a:p>
-          <a:p>
-            <a:r>
-              <a:rPr lang="zh-TW" altLang="en-US" dirty="0"/>
-              <a:t>所需標籤：</a:t>
-            </a:r>
-            <a:r>
-              <a:rPr lang="en-US" altLang="zh-TW" dirty="0">
+            <a:off x="0" y="1810418"/>
+            <a:ext cx="9143999" cy="1042518"/>
+          </a:xfrm>
+        </p:spPr>
+        <p:txBody>
+          <a:bodyPr>
+            <a:normAutofit/>
+          </a:bodyPr>
+          <a:lstStyle/>
+          <a:p>
+            <a:pPr marL="0" indent="0" algn="ctr">
+              <a:lnSpc>
+                <a:spcPct val="170000"/>
+              </a:lnSpc>
+              <a:buNone/>
+            </a:pPr>
+            <a:r>
+              <a:rPr lang="en-US" altLang="zh-TW" sz="2500" dirty="0">
+                <a:solidFill>
+                  <a:srgbClr val="0070C0"/>
+                </a:solidFill>
+                <a:latin typeface="微軟正黑體" panose="020B0604030504040204" pitchFamily="34" charset="-120"/>
+              </a:rPr>
+              <a:t>p </a:t>
+            </a:r>
+            <a:r>
+              <a:rPr lang="zh-TW" altLang="en-US" sz="2500" dirty="0">
+                <a:solidFill>
+                  <a:srgbClr val="0070C0"/>
+                </a:solidFill>
+                <a:latin typeface="微軟正黑體" panose="020B0604030504040204" pitchFamily="34" charset="-120"/>
+              </a:rPr>
+              <a:t>用來描述一段文字段落，瀏覽器會自動幫你將每個段落換行</a:t>
+            </a:r>
+          </a:p>
+        </p:txBody>
+      </p:sp>
+      <p:sp>
+        <p:nvSpPr>
+          <p:cNvPr id="6" name="矩形 5">
+            <a:extLst>
+              <a:ext uri="{FF2B5EF4-FFF2-40B4-BE49-F238E27FC236}">
+                <a16:creationId xmlns:a16="http://schemas.microsoft.com/office/drawing/2014/main" id="{21029EF7-0151-40CF-A057-49371B3A96F9}"/>
+              </a:ext>
+            </a:extLst>
+          </p:cNvPr>
+          <p:cNvSpPr/>
+          <p:nvPr/>
+        </p:nvSpPr>
+        <p:spPr>
+          <a:xfrm>
+            <a:off x="3419872" y="1052736"/>
+            <a:ext cx="2088232" cy="553998"/>
+          </a:xfrm>
+          <a:prstGeom prst="rect">
+            <a:avLst/>
+          </a:prstGeom>
+        </p:spPr>
+        <p:txBody>
+          <a:bodyPr wrap="square">
+            <a:spAutoFit/>
+          </a:bodyPr>
+          <a:lstStyle/>
+          <a:p>
+            <a:pPr lvl="0" algn="ctr" defTabSz="685800">
+              <a:spcBef>
+                <a:spcPts val="750"/>
+              </a:spcBef>
+            </a:pPr>
+            <a:r>
+              <a:rPr lang="zh-TW" altLang="en-US" sz="3000" dirty="0">
+                <a:solidFill>
+                  <a:srgbClr val="FF0000"/>
+                </a:solidFill>
                 <a:latin typeface="Consolas" panose="020B0609020204030204" pitchFamily="49" charset="0"/>
-              </a:rPr>
-              <a:t>&lt;table&gt;</a:t>
-            </a:r>
-            <a:r>
-              <a:rPr lang="zh-TW" altLang="en-US" dirty="0">
+                <a:ea typeface="微軟正黑體" panose="020B0604030504040204" pitchFamily="34" charset="-120"/>
+              </a:rPr>
+              <a:t>段落</a:t>
+            </a:r>
+            <a:r>
+              <a:rPr lang="zh-TW" altLang="en-US" sz="3000" dirty="0">
+                <a:solidFill>
+                  <a:srgbClr val="0070C0"/>
+                </a:solidFill>
                 <a:latin typeface="Consolas" panose="020B0609020204030204" pitchFamily="49" charset="0"/>
-              </a:rPr>
-              <a:t>、</a:t>
-            </a:r>
-            <a:r>
-              <a:rPr lang="en-US" altLang="zh-TW" dirty="0">
+                <a:ea typeface="微軟正黑體" panose="020B0604030504040204" pitchFamily="34" charset="-120"/>
+              </a:rPr>
+              <a:t>標籤</a:t>
+            </a:r>
+            <a:endParaRPr lang="en-US" altLang="zh-TW" sz="3000" dirty="0">
+              <a:solidFill>
+                <a:srgbClr val="0070C0"/>
+              </a:solidFill>
+              <a:latin typeface="Consolas" panose="020B0609020204030204" pitchFamily="49" charset="0"/>
+              <a:ea typeface="微軟正黑體" panose="020B0604030504040204" pitchFamily="34" charset="-120"/>
+            </a:endParaRPr>
+          </a:p>
+        </p:txBody>
+      </p:sp>
+      <p:sp>
+        <p:nvSpPr>
+          <p:cNvPr id="7" name="矩形 6">
+            <a:extLst>
+              <a:ext uri="{FF2B5EF4-FFF2-40B4-BE49-F238E27FC236}">
+                <a16:creationId xmlns:a16="http://schemas.microsoft.com/office/drawing/2014/main" id="{5B05A505-C9C8-4229-8331-3A20AACF46B7}"/>
+              </a:ext>
+            </a:extLst>
+          </p:cNvPr>
+          <p:cNvSpPr/>
+          <p:nvPr/>
+        </p:nvSpPr>
+        <p:spPr>
+          <a:xfrm>
+            <a:off x="1877999" y="2716962"/>
+            <a:ext cx="5388013" cy="461665"/>
+          </a:xfrm>
+          <a:prstGeom prst="rect">
+            <a:avLst/>
+          </a:prstGeom>
+        </p:spPr>
+        <p:txBody>
+          <a:bodyPr wrap="none">
+            <a:spAutoFit/>
+          </a:bodyPr>
+          <a:lstStyle/>
+          <a:p>
+            <a:pPr lvl="0" algn="ctr" defTabSz="685800">
+              <a:spcBef>
+                <a:spcPts val="750"/>
+              </a:spcBef>
+            </a:pPr>
+            <a:r>
+              <a:rPr lang="en-US" altLang="zh-TW" sz="2400" dirty="0">
+                <a:solidFill>
+                  <a:srgbClr val="0070C0"/>
+                </a:solidFill>
                 <a:latin typeface="Consolas" panose="020B0609020204030204" pitchFamily="49" charset="0"/>
-              </a:rPr>
-              <a:t>&lt;</a:t>
-            </a:r>
-            <a:r>
-              <a:rPr lang="en-US" altLang="zh-TW" dirty="0" err="1">
+                <a:ea typeface="微軟正黑體" panose="020B0604030504040204" pitchFamily="34" charset="-120"/>
+              </a:rPr>
+              <a:t>&lt;p</a:t>
+            </a:r>
+            <a:r>
+              <a:rPr lang="en-US" altLang="zh-TW" sz="2400" dirty="0">
                 <a:latin typeface="Consolas" panose="020B0609020204030204" pitchFamily="49" charset="0"/>
-              </a:rPr>
-              <a:t>thead</a:t>
-            </a:r>
-            <a:r>
-              <a:rPr lang="en-US" altLang="zh-TW" dirty="0">
+                <a:ea typeface="微軟正黑體" panose="020B0604030504040204" pitchFamily="34" charset="-120"/>
+              </a:rPr>
+              <a:t> </a:t>
+            </a:r>
+            <a:r>
+              <a:rPr lang="en-US" altLang="zh-TW" sz="2400" dirty="0">
+                <a:solidFill>
+                  <a:srgbClr val="FF5050"/>
+                </a:solidFill>
                 <a:latin typeface="Consolas" panose="020B0609020204030204" pitchFamily="49" charset="0"/>
+                <a:ea typeface="微軟正黑體" panose="020B0604030504040204" pitchFamily="34" charset="-120"/>
+              </a:rPr>
+              <a:t>style=“color: red;”</a:t>
+            </a:r>
+            <a:r>
+              <a:rPr lang="en-US" altLang="zh-TW" sz="2400" dirty="0">
+                <a:solidFill>
+                  <a:srgbClr val="0070C0"/>
+                </a:solidFill>
+                <a:latin typeface="Consolas" panose="020B0609020204030204" pitchFamily="49" charset="0"/>
+                <a:ea typeface="微軟正黑體" panose="020B0604030504040204" pitchFamily="34" charset="-120"/>
               </a:rPr>
               <a:t>&gt;</a:t>
             </a:r>
             <a:r>
-              <a:rPr lang="zh-TW" altLang="en-US" dirty="0">
+              <a:rPr lang="zh-TW" altLang="en-US" sz="2400" dirty="0">
+                <a:solidFill>
+                  <a:srgbClr val="0070C0"/>
+                </a:solidFill>
                 <a:latin typeface="Consolas" panose="020B0609020204030204" pitchFamily="49" charset="0"/>
-              </a:rPr>
-              <a:t>、</a:t>
-            </a:r>
-            <a:r>
-              <a:rPr lang="en-US" altLang="zh-TW" dirty="0">
+                <a:ea typeface="微軟正黑體" panose="020B0604030504040204" pitchFamily="34" charset="-120"/>
+              </a:rPr>
+              <a:t>段落</a:t>
+            </a:r>
+            <a:r>
+              <a:rPr lang="en-US" altLang="zh-TW" sz="2400" dirty="0">
+                <a:solidFill>
+                  <a:srgbClr val="0070C0"/>
+                </a:solidFill>
                 <a:latin typeface="Consolas" panose="020B0609020204030204" pitchFamily="49" charset="0"/>
-              </a:rPr>
-              <a:t>&lt;</a:t>
-            </a:r>
-            <a:r>
-              <a:rPr lang="en-US" altLang="zh-TW" dirty="0" err="1">
-                <a:latin typeface="Consolas" panose="020B0609020204030204" pitchFamily="49" charset="0"/>
-              </a:rPr>
-              <a:t>tbody</a:t>
-            </a:r>
-            <a:r>
-              <a:rPr lang="en-US" altLang="zh-TW" dirty="0">
-                <a:latin typeface="Consolas" panose="020B0609020204030204" pitchFamily="49" charset="0"/>
-              </a:rPr>
-              <a:t>&gt;</a:t>
-            </a:r>
-            <a:r>
-              <a:rPr lang="zh-TW" altLang="en-US" dirty="0">
-                <a:latin typeface="Consolas" panose="020B0609020204030204" pitchFamily="49" charset="0"/>
-              </a:rPr>
-              <a:t>、</a:t>
-            </a:r>
-            <a:r>
-              <a:rPr lang="en-US" altLang="zh-TW" dirty="0">
-                <a:latin typeface="Consolas" panose="020B0609020204030204" pitchFamily="49" charset="0"/>
-              </a:rPr>
-              <a:t>&lt;</a:t>
-            </a:r>
-            <a:r>
-              <a:rPr lang="en-US" altLang="zh-TW" dirty="0" err="1">
-                <a:latin typeface="Consolas" panose="020B0609020204030204" pitchFamily="49" charset="0"/>
-              </a:rPr>
-              <a:t>tr</a:t>
-            </a:r>
-            <a:r>
-              <a:rPr lang="en-US" altLang="zh-TW" dirty="0">
-                <a:latin typeface="Consolas" panose="020B0609020204030204" pitchFamily="49" charset="0"/>
-              </a:rPr>
-              <a:t>&gt;</a:t>
-            </a:r>
-            <a:r>
-              <a:rPr lang="zh-TW" altLang="en-US" dirty="0">
-                <a:latin typeface="Consolas" panose="020B0609020204030204" pitchFamily="49" charset="0"/>
-              </a:rPr>
-              <a:t>、</a:t>
-            </a:r>
-            <a:r>
-              <a:rPr lang="en-US" altLang="zh-TW" dirty="0">
-                <a:latin typeface="Consolas" panose="020B0609020204030204" pitchFamily="49" charset="0"/>
-              </a:rPr>
-              <a:t>&lt;</a:t>
-            </a:r>
-            <a:r>
-              <a:rPr lang="en-US" altLang="zh-TW" dirty="0" err="1">
-                <a:latin typeface="Consolas" panose="020B0609020204030204" pitchFamily="49" charset="0"/>
-              </a:rPr>
-              <a:t>th</a:t>
-            </a:r>
-            <a:r>
-              <a:rPr lang="en-US" altLang="zh-TW" dirty="0">
-                <a:latin typeface="Consolas" panose="020B0609020204030204" pitchFamily="49" charset="0"/>
-              </a:rPr>
-              <a:t>&gt;</a:t>
-            </a:r>
-            <a:r>
-              <a:rPr lang="zh-TW" altLang="en-US" dirty="0">
-                <a:latin typeface="Consolas" panose="020B0609020204030204" pitchFamily="49" charset="0"/>
-              </a:rPr>
-              <a:t>、</a:t>
-            </a:r>
-            <a:r>
-              <a:rPr lang="en-US" altLang="zh-TW" dirty="0">
-                <a:latin typeface="Consolas" panose="020B0609020204030204" pitchFamily="49" charset="0"/>
-              </a:rPr>
-              <a:t>&lt;td&gt;</a:t>
-            </a:r>
-          </a:p>
-          <a:p>
-            <a:r>
-              <a:rPr lang="zh-TW" altLang="en-US" dirty="0"/>
-              <a:t>所需標籤屬性：</a:t>
-            </a:r>
-            <a:r>
-              <a:rPr lang="en-US" altLang="zh-TW" dirty="0">
-                <a:latin typeface="Consolas" panose="020B0609020204030204" pitchFamily="49" charset="0"/>
-              </a:rPr>
-              <a:t>style</a:t>
-            </a:r>
-            <a:r>
-              <a:rPr lang="zh-TW" altLang="en-US" dirty="0">
-                <a:latin typeface="Consolas" panose="020B0609020204030204" pitchFamily="49" charset="0"/>
-              </a:rPr>
-              <a:t>、</a:t>
-            </a:r>
-            <a:r>
-              <a:rPr lang="en-US" altLang="zh-TW" dirty="0" err="1">
-                <a:latin typeface="Consolas" panose="020B0609020204030204" pitchFamily="49" charset="0"/>
-              </a:rPr>
-              <a:t>rowspan</a:t>
-            </a:r>
-            <a:r>
-              <a:rPr lang="zh-TW" altLang="en-US" dirty="0">
-                <a:latin typeface="Consolas" panose="020B0609020204030204" pitchFamily="49" charset="0"/>
-              </a:rPr>
-              <a:t>、</a:t>
-            </a:r>
-            <a:r>
-              <a:rPr lang="en" altLang="zh-TW" dirty="0" err="1">
-                <a:latin typeface="Consolas" panose="020B0609020204030204" pitchFamily="49" charset="0"/>
-              </a:rPr>
-              <a:t>colspan</a:t>
-            </a:r>
-            <a:endParaRPr lang="en-US" altLang="zh-TW" dirty="0">
-              <a:latin typeface="Consolas" panose="020B0609020204030204" pitchFamily="49" charset="0"/>
-            </a:endParaRPr>
-          </a:p>
-        </p:txBody>
-      </p:sp>
+                <a:ea typeface="微軟正黑體" panose="020B0604030504040204" pitchFamily="34" charset="-120"/>
+              </a:rPr>
+              <a:t>&lt;/p&gt;</a:t>
+            </a:r>
+          </a:p>
+        </p:txBody>
+      </p:sp>
+      <p:pic>
+        <p:nvPicPr>
+          <p:cNvPr id="10" name="圖片 9">
+            <a:extLst>
+              <a:ext uri="{FF2B5EF4-FFF2-40B4-BE49-F238E27FC236}">
+                <a16:creationId xmlns:a16="http://schemas.microsoft.com/office/drawing/2014/main" id="{50A18EF4-A888-4A10-B6B4-5C6CC8A25D8F}"/>
+              </a:ext>
+            </a:extLst>
+          </p:cNvPr>
+          <p:cNvPicPr>
+            <a:picLocks noChangeAspect="1"/>
+          </p:cNvPicPr>
+          <p:nvPr/>
+        </p:nvPicPr>
+        <p:blipFill>
+          <a:blip r:embed="rId3"/>
+          <a:stretch>
+            <a:fillRect/>
+          </a:stretch>
+        </p:blipFill>
+        <p:spPr>
+          <a:xfrm>
+            <a:off x="1665311" y="3531466"/>
+            <a:ext cx="5813376" cy="771355"/>
+          </a:xfrm>
+          <a:prstGeom prst="rect">
+            <a:avLst/>
+          </a:prstGeom>
+        </p:spPr>
+      </p:pic>
+      <p:pic>
+        <p:nvPicPr>
+          <p:cNvPr id="11" name="圖片 10">
+            <a:extLst>
+              <a:ext uri="{FF2B5EF4-FFF2-40B4-BE49-F238E27FC236}">
+                <a16:creationId xmlns:a16="http://schemas.microsoft.com/office/drawing/2014/main" id="{4FE656CE-5898-4798-9592-31B9278F3FFD}"/>
+              </a:ext>
+            </a:extLst>
+          </p:cNvPr>
+          <p:cNvPicPr>
+            <a:picLocks noChangeAspect="1"/>
+          </p:cNvPicPr>
+          <p:nvPr/>
+        </p:nvPicPr>
+        <p:blipFill>
+          <a:blip r:embed="rId4"/>
+          <a:stretch>
+            <a:fillRect/>
+          </a:stretch>
+        </p:blipFill>
+        <p:spPr>
+          <a:xfrm>
+            <a:off x="3419872" y="4546835"/>
+            <a:ext cx="2300332" cy="1708818"/>
+          </a:xfrm>
+          <a:prstGeom prst="rect">
+            <a:avLst/>
+          </a:prstGeom>
+        </p:spPr>
+      </p:pic>
     </p:spTree>
     <p:extLst>
       <p:ext uri="{BB962C8B-B14F-4D97-AF65-F5344CB8AC3E}">
-        <p14:creationId xmlns:p14="http://schemas.microsoft.com/office/powerpoint/2010/main" val="1866645020"/>
+        <p14:creationId xmlns:p14="http://schemas.microsoft.com/office/powerpoint/2010/main" val="4134499327"/>
+      </p:ext>
+    </p:extLst>
+  </p:cSld>
+  <p:clrMapOvr>
+    <a:masterClrMapping/>
+  </p:clrMapOvr>
+</p:sld>
+</file>
+
+<file path=ppt/slides/slide29.xml><?xml version="1.0" encoding="utf-8"?>
+<p:sld xmlns:a="http://schemas.openxmlformats.org/drawingml/2006/main" xmlns:r="http://schemas.openxmlformats.org/officeDocument/2006/relationships" xmlns:p="http://schemas.openxmlformats.org/presentationml/2006/main">
+  <p:cSld>
+    <p:spTree>
+      <p:nvGrpSpPr>
+        <p:cNvPr id="1" name=""/>
+        <p:cNvGrpSpPr/>
+        <p:nvPr/>
+      </p:nvGrpSpPr>
+      <p:grpSpPr>
+        <a:xfrm>
+          <a:off x="0" y="0"/>
+          <a:ext cx="0" cy="0"/>
+          <a:chOff x="0" y="0"/>
+          <a:chExt cx="0" cy="0"/>
+        </a:xfrm>
+      </p:grpSpPr>
+      <p:sp>
+        <p:nvSpPr>
+          <p:cNvPr id="2" name="標題 1"/>
+          <p:cNvSpPr>
+            <a:spLocks noGrp="1"/>
+          </p:cNvSpPr>
+          <p:nvPr>
+            <p:ph type="title"/>
+          </p:nvPr>
+        </p:nvSpPr>
+        <p:spPr>
+          <a:xfrm>
+            <a:off x="0" y="1"/>
+            <a:ext cx="9144000" cy="836712"/>
+          </a:xfrm>
+        </p:spPr>
+        <p:txBody>
+          <a:bodyPr anchor="b">
+            <a:normAutofit/>
+          </a:bodyPr>
+          <a:lstStyle/>
+          <a:p>
+            <a:pPr algn="ctr"/>
+            <a:r>
+              <a:rPr lang="en-US" altLang="zh-TW" sz="4000" dirty="0">
+                <a:solidFill>
+                  <a:srgbClr val="0070C0"/>
+                </a:solidFill>
+                <a:latin typeface="微軟正黑體" panose="020B0604030504040204" pitchFamily="34" charset="-120"/>
+              </a:rPr>
+              <a:t>&lt;div&gt;&lt;/div&gt;</a:t>
+            </a:r>
+            <a:endParaRPr lang="zh-TW" altLang="en-US" sz="4000" dirty="0">
+              <a:solidFill>
+                <a:srgbClr val="0070C0"/>
+              </a:solidFill>
+              <a:latin typeface="微軟正黑體" panose="020B0604030504040204" pitchFamily="34" charset="-120"/>
+              <a:ea typeface="微軟正黑體" panose="020B0604030504040204" pitchFamily="34" charset="-120"/>
+            </a:endParaRPr>
+          </a:p>
+        </p:txBody>
+      </p:sp>
+      <p:sp>
+        <p:nvSpPr>
+          <p:cNvPr id="5" name="內容版面配置區 4">
+            <a:extLst>
+              <a:ext uri="{FF2B5EF4-FFF2-40B4-BE49-F238E27FC236}">
+                <a16:creationId xmlns:a16="http://schemas.microsoft.com/office/drawing/2014/main" id="{F6B9FE8A-DA81-40F3-9BA3-C1837BC936D5}"/>
+              </a:ext>
+            </a:extLst>
+          </p:cNvPr>
+          <p:cNvSpPr>
+            <a:spLocks noGrp="1"/>
+          </p:cNvSpPr>
+          <p:nvPr>
+            <p:ph idx="1"/>
+          </p:nvPr>
+        </p:nvSpPr>
+        <p:spPr>
+          <a:xfrm>
+            <a:off x="651261" y="1810418"/>
+            <a:ext cx="7886700" cy="836712"/>
+          </a:xfrm>
+        </p:spPr>
+        <p:txBody>
+          <a:bodyPr>
+            <a:normAutofit fontScale="85000" lnSpcReduction="10000"/>
+          </a:bodyPr>
+          <a:lstStyle/>
+          <a:p>
+            <a:pPr marL="0" indent="0">
+              <a:lnSpc>
+                <a:spcPct val="170000"/>
+              </a:lnSpc>
+              <a:buNone/>
+            </a:pPr>
+            <a:r>
+              <a:rPr lang="en-US" altLang="zh-TW" sz="2500" dirty="0">
+                <a:latin typeface="微軟正黑體" panose="020B0604030504040204" pitchFamily="34" charset="-120"/>
+              </a:rPr>
+              <a:t>div </a:t>
+            </a:r>
+            <a:r>
+              <a:rPr lang="zh-TW" altLang="en-US" sz="2500" dirty="0">
+                <a:latin typeface="微軟正黑體" panose="020B0604030504040204" pitchFamily="34" charset="-120"/>
+              </a:rPr>
+              <a:t>是網頁中重要的基礎元素，將網頁內容整理出不同的獨立區塊</a:t>
+            </a:r>
+          </a:p>
+        </p:txBody>
+      </p:sp>
+      <p:sp>
+        <p:nvSpPr>
+          <p:cNvPr id="6" name="矩形 5">
+            <a:extLst>
+              <a:ext uri="{FF2B5EF4-FFF2-40B4-BE49-F238E27FC236}">
+                <a16:creationId xmlns:a16="http://schemas.microsoft.com/office/drawing/2014/main" id="{21029EF7-0151-40CF-A057-49371B3A96F9}"/>
+              </a:ext>
+            </a:extLst>
+          </p:cNvPr>
+          <p:cNvSpPr/>
+          <p:nvPr/>
+        </p:nvSpPr>
+        <p:spPr>
+          <a:xfrm>
+            <a:off x="3419872" y="1052736"/>
+            <a:ext cx="2088232" cy="553998"/>
+          </a:xfrm>
+          <a:prstGeom prst="rect">
+            <a:avLst/>
+          </a:prstGeom>
+        </p:spPr>
+        <p:txBody>
+          <a:bodyPr wrap="square">
+            <a:spAutoFit/>
+          </a:bodyPr>
+          <a:lstStyle/>
+          <a:p>
+            <a:pPr lvl="0" algn="ctr" defTabSz="685800">
+              <a:spcBef>
+                <a:spcPts val="750"/>
+              </a:spcBef>
+            </a:pPr>
+            <a:r>
+              <a:rPr lang="zh-TW" altLang="en-US" sz="3000" dirty="0">
+                <a:solidFill>
+                  <a:srgbClr val="FF0000"/>
+                </a:solidFill>
+                <a:latin typeface="Consolas" panose="020B0609020204030204" pitchFamily="49" charset="0"/>
+                <a:ea typeface="微軟正黑體" panose="020B0604030504040204" pitchFamily="34" charset="-120"/>
+              </a:rPr>
+              <a:t>區塊</a:t>
+            </a:r>
+            <a:r>
+              <a:rPr lang="zh-TW" altLang="en-US" sz="3000" dirty="0">
+                <a:latin typeface="Consolas" panose="020B0609020204030204" pitchFamily="49" charset="0"/>
+                <a:ea typeface="微軟正黑體" panose="020B0604030504040204" pitchFamily="34" charset="-120"/>
+              </a:rPr>
+              <a:t>標籤</a:t>
+            </a:r>
+            <a:endParaRPr lang="en-US" altLang="zh-TW" sz="3000" dirty="0">
+              <a:latin typeface="Consolas" panose="020B0609020204030204" pitchFamily="49" charset="0"/>
+              <a:ea typeface="微軟正黑體" panose="020B0604030504040204" pitchFamily="34" charset="-120"/>
+            </a:endParaRPr>
+          </a:p>
+        </p:txBody>
+      </p:sp>
+      <p:sp>
+        <p:nvSpPr>
+          <p:cNvPr id="7" name="矩形 6">
+            <a:extLst>
+              <a:ext uri="{FF2B5EF4-FFF2-40B4-BE49-F238E27FC236}">
+                <a16:creationId xmlns:a16="http://schemas.microsoft.com/office/drawing/2014/main" id="{5B05A505-C9C8-4229-8331-3A20AACF46B7}"/>
+              </a:ext>
+            </a:extLst>
+          </p:cNvPr>
+          <p:cNvSpPr/>
+          <p:nvPr/>
+        </p:nvSpPr>
+        <p:spPr>
+          <a:xfrm>
+            <a:off x="603611" y="3146957"/>
+            <a:ext cx="7936789" cy="461665"/>
+          </a:xfrm>
+          <a:prstGeom prst="rect">
+            <a:avLst/>
+          </a:prstGeom>
+        </p:spPr>
+        <p:txBody>
+          <a:bodyPr wrap="none">
+            <a:spAutoFit/>
+          </a:bodyPr>
+          <a:lstStyle/>
+          <a:p>
+            <a:pPr lvl="0" algn="ctr" defTabSz="685800">
+              <a:spcBef>
+                <a:spcPts val="750"/>
+              </a:spcBef>
+            </a:pPr>
+            <a:r>
+              <a:rPr lang="en-US" altLang="zh-TW" sz="2400" dirty="0">
+                <a:latin typeface="Consolas" panose="020B0609020204030204" pitchFamily="49" charset="0"/>
+                <a:ea typeface="微軟正黑體" panose="020B0604030504040204" pitchFamily="34" charset="-120"/>
+              </a:rPr>
+              <a:t>&lt;div </a:t>
+            </a:r>
+            <a:r>
+              <a:rPr lang="en-US" altLang="zh-TW" sz="2400" dirty="0">
+                <a:solidFill>
+                  <a:srgbClr val="FF5050"/>
+                </a:solidFill>
+                <a:latin typeface="Consolas" panose="020B0609020204030204" pitchFamily="49" charset="0"/>
+                <a:ea typeface="微軟正黑體" panose="020B0604030504040204" pitchFamily="34" charset="-120"/>
+              </a:rPr>
+              <a:t>style="background-color: red;"</a:t>
+            </a:r>
+            <a:r>
+              <a:rPr lang="en-US" altLang="zh-TW" sz="2400" dirty="0">
+                <a:latin typeface="Consolas" panose="020B0609020204030204" pitchFamily="49" charset="0"/>
+                <a:ea typeface="微軟正黑體" panose="020B0604030504040204" pitchFamily="34" charset="-120"/>
+              </a:rPr>
+              <a:t>&gt;</a:t>
+            </a:r>
+            <a:r>
+              <a:rPr lang="zh-TW" altLang="en-US" sz="2400" dirty="0">
+                <a:latin typeface="Consolas" panose="020B0609020204030204" pitchFamily="49" charset="0"/>
+                <a:ea typeface="微軟正黑體" panose="020B0604030504040204" pitchFamily="34" charset="-120"/>
+              </a:rPr>
+              <a:t>內文</a:t>
+            </a:r>
+            <a:r>
+              <a:rPr lang="en-US" altLang="zh-TW" sz="2400" dirty="0">
+                <a:latin typeface="Consolas" panose="020B0609020204030204" pitchFamily="49" charset="0"/>
+                <a:ea typeface="微軟正黑體" panose="020B0604030504040204" pitchFamily="34" charset="-120"/>
+              </a:rPr>
+              <a:t>&lt;/div&gt;</a:t>
+            </a:r>
+          </a:p>
+        </p:txBody>
+      </p:sp>
+      <p:pic>
+        <p:nvPicPr>
+          <p:cNvPr id="8" name="圖片 7">
+            <a:extLst>
+              <a:ext uri="{FF2B5EF4-FFF2-40B4-BE49-F238E27FC236}">
+                <a16:creationId xmlns:a16="http://schemas.microsoft.com/office/drawing/2014/main" id="{70E041EB-0D01-4873-B7E2-504670D3AFA0}"/>
+              </a:ext>
+            </a:extLst>
+          </p:cNvPr>
+          <p:cNvPicPr>
+            <a:picLocks noChangeAspect="1"/>
+          </p:cNvPicPr>
+          <p:nvPr/>
+        </p:nvPicPr>
+        <p:blipFill>
+          <a:blip r:embed="rId3"/>
+          <a:stretch>
+            <a:fillRect/>
+          </a:stretch>
+        </p:blipFill>
+        <p:spPr>
+          <a:xfrm>
+            <a:off x="1159708" y="4172428"/>
+            <a:ext cx="6824583" cy="1085446"/>
+          </a:xfrm>
+          <a:prstGeom prst="rect">
+            <a:avLst/>
+          </a:prstGeom>
+        </p:spPr>
+      </p:pic>
+    </p:spTree>
+    <p:extLst>
+      <p:ext uri="{BB962C8B-B14F-4D97-AF65-F5344CB8AC3E}">
+        <p14:creationId xmlns:p14="http://schemas.microsoft.com/office/powerpoint/2010/main" val="1699046223"/>
       </p:ext>
     </p:extLst>
   </p:cSld>
@@ -13493,6 +15024,3558 @@
 </p:sld>
 </file>
 
+<file path=ppt/slides/slide30.xml><?xml version="1.0" encoding="utf-8"?>
+<p:sld xmlns:a="http://schemas.openxmlformats.org/drawingml/2006/main" xmlns:r="http://schemas.openxmlformats.org/officeDocument/2006/relationships" xmlns:p="http://schemas.openxmlformats.org/presentationml/2006/main">
+  <p:cSld>
+    <p:spTree>
+      <p:nvGrpSpPr>
+        <p:cNvPr id="1" name=""/>
+        <p:cNvGrpSpPr/>
+        <p:nvPr/>
+      </p:nvGrpSpPr>
+      <p:grpSpPr>
+        <a:xfrm>
+          <a:off x="0" y="0"/>
+          <a:ext cx="0" cy="0"/>
+          <a:chOff x="0" y="0"/>
+          <a:chExt cx="0" cy="0"/>
+        </a:xfrm>
+      </p:grpSpPr>
+      <p:sp>
+        <p:nvSpPr>
+          <p:cNvPr id="2" name="標題 1"/>
+          <p:cNvSpPr>
+            <a:spLocks noGrp="1"/>
+          </p:cNvSpPr>
+          <p:nvPr>
+            <p:ph type="title"/>
+          </p:nvPr>
+        </p:nvSpPr>
+        <p:spPr>
+          <a:xfrm>
+            <a:off x="0" y="1"/>
+            <a:ext cx="9144000" cy="836712"/>
+          </a:xfrm>
+        </p:spPr>
+        <p:txBody>
+          <a:bodyPr anchor="b">
+            <a:normAutofit/>
+          </a:bodyPr>
+          <a:lstStyle/>
+          <a:p>
+            <a:pPr algn="ctr"/>
+            <a:r>
+              <a:rPr lang="en-US" altLang="zh-TW" sz="4000" dirty="0">
+                <a:solidFill>
+                  <a:srgbClr val="0070C0"/>
+                </a:solidFill>
+                <a:latin typeface="微軟正黑體" panose="020B0604030504040204" pitchFamily="34" charset="-120"/>
+              </a:rPr>
+              <a:t>&lt;</a:t>
+            </a:r>
+            <a:r>
+              <a:rPr lang="en-US" altLang="zh-TW" sz="4000" dirty="0" err="1">
+                <a:solidFill>
+                  <a:srgbClr val="0070C0"/>
+                </a:solidFill>
+                <a:latin typeface="微軟正黑體" panose="020B0604030504040204" pitchFamily="34" charset="-120"/>
+              </a:rPr>
+              <a:t>h</a:t>
+            </a:r>
+            <a:r>
+              <a:rPr lang="en-US" altLang="zh-TW" sz="4000" dirty="0" err="1">
+                <a:solidFill>
+                  <a:srgbClr val="FF0000"/>
+                </a:solidFill>
+                <a:latin typeface="微軟正黑體" panose="020B0604030504040204" pitchFamily="34" charset="-120"/>
+              </a:rPr>
+              <a:t>X</a:t>
+            </a:r>
+            <a:r>
+              <a:rPr lang="en-US" altLang="zh-TW" sz="4000" dirty="0">
+                <a:solidFill>
+                  <a:srgbClr val="0070C0"/>
+                </a:solidFill>
+                <a:latin typeface="微軟正黑體" panose="020B0604030504040204" pitchFamily="34" charset="-120"/>
+              </a:rPr>
+              <a:t>&gt;&lt;/h&gt;</a:t>
+            </a:r>
+            <a:endParaRPr lang="zh-TW" altLang="en-US" sz="4000" dirty="0">
+              <a:solidFill>
+                <a:srgbClr val="0070C0"/>
+              </a:solidFill>
+              <a:latin typeface="微軟正黑體" panose="020B0604030504040204" pitchFamily="34" charset="-120"/>
+              <a:ea typeface="微軟正黑體" panose="020B0604030504040204" pitchFamily="34" charset="-120"/>
+            </a:endParaRPr>
+          </a:p>
+        </p:txBody>
+      </p:sp>
+      <p:sp>
+        <p:nvSpPr>
+          <p:cNvPr id="5" name="內容版面配置區 4">
+            <a:extLst>
+              <a:ext uri="{FF2B5EF4-FFF2-40B4-BE49-F238E27FC236}">
+                <a16:creationId xmlns:a16="http://schemas.microsoft.com/office/drawing/2014/main" id="{F6B9FE8A-DA81-40F3-9BA3-C1837BC936D5}"/>
+              </a:ext>
+            </a:extLst>
+          </p:cNvPr>
+          <p:cNvSpPr>
+            <a:spLocks noGrp="1"/>
+          </p:cNvSpPr>
+          <p:nvPr>
+            <p:ph idx="1"/>
+          </p:nvPr>
+        </p:nvSpPr>
+        <p:spPr>
+          <a:xfrm>
+            <a:off x="0" y="1810418"/>
+            <a:ext cx="9143999" cy="1114526"/>
+          </a:xfrm>
+        </p:spPr>
+        <p:txBody>
+          <a:bodyPr>
+            <a:normAutofit/>
+          </a:bodyPr>
+          <a:lstStyle/>
+          <a:p>
+            <a:pPr marL="0" indent="0" algn="ctr">
+              <a:lnSpc>
+                <a:spcPct val="170000"/>
+              </a:lnSpc>
+              <a:buNone/>
+            </a:pPr>
+            <a:r>
+              <a:rPr lang="zh-TW" altLang="en-US" sz="2500" dirty="0">
+                <a:solidFill>
+                  <a:srgbClr val="0070C0"/>
+                </a:solidFill>
+                <a:latin typeface="微軟正黑體" panose="020B0604030504040204" pitchFamily="34" charset="-120"/>
+              </a:rPr>
+              <a:t>標題標籤有</a:t>
+            </a:r>
+            <a:r>
+              <a:rPr lang="en-US" altLang="zh-TW" sz="2500" dirty="0">
+                <a:solidFill>
+                  <a:srgbClr val="0070C0"/>
+                </a:solidFill>
+                <a:latin typeface="微軟正黑體" panose="020B0604030504040204" pitchFamily="34" charset="-120"/>
+              </a:rPr>
+              <a:t>h</a:t>
+            </a:r>
+            <a:r>
+              <a:rPr lang="en-US" altLang="zh-TW" sz="2500" dirty="0">
+                <a:solidFill>
+                  <a:srgbClr val="FF0000"/>
+                </a:solidFill>
+                <a:latin typeface="微軟正黑體" panose="020B0604030504040204" pitchFamily="34" charset="-120"/>
+              </a:rPr>
+              <a:t>1</a:t>
+            </a:r>
+            <a:r>
+              <a:rPr lang="zh-TW" altLang="en-US" sz="2500" dirty="0">
+                <a:solidFill>
+                  <a:srgbClr val="0070C0"/>
+                </a:solidFill>
+                <a:latin typeface="微軟正黑體" panose="020B0604030504040204" pitchFamily="34" charset="-120"/>
+              </a:rPr>
+              <a:t>、</a:t>
+            </a:r>
+            <a:r>
+              <a:rPr lang="en-US" altLang="zh-TW" sz="2500" dirty="0">
+                <a:solidFill>
+                  <a:srgbClr val="0070C0"/>
+                </a:solidFill>
+                <a:latin typeface="微軟正黑體" panose="020B0604030504040204" pitchFamily="34" charset="-120"/>
+              </a:rPr>
+              <a:t>h</a:t>
+            </a:r>
+            <a:r>
+              <a:rPr lang="en-US" altLang="zh-TW" sz="2500" dirty="0">
+                <a:solidFill>
+                  <a:srgbClr val="FF0000"/>
+                </a:solidFill>
+                <a:latin typeface="微軟正黑體" panose="020B0604030504040204" pitchFamily="34" charset="-120"/>
+              </a:rPr>
+              <a:t>2</a:t>
+            </a:r>
+            <a:r>
+              <a:rPr lang="zh-TW" altLang="en-US" sz="2500" dirty="0">
+                <a:solidFill>
+                  <a:srgbClr val="0070C0"/>
+                </a:solidFill>
+                <a:latin typeface="微軟正黑體" panose="020B0604030504040204" pitchFamily="34" charset="-120"/>
+              </a:rPr>
+              <a:t>、</a:t>
+            </a:r>
+            <a:r>
+              <a:rPr lang="en-US" altLang="zh-TW" sz="2500" dirty="0">
+                <a:solidFill>
+                  <a:srgbClr val="0070C0"/>
+                </a:solidFill>
+                <a:latin typeface="微軟正黑體" panose="020B0604030504040204" pitchFamily="34" charset="-120"/>
+              </a:rPr>
+              <a:t>h</a:t>
+            </a:r>
+            <a:r>
+              <a:rPr lang="en-US" altLang="zh-TW" sz="2500" dirty="0">
+                <a:solidFill>
+                  <a:srgbClr val="FF0000"/>
+                </a:solidFill>
+                <a:latin typeface="微軟正黑體" panose="020B0604030504040204" pitchFamily="34" charset="-120"/>
+              </a:rPr>
+              <a:t>3</a:t>
+            </a:r>
+            <a:r>
+              <a:rPr lang="zh-TW" altLang="en-US" sz="2500" dirty="0">
+                <a:solidFill>
+                  <a:srgbClr val="0070C0"/>
+                </a:solidFill>
+                <a:latin typeface="微軟正黑體" panose="020B0604030504040204" pitchFamily="34" charset="-120"/>
+              </a:rPr>
+              <a:t>、</a:t>
+            </a:r>
+            <a:r>
+              <a:rPr lang="en-US" altLang="zh-TW" sz="2500" dirty="0">
+                <a:solidFill>
+                  <a:srgbClr val="0070C0"/>
+                </a:solidFill>
+                <a:latin typeface="微軟正黑體" panose="020B0604030504040204" pitchFamily="34" charset="-120"/>
+              </a:rPr>
+              <a:t>h</a:t>
+            </a:r>
+            <a:r>
+              <a:rPr lang="en-US" altLang="zh-TW" sz="2500" dirty="0">
+                <a:solidFill>
+                  <a:srgbClr val="FF0000"/>
+                </a:solidFill>
+                <a:latin typeface="微軟正黑體" panose="020B0604030504040204" pitchFamily="34" charset="-120"/>
+              </a:rPr>
+              <a:t>4</a:t>
+            </a:r>
+            <a:r>
+              <a:rPr lang="zh-TW" altLang="en-US" sz="2500" dirty="0">
+                <a:solidFill>
+                  <a:srgbClr val="0070C0"/>
+                </a:solidFill>
+                <a:latin typeface="微軟正黑體" panose="020B0604030504040204" pitchFamily="34" charset="-120"/>
+              </a:rPr>
+              <a:t>、</a:t>
+            </a:r>
+            <a:r>
+              <a:rPr lang="en-US" altLang="zh-TW" sz="2500" dirty="0">
+                <a:solidFill>
+                  <a:srgbClr val="0070C0"/>
+                </a:solidFill>
+                <a:latin typeface="微軟正黑體" panose="020B0604030504040204" pitchFamily="34" charset="-120"/>
+              </a:rPr>
+              <a:t>h</a:t>
+            </a:r>
+            <a:r>
+              <a:rPr lang="en-US" altLang="zh-TW" sz="2500" dirty="0">
+                <a:solidFill>
+                  <a:srgbClr val="FF0000"/>
+                </a:solidFill>
+                <a:latin typeface="微軟正黑體" panose="020B0604030504040204" pitchFamily="34" charset="-120"/>
+              </a:rPr>
+              <a:t>5</a:t>
+            </a:r>
+            <a:r>
+              <a:rPr lang="zh-TW" altLang="en-US" sz="2500" dirty="0">
+                <a:solidFill>
+                  <a:srgbClr val="0070C0"/>
+                </a:solidFill>
+                <a:latin typeface="微軟正黑體" panose="020B0604030504040204" pitchFamily="34" charset="-120"/>
+              </a:rPr>
+              <a:t>、</a:t>
+            </a:r>
+            <a:r>
+              <a:rPr lang="en-US" altLang="zh-TW" sz="2500" dirty="0">
+                <a:solidFill>
+                  <a:srgbClr val="0070C0"/>
+                </a:solidFill>
+                <a:latin typeface="微軟正黑體" panose="020B0604030504040204" pitchFamily="34" charset="-120"/>
+              </a:rPr>
+              <a:t>h</a:t>
+            </a:r>
+            <a:r>
+              <a:rPr lang="en-US" altLang="zh-TW" sz="2500" dirty="0">
+                <a:solidFill>
+                  <a:srgbClr val="FF0000"/>
+                </a:solidFill>
+                <a:latin typeface="微軟正黑體" panose="020B0604030504040204" pitchFamily="34" charset="-120"/>
+              </a:rPr>
+              <a:t>6</a:t>
+            </a:r>
+            <a:r>
+              <a:rPr lang="zh-TW" altLang="en-US" sz="2500" dirty="0">
+                <a:solidFill>
+                  <a:srgbClr val="0070C0"/>
+                </a:solidFill>
+                <a:latin typeface="微軟正黑體" panose="020B0604030504040204" pitchFamily="34" charset="-120"/>
+              </a:rPr>
+              <a:t>，數字越大，字體越小</a:t>
+            </a:r>
+          </a:p>
+        </p:txBody>
+      </p:sp>
+      <p:sp>
+        <p:nvSpPr>
+          <p:cNvPr id="6" name="矩形 5">
+            <a:extLst>
+              <a:ext uri="{FF2B5EF4-FFF2-40B4-BE49-F238E27FC236}">
+                <a16:creationId xmlns:a16="http://schemas.microsoft.com/office/drawing/2014/main" id="{21029EF7-0151-40CF-A057-49371B3A96F9}"/>
+              </a:ext>
+            </a:extLst>
+          </p:cNvPr>
+          <p:cNvSpPr/>
+          <p:nvPr/>
+        </p:nvSpPr>
+        <p:spPr>
+          <a:xfrm>
+            <a:off x="3527883" y="1100502"/>
+            <a:ext cx="2088232" cy="553998"/>
+          </a:xfrm>
+          <a:prstGeom prst="rect">
+            <a:avLst/>
+          </a:prstGeom>
+        </p:spPr>
+        <p:txBody>
+          <a:bodyPr wrap="square">
+            <a:spAutoFit/>
+          </a:bodyPr>
+          <a:lstStyle/>
+          <a:p>
+            <a:pPr lvl="0" algn="ctr" defTabSz="685800">
+              <a:spcBef>
+                <a:spcPts val="750"/>
+              </a:spcBef>
+            </a:pPr>
+            <a:r>
+              <a:rPr lang="zh-TW" altLang="en-US" sz="3000" dirty="0">
+                <a:solidFill>
+                  <a:srgbClr val="FF0000"/>
+                </a:solidFill>
+                <a:latin typeface="Consolas" panose="020B0609020204030204" pitchFamily="49" charset="0"/>
+                <a:ea typeface="微軟正黑體" panose="020B0604030504040204" pitchFamily="34" charset="-120"/>
+              </a:rPr>
+              <a:t>標題</a:t>
+            </a:r>
+            <a:r>
+              <a:rPr lang="zh-TW" altLang="en-US" sz="3000" dirty="0">
+                <a:latin typeface="Consolas" panose="020B0609020204030204" pitchFamily="49" charset="0"/>
+                <a:ea typeface="微軟正黑體" panose="020B0604030504040204" pitchFamily="34" charset="-120"/>
+              </a:rPr>
+              <a:t>標籤</a:t>
+            </a:r>
+            <a:endParaRPr lang="en-US" altLang="zh-TW" sz="3000" dirty="0">
+              <a:latin typeface="Consolas" panose="020B0609020204030204" pitchFamily="49" charset="0"/>
+              <a:ea typeface="微軟正黑體" panose="020B0604030504040204" pitchFamily="34" charset="-120"/>
+            </a:endParaRPr>
+          </a:p>
+        </p:txBody>
+      </p:sp>
+      <p:sp>
+        <p:nvSpPr>
+          <p:cNvPr id="7" name="矩形 6">
+            <a:extLst>
+              <a:ext uri="{FF2B5EF4-FFF2-40B4-BE49-F238E27FC236}">
+                <a16:creationId xmlns:a16="http://schemas.microsoft.com/office/drawing/2014/main" id="{5B05A505-C9C8-4229-8331-3A20AACF46B7}"/>
+              </a:ext>
+            </a:extLst>
+          </p:cNvPr>
+          <p:cNvSpPr/>
+          <p:nvPr/>
+        </p:nvSpPr>
+        <p:spPr>
+          <a:xfrm>
+            <a:off x="3142768" y="3146957"/>
+            <a:ext cx="2858475" cy="553998"/>
+          </a:xfrm>
+          <a:prstGeom prst="rect">
+            <a:avLst/>
+          </a:prstGeom>
+        </p:spPr>
+        <p:txBody>
+          <a:bodyPr wrap="none">
+            <a:spAutoFit/>
+          </a:bodyPr>
+          <a:lstStyle/>
+          <a:p>
+            <a:pPr lvl="0" algn="ctr" defTabSz="685800">
+              <a:spcBef>
+                <a:spcPts val="750"/>
+              </a:spcBef>
+            </a:pPr>
+            <a:r>
+              <a:rPr lang="en-US" altLang="zh-TW" sz="3000" dirty="0">
+                <a:latin typeface="Consolas" panose="020B0609020204030204" pitchFamily="49" charset="0"/>
+                <a:ea typeface="微軟正黑體" panose="020B0604030504040204" pitchFamily="34" charset="-120"/>
+              </a:rPr>
+              <a:t>&lt;h1&gt;</a:t>
+            </a:r>
+            <a:r>
+              <a:rPr lang="zh-TW" altLang="en-US" sz="3000" dirty="0">
+                <a:latin typeface="Consolas" panose="020B0609020204030204" pitchFamily="49" charset="0"/>
+                <a:ea typeface="微軟正黑體" panose="020B0604030504040204" pitchFamily="34" charset="-120"/>
+              </a:rPr>
+              <a:t>標題</a:t>
+            </a:r>
+            <a:r>
+              <a:rPr lang="en-US" altLang="zh-TW" sz="3000" dirty="0">
+                <a:latin typeface="Consolas" panose="020B0609020204030204" pitchFamily="49" charset="0"/>
+                <a:ea typeface="微軟正黑體" panose="020B0604030504040204" pitchFamily="34" charset="-120"/>
+              </a:rPr>
+              <a:t>&lt;/h1&gt;</a:t>
+            </a:r>
+          </a:p>
+        </p:txBody>
+      </p:sp>
+      <p:pic>
+        <p:nvPicPr>
+          <p:cNvPr id="8" name="圖片 7">
+            <a:extLst>
+              <a:ext uri="{FF2B5EF4-FFF2-40B4-BE49-F238E27FC236}">
+                <a16:creationId xmlns:a16="http://schemas.microsoft.com/office/drawing/2014/main" id="{70E041EB-0D01-4873-B7E2-504670D3AFA0}"/>
+              </a:ext>
+            </a:extLst>
+          </p:cNvPr>
+          <p:cNvPicPr>
+            <a:picLocks noChangeAspect="1"/>
+          </p:cNvPicPr>
+          <p:nvPr/>
+        </p:nvPicPr>
+        <p:blipFill>
+          <a:blip r:embed="rId3">
+            <a:extLst>
+              <a:ext uri="{28A0092B-C50C-407E-A947-70E740481C1C}">
+                <a14:useLocalDpi xmlns:a14="http://schemas.microsoft.com/office/drawing/2010/main" val="0"/>
+              </a:ext>
+            </a:extLst>
+          </a:blip>
+          <a:stretch>
+            <a:fillRect/>
+          </a:stretch>
+        </p:blipFill>
+        <p:spPr>
+          <a:xfrm>
+            <a:off x="3546746" y="3898649"/>
+            <a:ext cx="2050506" cy="1791247"/>
+          </a:xfrm>
+          <a:prstGeom prst="rect">
+            <a:avLst/>
+          </a:prstGeom>
+        </p:spPr>
+      </p:pic>
+    </p:spTree>
+    <p:extLst>
+      <p:ext uri="{BB962C8B-B14F-4D97-AF65-F5344CB8AC3E}">
+        <p14:creationId xmlns:p14="http://schemas.microsoft.com/office/powerpoint/2010/main" val="23652085"/>
+      </p:ext>
+    </p:extLst>
+  </p:cSld>
+  <p:clrMapOvr>
+    <a:masterClrMapping/>
+  </p:clrMapOvr>
+</p:sld>
+</file>
+
+<file path=ppt/slides/slide31.xml><?xml version="1.0" encoding="utf-8"?>
+<p:sld xmlns:a="http://schemas.openxmlformats.org/drawingml/2006/main" xmlns:r="http://schemas.openxmlformats.org/officeDocument/2006/relationships" xmlns:p="http://schemas.openxmlformats.org/presentationml/2006/main">
+  <p:cSld>
+    <p:spTree>
+      <p:nvGrpSpPr>
+        <p:cNvPr id="1" name=""/>
+        <p:cNvGrpSpPr/>
+        <p:nvPr/>
+      </p:nvGrpSpPr>
+      <p:grpSpPr>
+        <a:xfrm>
+          <a:off x="0" y="0"/>
+          <a:ext cx="0" cy="0"/>
+          <a:chOff x="0" y="0"/>
+          <a:chExt cx="0" cy="0"/>
+        </a:xfrm>
+      </p:grpSpPr>
+      <p:sp>
+        <p:nvSpPr>
+          <p:cNvPr id="2" name="標題 1"/>
+          <p:cNvSpPr>
+            <a:spLocks noGrp="1"/>
+          </p:cNvSpPr>
+          <p:nvPr>
+            <p:ph type="title"/>
+          </p:nvPr>
+        </p:nvSpPr>
+        <p:spPr>
+          <a:xfrm>
+            <a:off x="0" y="1"/>
+            <a:ext cx="9144000" cy="836712"/>
+          </a:xfrm>
+        </p:spPr>
+        <p:txBody>
+          <a:bodyPr anchor="b">
+            <a:normAutofit/>
+          </a:bodyPr>
+          <a:lstStyle/>
+          <a:p>
+            <a:pPr algn="ctr"/>
+            <a:r>
+              <a:rPr lang="en-US" altLang="zh-TW" sz="4000" dirty="0">
+                <a:solidFill>
+                  <a:srgbClr val="0070C0"/>
+                </a:solidFill>
+                <a:latin typeface="微軟正黑體" panose="020B0604030504040204" pitchFamily="34" charset="-120"/>
+              </a:rPr>
+              <a:t>&lt;table&gt;&lt;/table&gt;</a:t>
+            </a:r>
+            <a:endParaRPr lang="zh-TW" altLang="en-US" sz="4000" dirty="0">
+              <a:solidFill>
+                <a:srgbClr val="0070C0"/>
+              </a:solidFill>
+              <a:latin typeface="微軟正黑體" panose="020B0604030504040204" pitchFamily="34" charset="-120"/>
+              <a:ea typeface="微軟正黑體" panose="020B0604030504040204" pitchFamily="34" charset="-120"/>
+            </a:endParaRPr>
+          </a:p>
+        </p:txBody>
+      </p:sp>
+      <p:sp>
+        <p:nvSpPr>
+          <p:cNvPr id="5" name="內容版面配置區 4">
+            <a:extLst>
+              <a:ext uri="{FF2B5EF4-FFF2-40B4-BE49-F238E27FC236}">
+                <a16:creationId xmlns:a16="http://schemas.microsoft.com/office/drawing/2014/main" id="{F6B9FE8A-DA81-40F3-9BA3-C1837BC936D5}"/>
+              </a:ext>
+            </a:extLst>
+          </p:cNvPr>
+          <p:cNvSpPr>
+            <a:spLocks noGrp="1"/>
+          </p:cNvSpPr>
+          <p:nvPr>
+            <p:ph idx="1"/>
+          </p:nvPr>
+        </p:nvSpPr>
+        <p:spPr>
+          <a:xfrm>
+            <a:off x="651261" y="1653932"/>
+            <a:ext cx="7936790" cy="3575268"/>
+          </a:xfrm>
+        </p:spPr>
+        <p:txBody>
+          <a:bodyPr>
+            <a:normAutofit fontScale="85000" lnSpcReduction="10000"/>
+          </a:bodyPr>
+          <a:lstStyle/>
+          <a:p>
+            <a:pPr marL="0" indent="0">
+              <a:lnSpc>
+                <a:spcPct val="170000"/>
+              </a:lnSpc>
+              <a:buNone/>
+            </a:pPr>
+            <a:r>
+              <a:rPr lang="en-US" altLang="zh-TW" sz="2500" dirty="0">
+                <a:latin typeface="微軟正黑體" panose="020B0604030504040204" pitchFamily="34" charset="-120"/>
+              </a:rPr>
+              <a:t>table</a:t>
+            </a:r>
+            <a:r>
+              <a:rPr lang="zh-TW" altLang="en-US" sz="2500" dirty="0">
+                <a:latin typeface="微軟正黑體" panose="020B0604030504040204" pitchFamily="34" charset="-120"/>
+              </a:rPr>
+              <a:t>用來建立表格，</a:t>
+            </a:r>
+            <a:r>
+              <a:rPr lang="en-US" altLang="zh-TW" sz="2500" dirty="0">
+                <a:latin typeface="微軟正黑體" panose="020B0604030504040204" pitchFamily="34" charset="-120"/>
+              </a:rPr>
+              <a:t>table</a:t>
+            </a:r>
+            <a:r>
+              <a:rPr lang="zh-TW" altLang="en-US" sz="2500" dirty="0">
+                <a:latin typeface="微軟正黑體" panose="020B0604030504040204" pitchFamily="34" charset="-120"/>
+              </a:rPr>
+              <a:t>裡使用 </a:t>
+            </a:r>
+            <a:r>
+              <a:rPr lang="en-US" altLang="zh-TW" sz="2500" dirty="0">
+                <a:solidFill>
+                  <a:srgbClr val="FF0000"/>
+                </a:solidFill>
+                <a:latin typeface="微軟正黑體" panose="020B0604030504040204" pitchFamily="34" charset="-120"/>
+              </a:rPr>
+              <a:t>tr</a:t>
+            </a:r>
+            <a:r>
+              <a:rPr lang="zh-TW" altLang="en-US" sz="2500" dirty="0">
+                <a:solidFill>
+                  <a:srgbClr val="FF0000"/>
+                </a:solidFill>
+                <a:latin typeface="微軟正黑體" panose="020B0604030504040204" pitchFamily="34" charset="-120"/>
+              </a:rPr>
+              <a:t>、</a:t>
+            </a:r>
+            <a:r>
+              <a:rPr lang="en-US" altLang="zh-TW" sz="2500" dirty="0">
+                <a:solidFill>
+                  <a:srgbClr val="FF0000"/>
+                </a:solidFill>
+                <a:latin typeface="微軟正黑體" panose="020B0604030504040204" pitchFamily="34" charset="-120"/>
+              </a:rPr>
+              <a:t>td</a:t>
+            </a:r>
+            <a:r>
+              <a:rPr lang="zh-TW" altLang="en-US" sz="2500" dirty="0">
+                <a:solidFill>
+                  <a:srgbClr val="FF0000"/>
+                </a:solidFill>
+                <a:latin typeface="微軟正黑體" panose="020B0604030504040204" pitchFamily="34" charset="-120"/>
+              </a:rPr>
+              <a:t> </a:t>
+            </a:r>
+            <a:r>
+              <a:rPr lang="zh-TW" altLang="en-US" sz="2500" dirty="0">
+                <a:latin typeface="微軟正黑體" panose="020B0604030504040204" pitchFamily="34" charset="-120"/>
+              </a:rPr>
+              <a:t>兩種標籤來製造直列跟橫列</a:t>
+            </a:r>
+            <a:endParaRPr lang="en-US" altLang="zh-TW" sz="2500" dirty="0">
+              <a:latin typeface="微軟正黑體" panose="020B0604030504040204" pitchFamily="34" charset="-120"/>
+            </a:endParaRPr>
+          </a:p>
+          <a:p>
+            <a:pPr marL="0" indent="0">
+              <a:lnSpc>
+                <a:spcPct val="170000"/>
+              </a:lnSpc>
+              <a:buNone/>
+            </a:pPr>
+            <a:r>
+              <a:rPr lang="en-US" altLang="zh-TW" sz="2500" dirty="0">
+                <a:solidFill>
+                  <a:srgbClr val="FF0000"/>
+                </a:solidFill>
+                <a:latin typeface="微軟正黑體" panose="020B0604030504040204" pitchFamily="34" charset="-120"/>
+              </a:rPr>
+              <a:t>&lt;tr&gt;&lt;/tr&gt;</a:t>
+            </a:r>
+            <a:r>
+              <a:rPr lang="zh-TW" altLang="en-US" sz="2500" dirty="0">
+                <a:solidFill>
+                  <a:srgbClr val="FF0000"/>
+                </a:solidFill>
+                <a:latin typeface="微軟正黑體" panose="020B0604030504040204" pitchFamily="34" charset="-120"/>
+              </a:rPr>
+              <a:t>  （</a:t>
+            </a:r>
+            <a:r>
+              <a:rPr lang="en-US" altLang="zh-TW" sz="2500" dirty="0">
+                <a:solidFill>
+                  <a:srgbClr val="FF0000"/>
+                </a:solidFill>
+                <a:latin typeface="微軟正黑體" panose="020B0604030504040204" pitchFamily="34" charset="-120"/>
+              </a:rPr>
+              <a:t>table row</a:t>
+            </a:r>
+            <a:r>
+              <a:rPr lang="zh-TW" altLang="en-US" sz="2500" dirty="0">
+                <a:solidFill>
+                  <a:srgbClr val="FF0000"/>
+                </a:solidFill>
+                <a:latin typeface="微軟正黑體" panose="020B0604030504040204" pitchFamily="34" charset="-120"/>
+              </a:rPr>
+              <a:t>）</a:t>
+            </a:r>
+            <a:br>
+              <a:rPr lang="en-US" altLang="zh-TW" sz="2500" dirty="0">
+                <a:solidFill>
+                  <a:srgbClr val="FF0000"/>
+                </a:solidFill>
+                <a:latin typeface="微軟正黑體" panose="020B0604030504040204" pitchFamily="34" charset="-120"/>
+              </a:rPr>
+            </a:br>
+            <a:r>
+              <a:rPr lang="zh-TW" altLang="en-US" sz="2500" dirty="0">
+                <a:latin typeface="微軟正黑體" panose="020B0604030504040204" pitchFamily="34" charset="-120"/>
+              </a:rPr>
+              <a:t>用來定義表格有幾個</a:t>
+            </a:r>
+            <a:r>
+              <a:rPr lang="zh-TW" altLang="en-US" sz="2500" dirty="0">
+                <a:solidFill>
+                  <a:srgbClr val="FF0000"/>
+                </a:solidFill>
+                <a:latin typeface="微軟正黑體" panose="020B0604030504040204" pitchFamily="34" charset="-120"/>
+              </a:rPr>
+              <a:t>橫列</a:t>
+            </a:r>
+            <a:endParaRPr lang="en-US" altLang="zh-TW" sz="2500" dirty="0">
+              <a:solidFill>
+                <a:srgbClr val="FF0000"/>
+              </a:solidFill>
+              <a:latin typeface="微軟正黑體" panose="020B0604030504040204" pitchFamily="34" charset="-120"/>
+            </a:endParaRPr>
+          </a:p>
+          <a:p>
+            <a:pPr marL="0" indent="0">
+              <a:lnSpc>
+                <a:spcPct val="170000"/>
+              </a:lnSpc>
+              <a:buNone/>
+            </a:pPr>
+            <a:r>
+              <a:rPr lang="en-US" altLang="zh-TW" sz="2500" dirty="0">
+                <a:solidFill>
+                  <a:srgbClr val="FF0000"/>
+                </a:solidFill>
+                <a:latin typeface="微軟正黑體" panose="020B0604030504040204" pitchFamily="34" charset="-120"/>
+              </a:rPr>
+              <a:t>&lt;td&gt;&lt;/td&gt;</a:t>
+            </a:r>
+            <a:r>
+              <a:rPr lang="zh-TW" altLang="en-US" sz="2500" dirty="0">
+                <a:solidFill>
+                  <a:srgbClr val="FF0000"/>
+                </a:solidFill>
+                <a:latin typeface="微軟正黑體" panose="020B0604030504040204" pitchFamily="34" charset="-120"/>
+              </a:rPr>
+              <a:t> （</a:t>
+            </a:r>
+            <a:r>
+              <a:rPr lang="en-US" altLang="zh-TW" sz="2500" dirty="0">
+                <a:solidFill>
+                  <a:srgbClr val="FF0000"/>
+                </a:solidFill>
+                <a:latin typeface="微軟正黑體" panose="020B0604030504040204" pitchFamily="34" charset="-120"/>
+              </a:rPr>
+              <a:t>table data</a:t>
+            </a:r>
+            <a:r>
+              <a:rPr lang="zh-TW" altLang="en-US" sz="2500" dirty="0">
+                <a:solidFill>
+                  <a:srgbClr val="FF0000"/>
+                </a:solidFill>
+                <a:latin typeface="微軟正黑體" panose="020B0604030504040204" pitchFamily="34" charset="-120"/>
+              </a:rPr>
+              <a:t>）</a:t>
+            </a:r>
+            <a:br>
+              <a:rPr lang="en-US" altLang="zh-TW" sz="2500" dirty="0">
+                <a:solidFill>
+                  <a:srgbClr val="FF0000"/>
+                </a:solidFill>
+                <a:latin typeface="微軟正黑體" panose="020B0604030504040204" pitchFamily="34" charset="-120"/>
+              </a:rPr>
+            </a:br>
+            <a:r>
+              <a:rPr lang="zh-TW" altLang="en-US" sz="2500" dirty="0">
+                <a:latin typeface="微軟正黑體" panose="020B0604030504040204" pitchFamily="34" charset="-120"/>
+              </a:rPr>
+              <a:t>用來定義表格有幾個直行，一個 </a:t>
+            </a:r>
+            <a:r>
+              <a:rPr lang="en-US" altLang="zh-TW" sz="2500" dirty="0">
+                <a:latin typeface="微軟正黑體" panose="020B0604030504040204" pitchFamily="34" charset="-120"/>
+              </a:rPr>
+              <a:t>td</a:t>
+            </a:r>
+            <a:r>
+              <a:rPr lang="zh-TW" altLang="en-US" sz="2500" dirty="0">
+                <a:latin typeface="微軟正黑體" panose="020B0604030504040204" pitchFamily="34" charset="-120"/>
+              </a:rPr>
+              <a:t> 裡就是放表格裡</a:t>
+            </a:r>
+            <a:r>
+              <a:rPr lang="zh-TW" altLang="en-US" sz="2500" dirty="0">
+                <a:solidFill>
+                  <a:srgbClr val="FF0000"/>
+                </a:solidFill>
+                <a:latin typeface="微軟正黑體" panose="020B0604030504040204" pitchFamily="34" charset="-120"/>
+              </a:rPr>
+              <a:t>單格的</a:t>
+            </a:r>
+            <a:r>
+              <a:rPr lang="zh-TW" altLang="en-US" sz="2500" dirty="0">
+                <a:latin typeface="微軟正黑體" panose="020B0604030504040204" pitchFamily="34" charset="-120"/>
+              </a:rPr>
+              <a:t>資料</a:t>
+            </a:r>
+            <a:endParaRPr lang="en-US" altLang="zh-TW" sz="2500" dirty="0">
+              <a:latin typeface="微軟正黑體" panose="020B0604030504040204" pitchFamily="34" charset="-120"/>
+            </a:endParaRPr>
+          </a:p>
+        </p:txBody>
+      </p:sp>
+      <p:sp>
+        <p:nvSpPr>
+          <p:cNvPr id="6" name="矩形 5">
+            <a:extLst>
+              <a:ext uri="{FF2B5EF4-FFF2-40B4-BE49-F238E27FC236}">
+                <a16:creationId xmlns:a16="http://schemas.microsoft.com/office/drawing/2014/main" id="{21029EF7-0151-40CF-A057-49371B3A96F9}"/>
+              </a:ext>
+            </a:extLst>
+          </p:cNvPr>
+          <p:cNvSpPr/>
+          <p:nvPr/>
+        </p:nvSpPr>
+        <p:spPr>
+          <a:xfrm>
+            <a:off x="3419872" y="1052736"/>
+            <a:ext cx="2088232" cy="553998"/>
+          </a:xfrm>
+          <a:prstGeom prst="rect">
+            <a:avLst/>
+          </a:prstGeom>
+        </p:spPr>
+        <p:txBody>
+          <a:bodyPr wrap="square">
+            <a:spAutoFit/>
+          </a:bodyPr>
+          <a:lstStyle/>
+          <a:p>
+            <a:pPr lvl="0" algn="ctr" defTabSz="685800">
+              <a:spcBef>
+                <a:spcPts val="750"/>
+              </a:spcBef>
+            </a:pPr>
+            <a:r>
+              <a:rPr lang="zh-TW" altLang="en-US" sz="3000" dirty="0">
+                <a:solidFill>
+                  <a:srgbClr val="FF0000"/>
+                </a:solidFill>
+                <a:latin typeface="Consolas" panose="020B0609020204030204" pitchFamily="49" charset="0"/>
+                <a:ea typeface="微軟正黑體" panose="020B0604030504040204" pitchFamily="34" charset="-120"/>
+              </a:rPr>
+              <a:t>表格</a:t>
+            </a:r>
+            <a:r>
+              <a:rPr lang="zh-TW" altLang="en-US" sz="3000" dirty="0">
+                <a:latin typeface="Consolas" panose="020B0609020204030204" pitchFamily="49" charset="0"/>
+                <a:ea typeface="微軟正黑體" panose="020B0604030504040204" pitchFamily="34" charset="-120"/>
+              </a:rPr>
+              <a:t>標籤</a:t>
+            </a:r>
+            <a:endParaRPr lang="en-US" altLang="zh-TW" sz="3000" dirty="0">
+              <a:latin typeface="Consolas" panose="020B0609020204030204" pitchFamily="49" charset="0"/>
+              <a:ea typeface="微軟正黑體" panose="020B0604030504040204" pitchFamily="34" charset="-120"/>
+            </a:endParaRPr>
+          </a:p>
+        </p:txBody>
+      </p:sp>
+    </p:spTree>
+    <p:extLst>
+      <p:ext uri="{BB962C8B-B14F-4D97-AF65-F5344CB8AC3E}">
+        <p14:creationId xmlns:p14="http://schemas.microsoft.com/office/powerpoint/2010/main" val="2954587301"/>
+      </p:ext>
+    </p:extLst>
+  </p:cSld>
+  <p:clrMapOvr>
+    <a:masterClrMapping/>
+  </p:clrMapOvr>
+</p:sld>
+</file>
+
+<file path=ppt/slides/slide32.xml><?xml version="1.0" encoding="utf-8"?>
+<p:sld xmlns:a="http://schemas.openxmlformats.org/drawingml/2006/main" xmlns:r="http://schemas.openxmlformats.org/officeDocument/2006/relationships" xmlns:p="http://schemas.openxmlformats.org/presentationml/2006/main">
+  <p:cSld>
+    <p:spTree>
+      <p:nvGrpSpPr>
+        <p:cNvPr id="1" name=""/>
+        <p:cNvGrpSpPr/>
+        <p:nvPr/>
+      </p:nvGrpSpPr>
+      <p:grpSpPr>
+        <a:xfrm>
+          <a:off x="0" y="0"/>
+          <a:ext cx="0" cy="0"/>
+          <a:chOff x="0" y="0"/>
+          <a:chExt cx="0" cy="0"/>
+        </a:xfrm>
+      </p:grpSpPr>
+      <p:sp>
+        <p:nvSpPr>
+          <p:cNvPr id="2" name="標題 1"/>
+          <p:cNvSpPr>
+            <a:spLocks noGrp="1"/>
+          </p:cNvSpPr>
+          <p:nvPr>
+            <p:ph type="title"/>
+          </p:nvPr>
+        </p:nvSpPr>
+        <p:spPr>
+          <a:xfrm>
+            <a:off x="0" y="1"/>
+            <a:ext cx="9144000" cy="836712"/>
+          </a:xfrm>
+        </p:spPr>
+        <p:txBody>
+          <a:bodyPr anchor="b">
+            <a:normAutofit/>
+          </a:bodyPr>
+          <a:lstStyle/>
+          <a:p>
+            <a:pPr algn="ctr"/>
+            <a:r>
+              <a:rPr lang="en-US" altLang="zh-TW" sz="4000" dirty="0">
+                <a:solidFill>
+                  <a:srgbClr val="0070C0"/>
+                </a:solidFill>
+                <a:latin typeface="微軟正黑體" panose="020B0604030504040204" pitchFamily="34" charset="-120"/>
+              </a:rPr>
+              <a:t>&lt;table&gt;&lt;/table&gt;</a:t>
+            </a:r>
+            <a:endParaRPr lang="zh-TW" altLang="en-US" sz="4000" dirty="0">
+              <a:solidFill>
+                <a:srgbClr val="0070C0"/>
+              </a:solidFill>
+              <a:latin typeface="微軟正黑體" panose="020B0604030504040204" pitchFamily="34" charset="-120"/>
+              <a:ea typeface="微軟正黑體" panose="020B0604030504040204" pitchFamily="34" charset="-120"/>
+            </a:endParaRPr>
+          </a:p>
+        </p:txBody>
+      </p:sp>
+      <p:sp>
+        <p:nvSpPr>
+          <p:cNvPr id="6" name="矩形 5">
+            <a:extLst>
+              <a:ext uri="{FF2B5EF4-FFF2-40B4-BE49-F238E27FC236}">
+                <a16:creationId xmlns:a16="http://schemas.microsoft.com/office/drawing/2014/main" id="{21029EF7-0151-40CF-A057-49371B3A96F9}"/>
+              </a:ext>
+            </a:extLst>
+          </p:cNvPr>
+          <p:cNvSpPr/>
+          <p:nvPr/>
+        </p:nvSpPr>
+        <p:spPr>
+          <a:xfrm>
+            <a:off x="3419872" y="1052736"/>
+            <a:ext cx="2088232" cy="553998"/>
+          </a:xfrm>
+          <a:prstGeom prst="rect">
+            <a:avLst/>
+          </a:prstGeom>
+        </p:spPr>
+        <p:txBody>
+          <a:bodyPr wrap="square">
+            <a:spAutoFit/>
+          </a:bodyPr>
+          <a:lstStyle/>
+          <a:p>
+            <a:pPr lvl="0" algn="ctr" defTabSz="685800">
+              <a:spcBef>
+                <a:spcPts val="750"/>
+              </a:spcBef>
+            </a:pPr>
+            <a:r>
+              <a:rPr lang="zh-TW" altLang="en-US" sz="3000" dirty="0">
+                <a:solidFill>
+                  <a:srgbClr val="FF0000"/>
+                </a:solidFill>
+                <a:latin typeface="Consolas" panose="020B0609020204030204" pitchFamily="49" charset="0"/>
+                <a:ea typeface="微軟正黑體" panose="020B0604030504040204" pitchFamily="34" charset="-120"/>
+              </a:rPr>
+              <a:t>表格</a:t>
+            </a:r>
+            <a:r>
+              <a:rPr lang="zh-TW" altLang="en-US" sz="3000" dirty="0">
+                <a:latin typeface="Consolas" panose="020B0609020204030204" pitchFamily="49" charset="0"/>
+                <a:ea typeface="微軟正黑體" panose="020B0604030504040204" pitchFamily="34" charset="-120"/>
+              </a:rPr>
+              <a:t>標籤</a:t>
+            </a:r>
+            <a:endParaRPr lang="en-US" altLang="zh-TW" sz="3000" dirty="0">
+              <a:latin typeface="Consolas" panose="020B0609020204030204" pitchFamily="49" charset="0"/>
+              <a:ea typeface="微軟正黑體" panose="020B0604030504040204" pitchFamily="34" charset="-120"/>
+            </a:endParaRPr>
+          </a:p>
+        </p:txBody>
+      </p:sp>
+      <p:pic>
+        <p:nvPicPr>
+          <p:cNvPr id="7" name="圖片 6">
+            <a:extLst>
+              <a:ext uri="{FF2B5EF4-FFF2-40B4-BE49-F238E27FC236}">
+                <a16:creationId xmlns:a16="http://schemas.microsoft.com/office/drawing/2014/main" id="{3E373D4B-C299-418A-8A09-C685A5C537C1}"/>
+              </a:ext>
+            </a:extLst>
+          </p:cNvPr>
+          <p:cNvPicPr>
+            <a:picLocks noChangeAspect="1"/>
+          </p:cNvPicPr>
+          <p:nvPr/>
+        </p:nvPicPr>
+        <p:blipFill>
+          <a:blip r:embed="rId3"/>
+          <a:stretch>
+            <a:fillRect/>
+          </a:stretch>
+        </p:blipFill>
+        <p:spPr>
+          <a:xfrm>
+            <a:off x="390218" y="2060848"/>
+            <a:ext cx="4181782" cy="3228337"/>
+          </a:xfrm>
+          <a:prstGeom prst="rect">
+            <a:avLst/>
+          </a:prstGeom>
+        </p:spPr>
+      </p:pic>
+      <p:pic>
+        <p:nvPicPr>
+          <p:cNvPr id="8" name="圖片 7">
+            <a:extLst>
+              <a:ext uri="{FF2B5EF4-FFF2-40B4-BE49-F238E27FC236}">
+                <a16:creationId xmlns:a16="http://schemas.microsoft.com/office/drawing/2014/main" id="{480CAFA6-6315-49AD-93C0-33E8403D5297}"/>
+              </a:ext>
+            </a:extLst>
+          </p:cNvPr>
+          <p:cNvPicPr>
+            <a:picLocks noChangeAspect="1"/>
+          </p:cNvPicPr>
+          <p:nvPr/>
+        </p:nvPicPr>
+        <p:blipFill>
+          <a:blip r:embed="rId4"/>
+          <a:stretch>
+            <a:fillRect/>
+          </a:stretch>
+        </p:blipFill>
+        <p:spPr>
+          <a:xfrm>
+            <a:off x="4572000" y="2939720"/>
+            <a:ext cx="4536504" cy="1391388"/>
+          </a:xfrm>
+          <a:prstGeom prst="rect">
+            <a:avLst/>
+          </a:prstGeom>
+        </p:spPr>
+      </p:pic>
+      <p:sp>
+        <p:nvSpPr>
+          <p:cNvPr id="9" name="矩形 8">
+            <a:extLst>
+              <a:ext uri="{FF2B5EF4-FFF2-40B4-BE49-F238E27FC236}">
+                <a16:creationId xmlns:a16="http://schemas.microsoft.com/office/drawing/2014/main" id="{163B8538-E5B4-48B6-922A-3C069781937E}"/>
+              </a:ext>
+            </a:extLst>
+          </p:cNvPr>
+          <p:cNvSpPr/>
+          <p:nvPr/>
+        </p:nvSpPr>
+        <p:spPr>
+          <a:xfrm>
+            <a:off x="5093404" y="1976270"/>
+            <a:ext cx="2230434" cy="553998"/>
+          </a:xfrm>
+          <a:prstGeom prst="rect">
+            <a:avLst/>
+          </a:prstGeom>
+        </p:spPr>
+        <p:txBody>
+          <a:bodyPr wrap="square">
+            <a:spAutoFit/>
+          </a:bodyPr>
+          <a:lstStyle/>
+          <a:p>
+            <a:pPr lvl="0" algn="ctr" defTabSz="685800">
+              <a:spcBef>
+                <a:spcPts val="750"/>
+              </a:spcBef>
+            </a:pPr>
+            <a:r>
+              <a:rPr lang="zh-TW" altLang="en-US" sz="3000" dirty="0">
+                <a:solidFill>
+                  <a:srgbClr val="FF0000"/>
+                </a:solidFill>
+                <a:latin typeface="Consolas" panose="020B0609020204030204" pitchFamily="49" charset="0"/>
+                <a:ea typeface="微軟正黑體" panose="020B0604030504040204" pitchFamily="34" charset="-120"/>
+              </a:rPr>
+              <a:t>框線</a:t>
+            </a:r>
+            <a:r>
+              <a:rPr lang="en-US" altLang="zh-TW" sz="3000" dirty="0">
+                <a:solidFill>
+                  <a:srgbClr val="FF0000"/>
+                </a:solidFill>
+                <a:latin typeface="Consolas" panose="020B0609020204030204" pitchFamily="49" charset="0"/>
+                <a:ea typeface="微軟正黑體" panose="020B0604030504040204" pitchFamily="34" charset="-120"/>
+              </a:rPr>
+              <a:t>="1px"</a:t>
+            </a:r>
+            <a:endParaRPr lang="en-US" altLang="zh-TW" sz="3000" dirty="0">
+              <a:latin typeface="Consolas" panose="020B0609020204030204" pitchFamily="49" charset="0"/>
+              <a:ea typeface="微軟正黑體" panose="020B0604030504040204" pitchFamily="34" charset="-120"/>
+            </a:endParaRPr>
+          </a:p>
+        </p:txBody>
+      </p:sp>
+      <p:sp>
+        <p:nvSpPr>
+          <p:cNvPr id="10" name="向右箭號 9">
+            <a:extLst>
+              <a:ext uri="{FF2B5EF4-FFF2-40B4-BE49-F238E27FC236}">
+                <a16:creationId xmlns:a16="http://schemas.microsoft.com/office/drawing/2014/main" id="{5F1D0E0C-6E6F-42A2-98EC-8CAE6F0C40E3}"/>
+              </a:ext>
+            </a:extLst>
+          </p:cNvPr>
+          <p:cNvSpPr/>
+          <p:nvPr/>
+        </p:nvSpPr>
+        <p:spPr>
+          <a:xfrm>
+            <a:off x="2843808" y="2121739"/>
+            <a:ext cx="2230433" cy="263061"/>
+          </a:xfrm>
+          <a:prstGeom prst="rightArrow">
+            <a:avLst/>
+          </a:prstGeom>
+          <a:solidFill>
+            <a:srgbClr val="FF0000"/>
+          </a:solidFill>
+          <a:ln>
+            <a:noFill/>
+          </a:ln>
+        </p:spPr>
+        <p:style>
+          <a:lnRef idx="2">
+            <a:schemeClr val="accent1">
+              <a:shade val="50000"/>
+            </a:schemeClr>
+          </a:lnRef>
+          <a:fillRef idx="1">
+            <a:schemeClr val="accent1"/>
+          </a:fillRef>
+          <a:effectRef idx="0">
+            <a:schemeClr val="accent1"/>
+          </a:effectRef>
+          <a:fontRef idx="minor">
+            <a:schemeClr val="lt1"/>
+          </a:fontRef>
+        </p:style>
+        <p:txBody>
+          <a:bodyPr rtlCol="0" anchor="ctr"/>
+          <a:lstStyle/>
+          <a:p>
+            <a:pPr algn="ctr"/>
+            <a:endParaRPr lang="zh-TW" altLang="en-US"/>
+          </a:p>
+        </p:txBody>
+      </p:sp>
+    </p:spTree>
+    <p:extLst>
+      <p:ext uri="{BB962C8B-B14F-4D97-AF65-F5344CB8AC3E}">
+        <p14:creationId xmlns:p14="http://schemas.microsoft.com/office/powerpoint/2010/main" val="2351399566"/>
+      </p:ext>
+    </p:extLst>
+  </p:cSld>
+  <p:clrMapOvr>
+    <a:masterClrMapping/>
+  </p:clrMapOvr>
+  <p:timing>
+    <p:tnLst>
+      <p:par>
+        <p:cTn id="1" dur="indefinite" restart="never" nodeType="tmRoot">
+          <p:childTnLst>
+            <p:seq concurrent="1" nextAc="seek">
+              <p:cTn id="2" dur="indefinite" nodeType="mainSeq">
+                <p:childTnLst>
+                  <p:par>
+                    <p:cTn id="3" fill="hold">
+                      <p:stCondLst>
+                        <p:cond delay="indefinite"/>
+                        <p:cond evt="onBegin" delay="0">
+                          <p:tn val="2"/>
+                        </p:cond>
+                      </p:stCondLst>
+                      <p:childTnLst>
+                        <p:par>
+                          <p:cTn id="4" fill="hold">
+                            <p:stCondLst>
+                              <p:cond delay="0"/>
+                            </p:stCondLst>
+                            <p:childTnLst>
+                              <p:par>
+                                <p:cTn id="5" presetID="1" presetClass="entr" presetSubtype="0" fill="hold" grpId="0" nodeType="withEffect">
+                                  <p:stCondLst>
+                                    <p:cond delay="0"/>
+                                  </p:stCondLst>
+                                  <p:childTnLst>
+                                    <p:set>
+                                      <p:cBhvr>
+                                        <p:cTn id="6" dur="1" fill="hold">
+                                          <p:stCondLst>
+                                            <p:cond delay="0"/>
+                                          </p:stCondLst>
+                                        </p:cTn>
+                                        <p:tgtEl>
+                                          <p:spTgt spid="10"/>
+                                        </p:tgtEl>
+                                        <p:attrNameLst>
+                                          <p:attrName>style.visibility</p:attrName>
+                                        </p:attrNameLst>
+                                      </p:cBhvr>
+                                      <p:to>
+                                        <p:strVal val="visible"/>
+                                      </p:to>
+                                    </p:set>
+                                  </p:childTnLst>
+                                </p:cTn>
+                              </p:par>
+                            </p:childTnLst>
+                          </p:cTn>
+                        </p:par>
+                      </p:childTnLst>
+                    </p:cTn>
+                  </p:par>
+                </p:childTnLst>
+              </p:cTn>
+              <p:prevCondLst>
+                <p:cond evt="onPrev" delay="0">
+                  <p:tgtEl>
+                    <p:sldTgt/>
+                  </p:tgtEl>
+                </p:cond>
+              </p:prevCondLst>
+              <p:nextCondLst>
+                <p:cond evt="onNext" delay="0">
+                  <p:tgtEl>
+                    <p:sldTgt/>
+                  </p:tgtEl>
+                </p:cond>
+              </p:nextCondLst>
+            </p:seq>
+          </p:childTnLst>
+        </p:cTn>
+      </p:par>
+    </p:tnLst>
+    <p:bldLst>
+      <p:bldP spid="10" grpId="0" animBg="1"/>
+    </p:bldLst>
+  </p:timing>
+</p:sld>
+</file>
+
+<file path=ppt/slides/slide33.xml><?xml version="1.0" encoding="utf-8"?>
+<p:sld xmlns:a="http://schemas.openxmlformats.org/drawingml/2006/main" xmlns:r="http://schemas.openxmlformats.org/officeDocument/2006/relationships" xmlns:p="http://schemas.openxmlformats.org/presentationml/2006/main">
+  <p:cSld>
+    <p:spTree>
+      <p:nvGrpSpPr>
+        <p:cNvPr id="1" name=""/>
+        <p:cNvGrpSpPr/>
+        <p:nvPr/>
+      </p:nvGrpSpPr>
+      <p:grpSpPr>
+        <a:xfrm>
+          <a:off x="0" y="0"/>
+          <a:ext cx="0" cy="0"/>
+          <a:chOff x="0" y="0"/>
+          <a:chExt cx="0" cy="0"/>
+        </a:xfrm>
+      </p:grpSpPr>
+      <p:sp>
+        <p:nvSpPr>
+          <p:cNvPr id="2" name="標題 1"/>
+          <p:cNvSpPr>
+            <a:spLocks noGrp="1"/>
+          </p:cNvSpPr>
+          <p:nvPr>
+            <p:ph type="title"/>
+          </p:nvPr>
+        </p:nvSpPr>
+        <p:spPr>
+          <a:xfrm>
+            <a:off x="0" y="1"/>
+            <a:ext cx="9144000" cy="836712"/>
+          </a:xfrm>
+        </p:spPr>
+        <p:txBody>
+          <a:bodyPr anchor="b">
+            <a:normAutofit/>
+          </a:bodyPr>
+          <a:lstStyle/>
+          <a:p>
+            <a:pPr algn="ctr"/>
+            <a:r>
+              <a:rPr lang="zh-TW" altLang="en-US" sz="4000" dirty="0">
+                <a:solidFill>
+                  <a:srgbClr val="0070C0"/>
+                </a:solidFill>
+                <a:latin typeface="微軟正黑體" panose="020B0604030504040204" pitchFamily="34" charset="-120"/>
+              </a:rPr>
+              <a:t>合併儲存格：</a:t>
+            </a:r>
+            <a:r>
+              <a:rPr lang="en-US" altLang="zh-TW" sz="4000" dirty="0">
+                <a:solidFill>
+                  <a:srgbClr val="0070C0"/>
+                </a:solidFill>
+                <a:latin typeface="微軟正黑體" panose="020B0604030504040204" pitchFamily="34" charset="-120"/>
+              </a:rPr>
+              <a:t> </a:t>
+            </a:r>
+            <a:r>
+              <a:rPr lang="en-US" altLang="zh-TW" sz="4000" dirty="0" err="1">
+                <a:solidFill>
+                  <a:srgbClr val="0070C0"/>
+                </a:solidFill>
+                <a:latin typeface="微軟正黑體" panose="020B0604030504040204" pitchFamily="34" charset="-120"/>
+              </a:rPr>
+              <a:t>colspan</a:t>
+            </a:r>
+            <a:r>
+              <a:rPr lang="en-US" altLang="zh-TW" sz="4000" dirty="0">
+                <a:solidFill>
+                  <a:srgbClr val="0070C0"/>
+                </a:solidFill>
+                <a:latin typeface="微軟正黑體" panose="020B0604030504040204" pitchFamily="34" charset="-120"/>
+              </a:rPr>
+              <a:t> </a:t>
+            </a:r>
+            <a:r>
+              <a:rPr lang="zh-TW" altLang="en-US" sz="4000" dirty="0">
+                <a:solidFill>
+                  <a:srgbClr val="0070C0"/>
+                </a:solidFill>
+                <a:latin typeface="微軟正黑體" panose="020B0604030504040204" pitchFamily="34" charset="-120"/>
+              </a:rPr>
+              <a:t>、 </a:t>
+            </a:r>
+            <a:r>
+              <a:rPr lang="en-US" altLang="zh-TW" sz="4000" dirty="0" err="1">
+                <a:solidFill>
+                  <a:srgbClr val="0070C0"/>
+                </a:solidFill>
+                <a:latin typeface="微軟正黑體" panose="020B0604030504040204" pitchFamily="34" charset="-120"/>
+              </a:rPr>
+              <a:t>rowspan</a:t>
+            </a:r>
+            <a:endParaRPr lang="zh-TW" altLang="en-US" sz="4000" dirty="0">
+              <a:solidFill>
+                <a:srgbClr val="0070C0"/>
+              </a:solidFill>
+              <a:latin typeface="微軟正黑體" panose="020B0604030504040204" pitchFamily="34" charset="-120"/>
+              <a:ea typeface="微軟正黑體" panose="020B0604030504040204" pitchFamily="34" charset="-120"/>
+            </a:endParaRPr>
+          </a:p>
+        </p:txBody>
+      </p:sp>
+      <p:sp>
+        <p:nvSpPr>
+          <p:cNvPr id="6" name="矩形 5">
+            <a:extLst>
+              <a:ext uri="{FF2B5EF4-FFF2-40B4-BE49-F238E27FC236}">
+                <a16:creationId xmlns:a16="http://schemas.microsoft.com/office/drawing/2014/main" id="{21029EF7-0151-40CF-A057-49371B3A96F9}"/>
+              </a:ext>
+            </a:extLst>
+          </p:cNvPr>
+          <p:cNvSpPr/>
+          <p:nvPr/>
+        </p:nvSpPr>
+        <p:spPr>
+          <a:xfrm>
+            <a:off x="935596" y="3631631"/>
+            <a:ext cx="7056784" cy="1503489"/>
+          </a:xfrm>
+          <a:prstGeom prst="rect">
+            <a:avLst/>
+          </a:prstGeom>
+        </p:spPr>
+        <p:txBody>
+          <a:bodyPr wrap="square">
+            <a:spAutoFit/>
+          </a:bodyPr>
+          <a:lstStyle/>
+          <a:p>
+            <a:pPr lvl="0" algn="ctr" defTabSz="685800">
+              <a:lnSpc>
+                <a:spcPct val="150000"/>
+              </a:lnSpc>
+              <a:spcBef>
+                <a:spcPts val="750"/>
+              </a:spcBef>
+            </a:pPr>
+            <a:r>
+              <a:rPr lang="en-US" altLang="zh-TW" sz="3000" dirty="0" err="1">
+                <a:solidFill>
+                  <a:srgbClr val="0070C0"/>
+                </a:solidFill>
+                <a:latin typeface="Consolas" panose="020B0609020204030204" pitchFamily="49" charset="0"/>
+                <a:ea typeface="微軟正黑體" panose="020B0604030504040204" pitchFamily="34" charset="-120"/>
+              </a:rPr>
+              <a:t>colspan</a:t>
+            </a:r>
+            <a:r>
+              <a:rPr lang="zh-TW" altLang="en-US" sz="3000" dirty="0">
+                <a:solidFill>
+                  <a:srgbClr val="0070C0"/>
+                </a:solidFill>
+                <a:latin typeface="Consolas" panose="020B0609020204030204" pitchFamily="49" charset="0"/>
+                <a:ea typeface="微軟正黑體" panose="020B0604030504040204" pitchFamily="34" charset="-120"/>
+              </a:rPr>
+              <a:t>：用來水平合併多行儲存格</a:t>
+            </a:r>
+            <a:endParaRPr lang="en-US" altLang="zh-TW" sz="3000" dirty="0">
+              <a:solidFill>
+                <a:srgbClr val="0070C0"/>
+              </a:solidFill>
+              <a:latin typeface="Consolas" panose="020B0609020204030204" pitchFamily="49" charset="0"/>
+              <a:ea typeface="微軟正黑體" panose="020B0604030504040204" pitchFamily="34" charset="-120"/>
+            </a:endParaRPr>
+          </a:p>
+          <a:p>
+            <a:pPr lvl="0" algn="ctr" defTabSz="685800">
+              <a:lnSpc>
+                <a:spcPct val="150000"/>
+              </a:lnSpc>
+              <a:spcBef>
+                <a:spcPts val="750"/>
+              </a:spcBef>
+            </a:pPr>
+            <a:r>
+              <a:rPr lang="en-US" altLang="zh-TW" sz="3000" dirty="0">
+                <a:solidFill>
+                  <a:srgbClr val="0070C0"/>
+                </a:solidFill>
+                <a:latin typeface="Consolas" panose="020B0609020204030204" pitchFamily="49" charset="0"/>
+                <a:ea typeface="微軟正黑體" panose="020B0604030504040204" pitchFamily="34" charset="-120"/>
+              </a:rPr>
+              <a:t>&lt;td </a:t>
+            </a:r>
+            <a:r>
+              <a:rPr lang="en-US" altLang="zh-TW" sz="3000" dirty="0" err="1">
+                <a:solidFill>
+                  <a:srgbClr val="0070C0"/>
+                </a:solidFill>
+                <a:latin typeface="Consolas" panose="020B0609020204030204" pitchFamily="49" charset="0"/>
+                <a:ea typeface="微軟正黑體" panose="020B0604030504040204" pitchFamily="34" charset="-120"/>
+              </a:rPr>
+              <a:t>colspan</a:t>
+            </a:r>
+            <a:r>
+              <a:rPr lang="en-US" altLang="zh-TW" sz="3000" dirty="0">
+                <a:solidFill>
+                  <a:srgbClr val="0070C0"/>
+                </a:solidFill>
+                <a:latin typeface="Consolas" panose="020B0609020204030204" pitchFamily="49" charset="0"/>
+                <a:ea typeface="微軟正黑體" panose="020B0604030504040204" pitchFamily="34" charset="-120"/>
+              </a:rPr>
+              <a:t>="</a:t>
+            </a:r>
+            <a:r>
+              <a:rPr lang="zh-TW" altLang="en-US" sz="3000" dirty="0">
+                <a:solidFill>
+                  <a:srgbClr val="FF0000"/>
+                </a:solidFill>
+                <a:latin typeface="Consolas" panose="020B0609020204030204" pitchFamily="49" charset="0"/>
+                <a:ea typeface="微軟正黑體" panose="020B0604030504040204" pitchFamily="34" charset="-120"/>
+              </a:rPr>
+              <a:t>要合併幾個直行</a:t>
+            </a:r>
+            <a:r>
+              <a:rPr lang="en-US" altLang="zh-TW" sz="3000" dirty="0">
+                <a:solidFill>
+                  <a:srgbClr val="0070C0"/>
+                </a:solidFill>
+                <a:latin typeface="Consolas" panose="020B0609020204030204" pitchFamily="49" charset="0"/>
+                <a:ea typeface="微軟正黑體" panose="020B0604030504040204" pitchFamily="34" charset="-120"/>
+              </a:rPr>
+              <a:t>"&gt;&lt;/td&gt;</a:t>
+            </a:r>
+          </a:p>
+        </p:txBody>
+      </p:sp>
+      <p:sp>
+        <p:nvSpPr>
+          <p:cNvPr id="11" name="矩形 10">
+            <a:extLst>
+              <a:ext uri="{FF2B5EF4-FFF2-40B4-BE49-F238E27FC236}">
+                <a16:creationId xmlns:a16="http://schemas.microsoft.com/office/drawing/2014/main" id="{B7F15EED-C994-4B0E-ACF3-9600AB66EC82}"/>
+              </a:ext>
+            </a:extLst>
+          </p:cNvPr>
+          <p:cNvSpPr/>
+          <p:nvPr/>
+        </p:nvSpPr>
+        <p:spPr>
+          <a:xfrm>
+            <a:off x="395536" y="1484784"/>
+            <a:ext cx="8136904" cy="1495089"/>
+          </a:xfrm>
+          <a:prstGeom prst="rect">
+            <a:avLst/>
+          </a:prstGeom>
+        </p:spPr>
+        <p:txBody>
+          <a:bodyPr wrap="square">
+            <a:spAutoFit/>
+          </a:bodyPr>
+          <a:lstStyle/>
+          <a:p>
+            <a:pPr lvl="0" algn="ctr" defTabSz="685800">
+              <a:lnSpc>
+                <a:spcPct val="150000"/>
+              </a:lnSpc>
+              <a:spcBef>
+                <a:spcPts val="750"/>
+              </a:spcBef>
+            </a:pPr>
+            <a:r>
+              <a:rPr lang="en-US" altLang="zh-TW" sz="3000" dirty="0" err="1">
+                <a:solidFill>
+                  <a:srgbClr val="0070C0"/>
+                </a:solidFill>
+                <a:latin typeface="微軟正黑體" panose="020B0604030504040204" pitchFamily="34" charset="-120"/>
+                <a:ea typeface="微軟正黑體" panose="020B0604030504040204" pitchFamily="34" charset="-120"/>
+              </a:rPr>
+              <a:t>rowspan</a:t>
+            </a:r>
+            <a:r>
+              <a:rPr lang="zh-TW" altLang="en-US" sz="3000" dirty="0">
+                <a:solidFill>
+                  <a:srgbClr val="0070C0"/>
+                </a:solidFill>
+                <a:latin typeface="微軟正黑體" panose="020B0604030504040204" pitchFamily="34" charset="-120"/>
+                <a:ea typeface="微軟正黑體" panose="020B0604030504040204" pitchFamily="34" charset="-120"/>
+              </a:rPr>
+              <a:t>：用來垂直合併多行儲存格</a:t>
+            </a:r>
+            <a:endParaRPr lang="en-US" altLang="zh-TW" sz="3000" dirty="0">
+              <a:solidFill>
+                <a:srgbClr val="0070C0"/>
+              </a:solidFill>
+              <a:latin typeface="微軟正黑體" panose="020B0604030504040204" pitchFamily="34" charset="-120"/>
+              <a:ea typeface="微軟正黑體" panose="020B0604030504040204" pitchFamily="34" charset="-120"/>
+            </a:endParaRPr>
+          </a:p>
+          <a:p>
+            <a:pPr lvl="0" algn="ctr" defTabSz="685800">
+              <a:lnSpc>
+                <a:spcPct val="150000"/>
+              </a:lnSpc>
+              <a:spcBef>
+                <a:spcPts val="750"/>
+              </a:spcBef>
+            </a:pPr>
+            <a:r>
+              <a:rPr lang="en-US" altLang="zh-TW" sz="3000" dirty="0">
+                <a:solidFill>
+                  <a:srgbClr val="0070C0"/>
+                </a:solidFill>
+                <a:latin typeface="微軟正黑體" panose="020B0604030504040204" pitchFamily="34" charset="-120"/>
+                <a:ea typeface="微軟正黑體" panose="020B0604030504040204" pitchFamily="34" charset="-120"/>
+              </a:rPr>
+              <a:t>&lt;td </a:t>
+            </a:r>
+            <a:r>
+              <a:rPr lang="en-US" altLang="zh-TW" sz="3000" dirty="0" err="1">
+                <a:solidFill>
+                  <a:srgbClr val="0070C0"/>
+                </a:solidFill>
+                <a:latin typeface="微軟正黑體" panose="020B0604030504040204" pitchFamily="34" charset="-120"/>
+                <a:ea typeface="微軟正黑體" panose="020B0604030504040204" pitchFamily="34" charset="-120"/>
+              </a:rPr>
+              <a:t>rowspan</a:t>
+            </a:r>
+            <a:r>
+              <a:rPr lang="en-US" altLang="zh-TW" sz="3000" dirty="0">
+                <a:solidFill>
+                  <a:srgbClr val="0070C0"/>
+                </a:solidFill>
+                <a:latin typeface="微軟正黑體" panose="020B0604030504040204" pitchFamily="34" charset="-120"/>
+                <a:ea typeface="微軟正黑體" panose="020B0604030504040204" pitchFamily="34" charset="-120"/>
+              </a:rPr>
+              <a:t>="</a:t>
+            </a:r>
+            <a:r>
+              <a:rPr lang="zh-TW" altLang="en-US" sz="3000" dirty="0">
+                <a:solidFill>
+                  <a:srgbClr val="FF0000"/>
+                </a:solidFill>
+                <a:latin typeface="微軟正黑體" panose="020B0604030504040204" pitchFamily="34" charset="-120"/>
+                <a:ea typeface="微軟正黑體" panose="020B0604030504040204" pitchFamily="34" charset="-120"/>
+              </a:rPr>
+              <a:t>要合併幾個橫列</a:t>
+            </a:r>
+            <a:r>
+              <a:rPr lang="en-US" altLang="zh-TW" sz="3000" dirty="0">
+                <a:solidFill>
+                  <a:srgbClr val="0070C0"/>
+                </a:solidFill>
+                <a:latin typeface="微軟正黑體" panose="020B0604030504040204" pitchFamily="34" charset="-120"/>
+                <a:ea typeface="微軟正黑體" panose="020B0604030504040204" pitchFamily="34" charset="-120"/>
+              </a:rPr>
+              <a:t>"&gt;&lt;/td&gt;</a:t>
+            </a:r>
+          </a:p>
+        </p:txBody>
+      </p:sp>
+    </p:spTree>
+    <p:extLst>
+      <p:ext uri="{BB962C8B-B14F-4D97-AF65-F5344CB8AC3E}">
+        <p14:creationId xmlns:p14="http://schemas.microsoft.com/office/powerpoint/2010/main" val="2417192030"/>
+      </p:ext>
+    </p:extLst>
+  </p:cSld>
+  <p:clrMapOvr>
+    <a:masterClrMapping/>
+  </p:clrMapOvr>
+</p:sld>
+</file>
+
+<file path=ppt/slides/slide34.xml><?xml version="1.0" encoding="utf-8"?>
+<p:sld xmlns:a="http://schemas.openxmlformats.org/drawingml/2006/main" xmlns:r="http://schemas.openxmlformats.org/officeDocument/2006/relationships" xmlns:p="http://schemas.openxmlformats.org/presentationml/2006/main">
+  <p:cSld>
+    <p:spTree>
+      <p:nvGrpSpPr>
+        <p:cNvPr id="1" name=""/>
+        <p:cNvGrpSpPr/>
+        <p:nvPr/>
+      </p:nvGrpSpPr>
+      <p:grpSpPr>
+        <a:xfrm>
+          <a:off x="0" y="0"/>
+          <a:ext cx="0" cy="0"/>
+          <a:chOff x="0" y="0"/>
+          <a:chExt cx="0" cy="0"/>
+        </a:xfrm>
+      </p:grpSpPr>
+      <p:sp>
+        <p:nvSpPr>
+          <p:cNvPr id="2" name="標題 1"/>
+          <p:cNvSpPr>
+            <a:spLocks noGrp="1"/>
+          </p:cNvSpPr>
+          <p:nvPr>
+            <p:ph type="title"/>
+          </p:nvPr>
+        </p:nvSpPr>
+        <p:spPr>
+          <a:xfrm>
+            <a:off x="0" y="1"/>
+            <a:ext cx="9144000" cy="836712"/>
+          </a:xfrm>
+        </p:spPr>
+        <p:txBody>
+          <a:bodyPr anchor="b">
+            <a:normAutofit/>
+          </a:bodyPr>
+          <a:lstStyle/>
+          <a:p>
+            <a:pPr algn="ctr"/>
+            <a:r>
+              <a:rPr lang="en-US" altLang="zh-TW" sz="4000" dirty="0" err="1">
+                <a:solidFill>
+                  <a:srgbClr val="0070C0"/>
+                </a:solidFill>
+                <a:latin typeface="微軟正黑體" panose="020B0604030504040204" pitchFamily="34" charset="-120"/>
+              </a:rPr>
+              <a:t>rowspan</a:t>
+            </a:r>
+            <a:endParaRPr lang="zh-TW" altLang="en-US" sz="4000" dirty="0">
+              <a:solidFill>
+                <a:srgbClr val="0070C0"/>
+              </a:solidFill>
+              <a:latin typeface="微軟正黑體" panose="020B0604030504040204" pitchFamily="34" charset="-120"/>
+              <a:ea typeface="微軟正黑體" panose="020B0604030504040204" pitchFamily="34" charset="-120"/>
+            </a:endParaRPr>
+          </a:p>
+        </p:txBody>
+      </p:sp>
+      <p:pic>
+        <p:nvPicPr>
+          <p:cNvPr id="7" name="圖片 6">
+            <a:extLst>
+              <a:ext uri="{FF2B5EF4-FFF2-40B4-BE49-F238E27FC236}">
+                <a16:creationId xmlns:a16="http://schemas.microsoft.com/office/drawing/2014/main" id="{3E373D4B-C299-418A-8A09-C685A5C537C1}"/>
+              </a:ext>
+            </a:extLst>
+          </p:cNvPr>
+          <p:cNvPicPr>
+            <a:picLocks noChangeAspect="1"/>
+          </p:cNvPicPr>
+          <p:nvPr/>
+        </p:nvPicPr>
+        <p:blipFill>
+          <a:blip r:embed="rId3">
+            <a:extLst>
+              <a:ext uri="{28A0092B-C50C-407E-A947-70E740481C1C}">
+                <a14:useLocalDpi xmlns:a14="http://schemas.microsoft.com/office/drawing/2010/main" val="0"/>
+              </a:ext>
+            </a:extLst>
+          </a:blip>
+          <a:stretch>
+            <a:fillRect/>
+          </a:stretch>
+        </p:blipFill>
+        <p:spPr>
+          <a:xfrm>
+            <a:off x="2275393" y="1270083"/>
+            <a:ext cx="4593212" cy="2566407"/>
+          </a:xfrm>
+          <a:prstGeom prst="rect">
+            <a:avLst/>
+          </a:prstGeom>
+        </p:spPr>
+      </p:pic>
+      <p:pic>
+        <p:nvPicPr>
+          <p:cNvPr id="8" name="圖片 7">
+            <a:extLst>
+              <a:ext uri="{FF2B5EF4-FFF2-40B4-BE49-F238E27FC236}">
+                <a16:creationId xmlns:a16="http://schemas.microsoft.com/office/drawing/2014/main" id="{480CAFA6-6315-49AD-93C0-33E8403D5297}"/>
+              </a:ext>
+            </a:extLst>
+          </p:cNvPr>
+          <p:cNvPicPr>
+            <a:picLocks noChangeAspect="1"/>
+          </p:cNvPicPr>
+          <p:nvPr/>
+        </p:nvPicPr>
+        <p:blipFill>
+          <a:blip r:embed="rId4">
+            <a:extLst>
+              <a:ext uri="{28A0092B-C50C-407E-A947-70E740481C1C}">
+                <a14:useLocalDpi xmlns:a14="http://schemas.microsoft.com/office/drawing/2010/main" val="0"/>
+              </a:ext>
+            </a:extLst>
+          </a:blip>
+          <a:stretch>
+            <a:fillRect/>
+          </a:stretch>
+        </p:blipFill>
+        <p:spPr>
+          <a:xfrm>
+            <a:off x="2410113" y="4269860"/>
+            <a:ext cx="4323773" cy="1391388"/>
+          </a:xfrm>
+          <a:prstGeom prst="rect">
+            <a:avLst/>
+          </a:prstGeom>
+        </p:spPr>
+      </p:pic>
+    </p:spTree>
+    <p:extLst>
+      <p:ext uri="{BB962C8B-B14F-4D97-AF65-F5344CB8AC3E}">
+        <p14:creationId xmlns:p14="http://schemas.microsoft.com/office/powerpoint/2010/main" val="4195442090"/>
+      </p:ext>
+    </p:extLst>
+  </p:cSld>
+  <p:clrMapOvr>
+    <a:masterClrMapping/>
+  </p:clrMapOvr>
+</p:sld>
+</file>
+
+<file path=ppt/slides/slide35.xml><?xml version="1.0" encoding="utf-8"?>
+<p:sld xmlns:a="http://schemas.openxmlformats.org/drawingml/2006/main" xmlns:r="http://schemas.openxmlformats.org/officeDocument/2006/relationships" xmlns:p="http://schemas.openxmlformats.org/presentationml/2006/main">
+  <p:cSld>
+    <p:spTree>
+      <p:nvGrpSpPr>
+        <p:cNvPr id="1" name=""/>
+        <p:cNvGrpSpPr/>
+        <p:nvPr/>
+      </p:nvGrpSpPr>
+      <p:grpSpPr>
+        <a:xfrm>
+          <a:off x="0" y="0"/>
+          <a:ext cx="0" cy="0"/>
+          <a:chOff x="0" y="0"/>
+          <a:chExt cx="0" cy="0"/>
+        </a:xfrm>
+      </p:grpSpPr>
+      <p:sp>
+        <p:nvSpPr>
+          <p:cNvPr id="2" name="標題 1"/>
+          <p:cNvSpPr>
+            <a:spLocks noGrp="1"/>
+          </p:cNvSpPr>
+          <p:nvPr>
+            <p:ph type="title"/>
+          </p:nvPr>
+        </p:nvSpPr>
+        <p:spPr>
+          <a:xfrm>
+            <a:off x="0" y="1"/>
+            <a:ext cx="9144000" cy="836712"/>
+          </a:xfrm>
+        </p:spPr>
+        <p:txBody>
+          <a:bodyPr anchor="b">
+            <a:normAutofit/>
+          </a:bodyPr>
+          <a:lstStyle/>
+          <a:p>
+            <a:pPr algn="ctr"/>
+            <a:r>
+              <a:rPr lang="en-US" altLang="zh-TW" sz="4000" dirty="0" err="1">
+                <a:solidFill>
+                  <a:srgbClr val="0070C0"/>
+                </a:solidFill>
+                <a:latin typeface="微軟正黑體" panose="020B0604030504040204" pitchFamily="34" charset="-120"/>
+              </a:rPr>
+              <a:t>colspan</a:t>
+            </a:r>
+            <a:endParaRPr lang="zh-TW" altLang="en-US" sz="4000" dirty="0">
+              <a:solidFill>
+                <a:srgbClr val="0070C0"/>
+              </a:solidFill>
+              <a:latin typeface="微軟正黑體" panose="020B0604030504040204" pitchFamily="34" charset="-120"/>
+              <a:ea typeface="微軟正黑體" panose="020B0604030504040204" pitchFamily="34" charset="-120"/>
+            </a:endParaRPr>
+          </a:p>
+        </p:txBody>
+      </p:sp>
+      <p:pic>
+        <p:nvPicPr>
+          <p:cNvPr id="7" name="圖片 6">
+            <a:extLst>
+              <a:ext uri="{FF2B5EF4-FFF2-40B4-BE49-F238E27FC236}">
+                <a16:creationId xmlns:a16="http://schemas.microsoft.com/office/drawing/2014/main" id="{3E373D4B-C299-418A-8A09-C685A5C537C1}"/>
+              </a:ext>
+            </a:extLst>
+          </p:cNvPr>
+          <p:cNvPicPr>
+            <a:picLocks noChangeAspect="1"/>
+          </p:cNvPicPr>
+          <p:nvPr/>
+        </p:nvPicPr>
+        <p:blipFill>
+          <a:blip r:embed="rId3">
+            <a:extLst>
+              <a:ext uri="{28A0092B-C50C-407E-A947-70E740481C1C}">
+                <a14:useLocalDpi xmlns:a14="http://schemas.microsoft.com/office/drawing/2010/main" val="0"/>
+              </a:ext>
+            </a:extLst>
+          </a:blip>
+          <a:stretch>
+            <a:fillRect/>
+          </a:stretch>
+        </p:blipFill>
+        <p:spPr>
+          <a:xfrm>
+            <a:off x="2275394" y="1216493"/>
+            <a:ext cx="4593212" cy="2526924"/>
+          </a:xfrm>
+          <a:prstGeom prst="rect">
+            <a:avLst/>
+          </a:prstGeom>
+        </p:spPr>
+      </p:pic>
+      <p:pic>
+        <p:nvPicPr>
+          <p:cNvPr id="8" name="圖片 7">
+            <a:extLst>
+              <a:ext uri="{FF2B5EF4-FFF2-40B4-BE49-F238E27FC236}">
+                <a16:creationId xmlns:a16="http://schemas.microsoft.com/office/drawing/2014/main" id="{480CAFA6-6315-49AD-93C0-33E8403D5297}"/>
+              </a:ext>
+            </a:extLst>
+          </p:cNvPr>
+          <p:cNvPicPr>
+            <a:picLocks noChangeAspect="1"/>
+          </p:cNvPicPr>
+          <p:nvPr/>
+        </p:nvPicPr>
+        <p:blipFill>
+          <a:blip r:embed="rId4">
+            <a:extLst>
+              <a:ext uri="{28A0092B-C50C-407E-A947-70E740481C1C}">
+                <a14:useLocalDpi xmlns:a14="http://schemas.microsoft.com/office/drawing/2010/main" val="0"/>
+              </a:ext>
+            </a:extLst>
+          </a:blip>
+          <a:stretch>
+            <a:fillRect/>
+          </a:stretch>
+        </p:blipFill>
+        <p:spPr>
+          <a:xfrm>
+            <a:off x="2076648" y="4221088"/>
+            <a:ext cx="4990703" cy="1361101"/>
+          </a:xfrm>
+          <a:prstGeom prst="rect">
+            <a:avLst/>
+          </a:prstGeom>
+        </p:spPr>
+      </p:pic>
+    </p:spTree>
+    <p:extLst>
+      <p:ext uri="{BB962C8B-B14F-4D97-AF65-F5344CB8AC3E}">
+        <p14:creationId xmlns:p14="http://schemas.microsoft.com/office/powerpoint/2010/main" val="2032473377"/>
+      </p:ext>
+    </p:extLst>
+  </p:cSld>
+  <p:clrMapOvr>
+    <a:masterClrMapping/>
+  </p:clrMapOvr>
+</p:sld>
+</file>
+
+<file path=ppt/slides/slide36.xml><?xml version="1.0" encoding="utf-8"?>
+<p:sld xmlns:a="http://schemas.openxmlformats.org/drawingml/2006/main" xmlns:r="http://schemas.openxmlformats.org/officeDocument/2006/relationships" xmlns:p="http://schemas.openxmlformats.org/presentationml/2006/main">
+  <p:cSld>
+    <p:spTree>
+      <p:nvGrpSpPr>
+        <p:cNvPr id="1" name=""/>
+        <p:cNvGrpSpPr/>
+        <p:nvPr/>
+      </p:nvGrpSpPr>
+      <p:grpSpPr>
+        <a:xfrm>
+          <a:off x="0" y="0"/>
+          <a:ext cx="0" cy="0"/>
+          <a:chOff x="0" y="0"/>
+          <a:chExt cx="0" cy="0"/>
+        </a:xfrm>
+      </p:grpSpPr>
+      <p:sp>
+        <p:nvSpPr>
+          <p:cNvPr id="2" name="標題 1"/>
+          <p:cNvSpPr>
+            <a:spLocks noGrp="1"/>
+          </p:cNvSpPr>
+          <p:nvPr>
+            <p:ph type="title"/>
+          </p:nvPr>
+        </p:nvSpPr>
+        <p:spPr>
+          <a:xfrm>
+            <a:off x="0" y="1"/>
+            <a:ext cx="9144000" cy="836712"/>
+          </a:xfrm>
+        </p:spPr>
+        <p:txBody>
+          <a:bodyPr anchor="b">
+            <a:normAutofit/>
+          </a:bodyPr>
+          <a:lstStyle/>
+          <a:p>
+            <a:pPr algn="ctr"/>
+            <a:r>
+              <a:rPr lang="zh-TW" altLang="en-US" sz="4000" dirty="0">
+                <a:solidFill>
+                  <a:srgbClr val="0070C0"/>
+                </a:solidFill>
+                <a:latin typeface="微軟正黑體" panose="020B0604030504040204" pitchFamily="34" charset="-120"/>
+                <a:ea typeface="微軟正黑體" panose="020B0604030504040204" pitchFamily="34" charset="-120"/>
+              </a:rPr>
+              <a:t>排版表格</a:t>
+            </a:r>
+          </a:p>
+        </p:txBody>
+      </p:sp>
+      <p:pic>
+        <p:nvPicPr>
+          <p:cNvPr id="3" name="圖片 2">
+            <a:extLst>
+              <a:ext uri="{FF2B5EF4-FFF2-40B4-BE49-F238E27FC236}">
+                <a16:creationId xmlns:a16="http://schemas.microsoft.com/office/drawing/2014/main" id="{89D34367-FC3B-4BDB-B431-752D1C105C46}"/>
+              </a:ext>
+            </a:extLst>
+          </p:cNvPr>
+          <p:cNvPicPr>
+            <a:picLocks noChangeAspect="1"/>
+          </p:cNvPicPr>
+          <p:nvPr/>
+        </p:nvPicPr>
+        <p:blipFill>
+          <a:blip r:embed="rId3"/>
+          <a:stretch>
+            <a:fillRect/>
+          </a:stretch>
+        </p:blipFill>
+        <p:spPr>
+          <a:xfrm>
+            <a:off x="0" y="980728"/>
+            <a:ext cx="5515745" cy="5344271"/>
+          </a:xfrm>
+          <a:prstGeom prst="rect">
+            <a:avLst/>
+          </a:prstGeom>
+        </p:spPr>
+      </p:pic>
+      <p:sp>
+        <p:nvSpPr>
+          <p:cNvPr id="6" name="矩形 5">
+            <a:extLst>
+              <a:ext uri="{FF2B5EF4-FFF2-40B4-BE49-F238E27FC236}">
+                <a16:creationId xmlns:a16="http://schemas.microsoft.com/office/drawing/2014/main" id="{B37EDDBE-A26C-4D18-BA67-F831D1BF96FC}"/>
+              </a:ext>
+            </a:extLst>
+          </p:cNvPr>
+          <p:cNvSpPr/>
+          <p:nvPr/>
+        </p:nvSpPr>
+        <p:spPr>
+          <a:xfrm>
+            <a:off x="323528" y="1916832"/>
+            <a:ext cx="2736304" cy="1512168"/>
+          </a:xfrm>
+          <a:prstGeom prst="rect">
+            <a:avLst/>
+          </a:prstGeom>
+          <a:noFill/>
+          <a:ln w="57150">
+            <a:solidFill>
+              <a:srgbClr val="FF0000"/>
+            </a:solidFill>
+          </a:ln>
+        </p:spPr>
+        <p:style>
+          <a:lnRef idx="2">
+            <a:schemeClr val="accent1">
+              <a:shade val="50000"/>
+            </a:schemeClr>
+          </a:lnRef>
+          <a:fillRef idx="1">
+            <a:schemeClr val="accent1"/>
+          </a:fillRef>
+          <a:effectRef idx="0">
+            <a:schemeClr val="accent1"/>
+          </a:effectRef>
+          <a:fontRef idx="minor">
+            <a:schemeClr val="lt1"/>
+          </a:fontRef>
+        </p:style>
+        <p:txBody>
+          <a:bodyPr rtlCol="0" anchor="ctr"/>
+          <a:lstStyle/>
+          <a:p>
+            <a:pPr algn="ctr"/>
+            <a:endParaRPr lang="zh-TW" altLang="en-US" dirty="0"/>
+          </a:p>
+        </p:txBody>
+      </p:sp>
+      <p:sp>
+        <p:nvSpPr>
+          <p:cNvPr id="9" name="向右箭號 6">
+            <a:extLst>
+              <a:ext uri="{FF2B5EF4-FFF2-40B4-BE49-F238E27FC236}">
+                <a16:creationId xmlns:a16="http://schemas.microsoft.com/office/drawing/2014/main" id="{EAD13984-A447-4CA3-ADA2-6FD4D4B45DA2}"/>
+              </a:ext>
+            </a:extLst>
+          </p:cNvPr>
+          <p:cNvSpPr/>
+          <p:nvPr/>
+        </p:nvSpPr>
+        <p:spPr>
+          <a:xfrm>
+            <a:off x="3059832" y="2348880"/>
+            <a:ext cx="2735997" cy="648072"/>
+          </a:xfrm>
+          <a:prstGeom prst="rightArrow">
+            <a:avLst/>
+          </a:prstGeom>
+          <a:solidFill>
+            <a:srgbClr val="FF0000"/>
+          </a:solidFill>
+          <a:ln>
+            <a:noFill/>
+          </a:ln>
+        </p:spPr>
+        <p:style>
+          <a:lnRef idx="2">
+            <a:schemeClr val="accent1">
+              <a:shade val="50000"/>
+            </a:schemeClr>
+          </a:lnRef>
+          <a:fillRef idx="1">
+            <a:schemeClr val="accent1"/>
+          </a:fillRef>
+          <a:effectRef idx="0">
+            <a:schemeClr val="accent1"/>
+          </a:effectRef>
+          <a:fontRef idx="minor">
+            <a:schemeClr val="lt1"/>
+          </a:fontRef>
+        </p:style>
+        <p:txBody>
+          <a:bodyPr rtlCol="0" anchor="ctr"/>
+          <a:lstStyle/>
+          <a:p>
+            <a:pPr algn="ctr"/>
+            <a:endParaRPr lang="zh-TW" altLang="en-US"/>
+          </a:p>
+        </p:txBody>
+      </p:sp>
+      <p:sp>
+        <p:nvSpPr>
+          <p:cNvPr id="10" name="文字方塊 9">
+            <a:extLst>
+              <a:ext uri="{FF2B5EF4-FFF2-40B4-BE49-F238E27FC236}">
+                <a16:creationId xmlns:a16="http://schemas.microsoft.com/office/drawing/2014/main" id="{2B112DF4-6621-4377-BC64-494DE628C97F}"/>
+              </a:ext>
+            </a:extLst>
+          </p:cNvPr>
+          <p:cNvSpPr txBox="1"/>
+          <p:nvPr/>
+        </p:nvSpPr>
+        <p:spPr>
+          <a:xfrm>
+            <a:off x="6012160" y="2434389"/>
+            <a:ext cx="2867415" cy="477054"/>
+          </a:xfrm>
+          <a:prstGeom prst="rect">
+            <a:avLst/>
+          </a:prstGeom>
+          <a:noFill/>
+        </p:spPr>
+        <p:txBody>
+          <a:bodyPr wrap="square" rtlCol="0">
+            <a:spAutoFit/>
+          </a:bodyPr>
+          <a:lstStyle/>
+          <a:p>
+            <a:r>
+              <a:rPr lang="zh-TW" altLang="en-US" sz="2500" dirty="0">
+                <a:solidFill>
+                  <a:srgbClr val="0070C0"/>
+                </a:solidFill>
+                <a:latin typeface="微軟正黑體" panose="020B0604030504040204" pitchFamily="34" charset="-120"/>
+                <a:ea typeface="微軟正黑體" panose="020B0604030504040204" pitchFamily="34" charset="-120"/>
+              </a:rPr>
+              <a:t>替</a:t>
+            </a:r>
+            <a:r>
+              <a:rPr lang="en-US" altLang="zh-TW" sz="2500" dirty="0">
+                <a:solidFill>
+                  <a:srgbClr val="0070C0"/>
+                </a:solidFill>
+                <a:latin typeface="微軟正黑體" panose="020B0604030504040204" pitchFamily="34" charset="-120"/>
+                <a:ea typeface="微軟正黑體" panose="020B0604030504040204" pitchFamily="34" charset="-120"/>
+              </a:rPr>
+              <a:t>table</a:t>
+            </a:r>
+            <a:r>
+              <a:rPr lang="zh-TW" altLang="en-US" sz="2500" dirty="0">
+                <a:solidFill>
+                  <a:srgbClr val="0070C0"/>
+                </a:solidFill>
+                <a:latin typeface="微軟正黑體" panose="020B0604030504040204" pitchFamily="34" charset="-120"/>
+                <a:ea typeface="微軟正黑體" panose="020B0604030504040204" pitchFamily="34" charset="-120"/>
+              </a:rPr>
+              <a:t>與</a:t>
+            </a:r>
+            <a:r>
+              <a:rPr lang="en-US" altLang="zh-TW" sz="2500" dirty="0">
+                <a:solidFill>
+                  <a:srgbClr val="0070C0"/>
+                </a:solidFill>
+                <a:latin typeface="微軟正黑體" panose="020B0604030504040204" pitchFamily="34" charset="-120"/>
+                <a:ea typeface="微軟正黑體" panose="020B0604030504040204" pitchFamily="34" charset="-120"/>
+              </a:rPr>
+              <a:t>td</a:t>
+            </a:r>
+            <a:r>
+              <a:rPr lang="zh-TW" altLang="en-US" sz="2500" dirty="0">
+                <a:solidFill>
+                  <a:srgbClr val="0070C0"/>
+                </a:solidFill>
+                <a:latin typeface="微軟正黑體" panose="020B0604030504040204" pitchFamily="34" charset="-120"/>
+                <a:ea typeface="微軟正黑體" panose="020B0604030504040204" pitchFamily="34" charset="-120"/>
+              </a:rPr>
+              <a:t>加框線</a:t>
+            </a:r>
+          </a:p>
+        </p:txBody>
+      </p:sp>
+      <p:pic>
+        <p:nvPicPr>
+          <p:cNvPr id="4" name="圖片 3">
+            <a:extLst>
+              <a:ext uri="{FF2B5EF4-FFF2-40B4-BE49-F238E27FC236}">
+                <a16:creationId xmlns:a16="http://schemas.microsoft.com/office/drawing/2014/main" id="{209AB9FC-7664-4D43-A095-2D65AFAAF8DC}"/>
+              </a:ext>
+            </a:extLst>
+          </p:cNvPr>
+          <p:cNvPicPr>
+            <a:picLocks noChangeAspect="1"/>
+          </p:cNvPicPr>
+          <p:nvPr/>
+        </p:nvPicPr>
+        <p:blipFill>
+          <a:blip r:embed="rId4"/>
+          <a:stretch>
+            <a:fillRect/>
+          </a:stretch>
+        </p:blipFill>
+        <p:spPr>
+          <a:xfrm>
+            <a:off x="4441315" y="3405229"/>
+            <a:ext cx="4109716" cy="2511493"/>
+          </a:xfrm>
+          <a:prstGeom prst="rect">
+            <a:avLst/>
+          </a:prstGeom>
+        </p:spPr>
+      </p:pic>
+    </p:spTree>
+    <p:extLst>
+      <p:ext uri="{BB962C8B-B14F-4D97-AF65-F5344CB8AC3E}">
+        <p14:creationId xmlns:p14="http://schemas.microsoft.com/office/powerpoint/2010/main" val="3717602966"/>
+      </p:ext>
+    </p:extLst>
+  </p:cSld>
+  <p:clrMapOvr>
+    <a:masterClrMapping/>
+  </p:clrMapOvr>
+  <p:timing>
+    <p:tnLst>
+      <p:par>
+        <p:cTn id="1" dur="indefinite" restart="never" nodeType="tmRoot">
+          <p:childTnLst>
+            <p:seq concurrent="1" nextAc="seek">
+              <p:cTn id="2" dur="indefinite" nodeType="mainSeq">
+                <p:childTnLst>
+                  <p:par>
+                    <p:cTn id="3" fill="hold">
+                      <p:stCondLst>
+                        <p:cond delay="indefinite"/>
+                      </p:stCondLst>
+                      <p:childTnLst>
+                        <p:par>
+                          <p:cTn id="4" fill="hold">
+                            <p:stCondLst>
+                              <p:cond delay="0"/>
+                            </p:stCondLst>
+                            <p:childTnLst>
+                              <p:par>
+                                <p:cTn id="5" presetID="1" presetClass="entr" presetSubtype="0" fill="hold" grpId="0" nodeType="clickEffect">
+                                  <p:stCondLst>
+                                    <p:cond delay="0"/>
+                                  </p:stCondLst>
+                                  <p:childTnLst>
+                                    <p:set>
+                                      <p:cBhvr>
+                                        <p:cTn id="6" dur="1" fill="hold">
+                                          <p:stCondLst>
+                                            <p:cond delay="0"/>
+                                          </p:stCondLst>
+                                        </p:cTn>
+                                        <p:tgtEl>
+                                          <p:spTgt spid="6"/>
+                                        </p:tgtEl>
+                                        <p:attrNameLst>
+                                          <p:attrName>style.visibility</p:attrName>
+                                        </p:attrNameLst>
+                                      </p:cBhvr>
+                                      <p:to>
+                                        <p:strVal val="visible"/>
+                                      </p:to>
+                                    </p:set>
+                                  </p:childTnLst>
+                                </p:cTn>
+                              </p:par>
+                              <p:par>
+                                <p:cTn id="7" presetID="1" presetClass="entr" presetSubtype="0" fill="hold" grpId="0" nodeType="withEffect">
+                                  <p:stCondLst>
+                                    <p:cond delay="0"/>
+                                  </p:stCondLst>
+                                  <p:childTnLst>
+                                    <p:set>
+                                      <p:cBhvr>
+                                        <p:cTn id="8" dur="1" fill="hold">
+                                          <p:stCondLst>
+                                            <p:cond delay="0"/>
+                                          </p:stCondLst>
+                                        </p:cTn>
+                                        <p:tgtEl>
+                                          <p:spTgt spid="9"/>
+                                        </p:tgtEl>
+                                        <p:attrNameLst>
+                                          <p:attrName>style.visibility</p:attrName>
+                                        </p:attrNameLst>
+                                      </p:cBhvr>
+                                      <p:to>
+                                        <p:strVal val="visible"/>
+                                      </p:to>
+                                    </p:set>
+                                  </p:childTnLst>
+                                </p:cTn>
+                              </p:par>
+                              <p:par>
+                                <p:cTn id="9" presetID="1" presetClass="entr" presetSubtype="0" fill="hold" grpId="0" nodeType="withEffect">
+                                  <p:stCondLst>
+                                    <p:cond delay="0"/>
+                                  </p:stCondLst>
+                                  <p:childTnLst>
+                                    <p:set>
+                                      <p:cBhvr>
+                                        <p:cTn id="10" dur="1" fill="hold">
+                                          <p:stCondLst>
+                                            <p:cond delay="0"/>
+                                          </p:stCondLst>
+                                        </p:cTn>
+                                        <p:tgtEl>
+                                          <p:spTgt spid="10"/>
+                                        </p:tgtEl>
+                                        <p:attrNameLst>
+                                          <p:attrName>style.visibility</p:attrName>
+                                        </p:attrNameLst>
+                                      </p:cBhvr>
+                                      <p:to>
+                                        <p:strVal val="visible"/>
+                                      </p:to>
+                                    </p:set>
+                                  </p:childTnLst>
+                                </p:cTn>
+                              </p:par>
+                            </p:childTnLst>
+                          </p:cTn>
+                        </p:par>
+                      </p:childTnLst>
+                    </p:cTn>
+                  </p:par>
+                </p:childTnLst>
+              </p:cTn>
+              <p:prevCondLst>
+                <p:cond evt="onPrev" delay="0">
+                  <p:tgtEl>
+                    <p:sldTgt/>
+                  </p:tgtEl>
+                </p:cond>
+              </p:prevCondLst>
+              <p:nextCondLst>
+                <p:cond evt="onNext" delay="0">
+                  <p:tgtEl>
+                    <p:sldTgt/>
+                  </p:tgtEl>
+                </p:cond>
+              </p:nextCondLst>
+            </p:seq>
+          </p:childTnLst>
+        </p:cTn>
+      </p:par>
+    </p:tnLst>
+    <p:bldLst>
+      <p:bldP spid="6" grpId="0" animBg="1"/>
+      <p:bldP spid="9" grpId="0" animBg="1"/>
+      <p:bldP spid="10" grpId="0"/>
+    </p:bldLst>
+  </p:timing>
+</p:sld>
+</file>
+
+<file path=ppt/slides/slide37.xml><?xml version="1.0" encoding="utf-8"?>
+<p:sld xmlns:a="http://schemas.openxmlformats.org/drawingml/2006/main" xmlns:r="http://schemas.openxmlformats.org/officeDocument/2006/relationships" xmlns:p="http://schemas.openxmlformats.org/presentationml/2006/main">
+  <p:cSld>
+    <p:spTree>
+      <p:nvGrpSpPr>
+        <p:cNvPr id="1" name=""/>
+        <p:cNvGrpSpPr/>
+        <p:nvPr/>
+      </p:nvGrpSpPr>
+      <p:grpSpPr>
+        <a:xfrm>
+          <a:off x="0" y="0"/>
+          <a:ext cx="0" cy="0"/>
+          <a:chOff x="0" y="0"/>
+          <a:chExt cx="0" cy="0"/>
+        </a:xfrm>
+      </p:grpSpPr>
+      <p:sp>
+        <p:nvSpPr>
+          <p:cNvPr id="2" name="標題 1"/>
+          <p:cNvSpPr>
+            <a:spLocks noGrp="1"/>
+          </p:cNvSpPr>
+          <p:nvPr>
+            <p:ph type="title"/>
+          </p:nvPr>
+        </p:nvSpPr>
+        <p:spPr>
+          <a:xfrm>
+            <a:off x="0" y="1"/>
+            <a:ext cx="9144000" cy="836712"/>
+          </a:xfrm>
+        </p:spPr>
+        <p:txBody>
+          <a:bodyPr anchor="b">
+            <a:normAutofit/>
+          </a:bodyPr>
+          <a:lstStyle/>
+          <a:p>
+            <a:pPr algn="ctr"/>
+            <a:r>
+              <a:rPr lang="zh-TW" altLang="en-US" sz="4000" dirty="0">
+                <a:solidFill>
+                  <a:srgbClr val="0070C0"/>
+                </a:solidFill>
+                <a:latin typeface="微軟正黑體" panose="020B0604030504040204" pitchFamily="34" charset="-120"/>
+                <a:ea typeface="微軟正黑體" panose="020B0604030504040204" pitchFamily="34" charset="-120"/>
+              </a:rPr>
+              <a:t>排版表格</a:t>
+            </a:r>
+          </a:p>
+        </p:txBody>
+      </p:sp>
+      <p:pic>
+        <p:nvPicPr>
+          <p:cNvPr id="3" name="圖片 2">
+            <a:extLst>
+              <a:ext uri="{FF2B5EF4-FFF2-40B4-BE49-F238E27FC236}">
+                <a16:creationId xmlns:a16="http://schemas.microsoft.com/office/drawing/2014/main" id="{89D34367-FC3B-4BDB-B431-752D1C105C46}"/>
+              </a:ext>
+            </a:extLst>
+          </p:cNvPr>
+          <p:cNvPicPr>
+            <a:picLocks noChangeAspect="1"/>
+          </p:cNvPicPr>
+          <p:nvPr/>
+        </p:nvPicPr>
+        <p:blipFill>
+          <a:blip r:embed="rId3">
+            <a:extLst>
+              <a:ext uri="{28A0092B-C50C-407E-A947-70E740481C1C}">
+                <a14:useLocalDpi xmlns:a14="http://schemas.microsoft.com/office/drawing/2010/main" val="0"/>
+              </a:ext>
+            </a:extLst>
+          </a:blip>
+          <a:stretch>
+            <a:fillRect/>
+          </a:stretch>
+        </p:blipFill>
+        <p:spPr>
+          <a:xfrm>
+            <a:off x="1" y="1888995"/>
+            <a:ext cx="4772182" cy="3052174"/>
+          </a:xfrm>
+          <a:prstGeom prst="rect">
+            <a:avLst/>
+          </a:prstGeom>
+        </p:spPr>
+      </p:pic>
+      <p:sp>
+        <p:nvSpPr>
+          <p:cNvPr id="6" name="矩形 5">
+            <a:extLst>
+              <a:ext uri="{FF2B5EF4-FFF2-40B4-BE49-F238E27FC236}">
+                <a16:creationId xmlns:a16="http://schemas.microsoft.com/office/drawing/2014/main" id="{B37EDDBE-A26C-4D18-BA67-F831D1BF96FC}"/>
+              </a:ext>
+            </a:extLst>
+          </p:cNvPr>
+          <p:cNvSpPr/>
+          <p:nvPr/>
+        </p:nvSpPr>
+        <p:spPr>
+          <a:xfrm>
+            <a:off x="1115616" y="2813575"/>
+            <a:ext cx="3528392" cy="428842"/>
+          </a:xfrm>
+          <a:prstGeom prst="rect">
+            <a:avLst/>
+          </a:prstGeom>
+          <a:noFill/>
+          <a:ln w="57150">
+            <a:solidFill>
+              <a:srgbClr val="FF0000"/>
+            </a:solidFill>
+          </a:ln>
+        </p:spPr>
+        <p:style>
+          <a:lnRef idx="2">
+            <a:schemeClr val="accent1">
+              <a:shade val="50000"/>
+            </a:schemeClr>
+          </a:lnRef>
+          <a:fillRef idx="1">
+            <a:schemeClr val="accent1"/>
+          </a:fillRef>
+          <a:effectRef idx="0">
+            <a:schemeClr val="accent1"/>
+          </a:effectRef>
+          <a:fontRef idx="minor">
+            <a:schemeClr val="lt1"/>
+          </a:fontRef>
+        </p:style>
+        <p:txBody>
+          <a:bodyPr rtlCol="0" anchor="ctr"/>
+          <a:lstStyle/>
+          <a:p>
+            <a:pPr algn="ctr"/>
+            <a:endParaRPr lang="zh-TW" altLang="en-US" dirty="0"/>
+          </a:p>
+        </p:txBody>
+      </p:sp>
+      <p:sp>
+        <p:nvSpPr>
+          <p:cNvPr id="9" name="向右箭號 6">
+            <a:extLst>
+              <a:ext uri="{FF2B5EF4-FFF2-40B4-BE49-F238E27FC236}">
+                <a16:creationId xmlns:a16="http://schemas.microsoft.com/office/drawing/2014/main" id="{EAD13984-A447-4CA3-ADA2-6FD4D4B45DA2}"/>
+              </a:ext>
+            </a:extLst>
+          </p:cNvPr>
+          <p:cNvSpPr/>
+          <p:nvPr/>
+        </p:nvSpPr>
+        <p:spPr>
+          <a:xfrm>
+            <a:off x="4647409" y="2679854"/>
+            <a:ext cx="576064" cy="648072"/>
+          </a:xfrm>
+          <a:prstGeom prst="rightArrow">
+            <a:avLst/>
+          </a:prstGeom>
+          <a:solidFill>
+            <a:srgbClr val="FF0000"/>
+          </a:solidFill>
+          <a:ln>
+            <a:noFill/>
+          </a:ln>
+        </p:spPr>
+        <p:style>
+          <a:lnRef idx="2">
+            <a:schemeClr val="accent1">
+              <a:shade val="50000"/>
+            </a:schemeClr>
+          </a:lnRef>
+          <a:fillRef idx="1">
+            <a:schemeClr val="accent1"/>
+          </a:fillRef>
+          <a:effectRef idx="0">
+            <a:schemeClr val="accent1"/>
+          </a:effectRef>
+          <a:fontRef idx="minor">
+            <a:schemeClr val="lt1"/>
+          </a:fontRef>
+        </p:style>
+        <p:txBody>
+          <a:bodyPr rtlCol="0" anchor="ctr"/>
+          <a:lstStyle/>
+          <a:p>
+            <a:pPr algn="ctr"/>
+            <a:endParaRPr lang="zh-TW" altLang="en-US"/>
+          </a:p>
+        </p:txBody>
+      </p:sp>
+      <p:sp>
+        <p:nvSpPr>
+          <p:cNvPr id="10" name="文字方塊 9">
+            <a:extLst>
+              <a:ext uri="{FF2B5EF4-FFF2-40B4-BE49-F238E27FC236}">
+                <a16:creationId xmlns:a16="http://schemas.microsoft.com/office/drawing/2014/main" id="{2B112DF4-6621-4377-BC64-494DE628C97F}"/>
+              </a:ext>
+            </a:extLst>
+          </p:cNvPr>
+          <p:cNvSpPr txBox="1"/>
+          <p:nvPr/>
+        </p:nvSpPr>
+        <p:spPr>
+          <a:xfrm>
+            <a:off x="5223475" y="2789469"/>
+            <a:ext cx="3920525" cy="477054"/>
+          </a:xfrm>
+          <a:prstGeom prst="rect">
+            <a:avLst/>
+          </a:prstGeom>
+          <a:noFill/>
+        </p:spPr>
+        <p:txBody>
+          <a:bodyPr wrap="square" rtlCol="0">
+            <a:spAutoFit/>
+          </a:bodyPr>
+          <a:lstStyle/>
+          <a:p>
+            <a:r>
+              <a:rPr lang="zh-TW" altLang="en-US" sz="2500" dirty="0">
+                <a:solidFill>
+                  <a:srgbClr val="0070C0"/>
+                </a:solidFill>
+                <a:latin typeface="微軟正黑體" panose="020B0604030504040204" pitchFamily="34" charset="-120"/>
+                <a:ea typeface="微軟正黑體" panose="020B0604030504040204" pitchFamily="34" charset="-120"/>
+              </a:rPr>
+              <a:t>將</a:t>
+            </a:r>
+            <a:r>
+              <a:rPr lang="en-US" altLang="zh-TW" sz="2500" dirty="0">
+                <a:solidFill>
+                  <a:srgbClr val="0070C0"/>
+                </a:solidFill>
+                <a:latin typeface="微軟正黑體" panose="020B0604030504040204" pitchFamily="34" charset="-120"/>
+                <a:ea typeface="微軟正黑體" panose="020B0604030504040204" pitchFamily="34" charset="-120"/>
+              </a:rPr>
+              <a:t>table</a:t>
+            </a:r>
+            <a:r>
+              <a:rPr lang="zh-TW" altLang="en-US" sz="2500" dirty="0">
+                <a:solidFill>
+                  <a:srgbClr val="0070C0"/>
+                </a:solidFill>
+                <a:latin typeface="微軟正黑體" panose="020B0604030504040204" pitchFamily="34" charset="-120"/>
+                <a:ea typeface="微軟正黑體" panose="020B0604030504040204" pitchFamily="34" charset="-120"/>
+              </a:rPr>
+              <a:t>框線與</a:t>
+            </a:r>
+            <a:r>
+              <a:rPr lang="en-US" altLang="zh-TW" sz="2500" dirty="0">
+                <a:solidFill>
+                  <a:srgbClr val="0070C0"/>
+                </a:solidFill>
+                <a:latin typeface="微軟正黑體" panose="020B0604030504040204" pitchFamily="34" charset="-120"/>
+                <a:ea typeface="微軟正黑體" panose="020B0604030504040204" pitchFamily="34" charset="-120"/>
+              </a:rPr>
+              <a:t>td</a:t>
+            </a:r>
+            <a:r>
+              <a:rPr lang="zh-TW" altLang="en-US" sz="2500" dirty="0">
+                <a:solidFill>
+                  <a:srgbClr val="0070C0"/>
+                </a:solidFill>
+                <a:latin typeface="微軟正黑體" panose="020B0604030504040204" pitchFamily="34" charset="-120"/>
+                <a:ea typeface="微軟正黑體" panose="020B0604030504040204" pitchFamily="34" charset="-120"/>
+              </a:rPr>
+              <a:t>框線</a:t>
+            </a:r>
+            <a:r>
+              <a:rPr lang="zh-TW" altLang="en-US" sz="2500" dirty="0">
+                <a:solidFill>
+                  <a:srgbClr val="FF0000"/>
+                </a:solidFill>
+                <a:latin typeface="微軟正黑體" panose="020B0604030504040204" pitchFamily="34" charset="-120"/>
+                <a:ea typeface="微軟正黑體" panose="020B0604030504040204" pitchFamily="34" charset="-120"/>
+              </a:rPr>
+              <a:t>合併</a:t>
+            </a:r>
+          </a:p>
+        </p:txBody>
+      </p:sp>
+      <p:pic>
+        <p:nvPicPr>
+          <p:cNvPr id="4" name="圖片 3">
+            <a:extLst>
+              <a:ext uri="{FF2B5EF4-FFF2-40B4-BE49-F238E27FC236}">
+                <a16:creationId xmlns:a16="http://schemas.microsoft.com/office/drawing/2014/main" id="{9BD320F4-76CB-49F1-AB71-C3BC47C76819}"/>
+              </a:ext>
+            </a:extLst>
+          </p:cNvPr>
+          <p:cNvPicPr>
+            <a:picLocks noChangeAspect="1"/>
+          </p:cNvPicPr>
+          <p:nvPr/>
+        </p:nvPicPr>
+        <p:blipFill>
+          <a:blip r:embed="rId4"/>
+          <a:stretch>
+            <a:fillRect/>
+          </a:stretch>
+        </p:blipFill>
+        <p:spPr>
+          <a:xfrm>
+            <a:off x="4935441" y="3591478"/>
+            <a:ext cx="4007508" cy="2330607"/>
+          </a:xfrm>
+          <a:prstGeom prst="rect">
+            <a:avLst/>
+          </a:prstGeom>
+        </p:spPr>
+      </p:pic>
+    </p:spTree>
+    <p:extLst>
+      <p:ext uri="{BB962C8B-B14F-4D97-AF65-F5344CB8AC3E}">
+        <p14:creationId xmlns:p14="http://schemas.microsoft.com/office/powerpoint/2010/main" val="4233566963"/>
+      </p:ext>
+    </p:extLst>
+  </p:cSld>
+  <p:clrMapOvr>
+    <a:masterClrMapping/>
+  </p:clrMapOvr>
+  <p:timing>
+    <p:tnLst>
+      <p:par>
+        <p:cTn id="1" dur="indefinite" restart="never" nodeType="tmRoot">
+          <p:childTnLst>
+            <p:seq concurrent="1" nextAc="seek">
+              <p:cTn id="2" dur="indefinite" nodeType="mainSeq">
+                <p:childTnLst>
+                  <p:par>
+                    <p:cTn id="3" fill="hold">
+                      <p:stCondLst>
+                        <p:cond delay="indefinite"/>
+                      </p:stCondLst>
+                      <p:childTnLst>
+                        <p:par>
+                          <p:cTn id="4" fill="hold">
+                            <p:stCondLst>
+                              <p:cond delay="0"/>
+                            </p:stCondLst>
+                            <p:childTnLst>
+                              <p:par>
+                                <p:cTn id="5" presetID="1" presetClass="entr" presetSubtype="0" fill="hold" grpId="0" nodeType="clickEffect">
+                                  <p:stCondLst>
+                                    <p:cond delay="0"/>
+                                  </p:stCondLst>
+                                  <p:childTnLst>
+                                    <p:set>
+                                      <p:cBhvr>
+                                        <p:cTn id="6" dur="1" fill="hold">
+                                          <p:stCondLst>
+                                            <p:cond delay="0"/>
+                                          </p:stCondLst>
+                                        </p:cTn>
+                                        <p:tgtEl>
+                                          <p:spTgt spid="6"/>
+                                        </p:tgtEl>
+                                        <p:attrNameLst>
+                                          <p:attrName>style.visibility</p:attrName>
+                                        </p:attrNameLst>
+                                      </p:cBhvr>
+                                      <p:to>
+                                        <p:strVal val="visible"/>
+                                      </p:to>
+                                    </p:set>
+                                  </p:childTnLst>
+                                </p:cTn>
+                              </p:par>
+                              <p:par>
+                                <p:cTn id="7" presetID="1" presetClass="entr" presetSubtype="0" fill="hold" grpId="0" nodeType="withEffect">
+                                  <p:stCondLst>
+                                    <p:cond delay="0"/>
+                                  </p:stCondLst>
+                                  <p:childTnLst>
+                                    <p:set>
+                                      <p:cBhvr>
+                                        <p:cTn id="8" dur="1" fill="hold">
+                                          <p:stCondLst>
+                                            <p:cond delay="0"/>
+                                          </p:stCondLst>
+                                        </p:cTn>
+                                        <p:tgtEl>
+                                          <p:spTgt spid="9"/>
+                                        </p:tgtEl>
+                                        <p:attrNameLst>
+                                          <p:attrName>style.visibility</p:attrName>
+                                        </p:attrNameLst>
+                                      </p:cBhvr>
+                                      <p:to>
+                                        <p:strVal val="visible"/>
+                                      </p:to>
+                                    </p:set>
+                                  </p:childTnLst>
+                                </p:cTn>
+                              </p:par>
+                              <p:par>
+                                <p:cTn id="9" presetID="1" presetClass="entr" presetSubtype="0" fill="hold" grpId="0" nodeType="withEffect">
+                                  <p:stCondLst>
+                                    <p:cond delay="0"/>
+                                  </p:stCondLst>
+                                  <p:childTnLst>
+                                    <p:set>
+                                      <p:cBhvr>
+                                        <p:cTn id="10" dur="1" fill="hold">
+                                          <p:stCondLst>
+                                            <p:cond delay="0"/>
+                                          </p:stCondLst>
+                                        </p:cTn>
+                                        <p:tgtEl>
+                                          <p:spTgt spid="10"/>
+                                        </p:tgtEl>
+                                        <p:attrNameLst>
+                                          <p:attrName>style.visibility</p:attrName>
+                                        </p:attrNameLst>
+                                      </p:cBhvr>
+                                      <p:to>
+                                        <p:strVal val="visible"/>
+                                      </p:to>
+                                    </p:set>
+                                  </p:childTnLst>
+                                </p:cTn>
+                              </p:par>
+                            </p:childTnLst>
+                          </p:cTn>
+                        </p:par>
+                      </p:childTnLst>
+                    </p:cTn>
+                  </p:par>
+                </p:childTnLst>
+              </p:cTn>
+              <p:prevCondLst>
+                <p:cond evt="onPrev" delay="0">
+                  <p:tgtEl>
+                    <p:sldTgt/>
+                  </p:tgtEl>
+                </p:cond>
+              </p:prevCondLst>
+              <p:nextCondLst>
+                <p:cond evt="onNext" delay="0">
+                  <p:tgtEl>
+                    <p:sldTgt/>
+                  </p:tgtEl>
+                </p:cond>
+              </p:nextCondLst>
+            </p:seq>
+          </p:childTnLst>
+        </p:cTn>
+      </p:par>
+    </p:tnLst>
+    <p:bldLst>
+      <p:bldP spid="6" grpId="0" animBg="1"/>
+      <p:bldP spid="9" grpId="0" animBg="1"/>
+      <p:bldP spid="10" grpId="0"/>
+    </p:bldLst>
+  </p:timing>
+</p:sld>
+</file>
+
+<file path=ppt/slides/slide38.xml><?xml version="1.0" encoding="utf-8"?>
+<p:sld xmlns:a="http://schemas.openxmlformats.org/drawingml/2006/main" xmlns:r="http://schemas.openxmlformats.org/officeDocument/2006/relationships" xmlns:p="http://schemas.openxmlformats.org/presentationml/2006/main">
+  <p:cSld>
+    <p:spTree>
+      <p:nvGrpSpPr>
+        <p:cNvPr id="1" name=""/>
+        <p:cNvGrpSpPr/>
+        <p:nvPr/>
+      </p:nvGrpSpPr>
+      <p:grpSpPr>
+        <a:xfrm>
+          <a:off x="0" y="0"/>
+          <a:ext cx="0" cy="0"/>
+          <a:chOff x="0" y="0"/>
+          <a:chExt cx="0" cy="0"/>
+        </a:xfrm>
+      </p:grpSpPr>
+      <p:sp>
+        <p:nvSpPr>
+          <p:cNvPr id="2" name="標題 1"/>
+          <p:cNvSpPr>
+            <a:spLocks noGrp="1"/>
+          </p:cNvSpPr>
+          <p:nvPr>
+            <p:ph type="title"/>
+          </p:nvPr>
+        </p:nvSpPr>
+        <p:spPr>
+          <a:xfrm>
+            <a:off x="0" y="1"/>
+            <a:ext cx="9144000" cy="836712"/>
+          </a:xfrm>
+        </p:spPr>
+        <p:txBody>
+          <a:bodyPr anchor="b">
+            <a:normAutofit/>
+          </a:bodyPr>
+          <a:lstStyle/>
+          <a:p>
+            <a:pPr algn="ctr"/>
+            <a:r>
+              <a:rPr lang="zh-TW" altLang="en-US" sz="4000" dirty="0">
+                <a:solidFill>
+                  <a:srgbClr val="0070C0"/>
+                </a:solidFill>
+                <a:latin typeface="微軟正黑體" panose="020B0604030504040204" pitchFamily="34" charset="-120"/>
+                <a:ea typeface="微軟正黑體" panose="020B0604030504040204" pitchFamily="34" charset="-120"/>
+              </a:rPr>
+              <a:t>排版表格</a:t>
+            </a:r>
+          </a:p>
+        </p:txBody>
+      </p:sp>
+      <p:pic>
+        <p:nvPicPr>
+          <p:cNvPr id="3" name="圖片 2">
+            <a:extLst>
+              <a:ext uri="{FF2B5EF4-FFF2-40B4-BE49-F238E27FC236}">
+                <a16:creationId xmlns:a16="http://schemas.microsoft.com/office/drawing/2014/main" id="{89D34367-FC3B-4BDB-B431-752D1C105C46}"/>
+              </a:ext>
+            </a:extLst>
+          </p:cNvPr>
+          <p:cNvPicPr>
+            <a:picLocks noChangeAspect="1"/>
+          </p:cNvPicPr>
+          <p:nvPr/>
+        </p:nvPicPr>
+        <p:blipFill>
+          <a:blip r:embed="rId3">
+            <a:extLst>
+              <a:ext uri="{28A0092B-C50C-407E-A947-70E740481C1C}">
+                <a14:useLocalDpi xmlns:a14="http://schemas.microsoft.com/office/drawing/2010/main" val="0"/>
+              </a:ext>
+            </a:extLst>
+          </a:blip>
+          <a:stretch>
+            <a:fillRect/>
+          </a:stretch>
+        </p:blipFill>
+        <p:spPr>
+          <a:xfrm>
+            <a:off x="0" y="908720"/>
+            <a:ext cx="4527285" cy="3226720"/>
+          </a:xfrm>
+          <a:prstGeom prst="rect">
+            <a:avLst/>
+          </a:prstGeom>
+        </p:spPr>
+      </p:pic>
+      <p:sp>
+        <p:nvSpPr>
+          <p:cNvPr id="6" name="矩形 5">
+            <a:extLst>
+              <a:ext uri="{FF2B5EF4-FFF2-40B4-BE49-F238E27FC236}">
+                <a16:creationId xmlns:a16="http://schemas.microsoft.com/office/drawing/2014/main" id="{B37EDDBE-A26C-4D18-BA67-F831D1BF96FC}"/>
+              </a:ext>
+            </a:extLst>
+          </p:cNvPr>
+          <p:cNvSpPr/>
+          <p:nvPr/>
+        </p:nvSpPr>
+        <p:spPr>
+          <a:xfrm>
+            <a:off x="982668" y="2199274"/>
+            <a:ext cx="2077164" cy="322923"/>
+          </a:xfrm>
+          <a:prstGeom prst="rect">
+            <a:avLst/>
+          </a:prstGeom>
+          <a:noFill/>
+          <a:ln w="57150">
+            <a:solidFill>
+              <a:srgbClr val="FF0000"/>
+            </a:solidFill>
+          </a:ln>
+        </p:spPr>
+        <p:style>
+          <a:lnRef idx="2">
+            <a:schemeClr val="accent1">
+              <a:shade val="50000"/>
+            </a:schemeClr>
+          </a:lnRef>
+          <a:fillRef idx="1">
+            <a:schemeClr val="accent1"/>
+          </a:fillRef>
+          <a:effectRef idx="0">
+            <a:schemeClr val="accent1"/>
+          </a:effectRef>
+          <a:fontRef idx="minor">
+            <a:schemeClr val="lt1"/>
+          </a:fontRef>
+        </p:style>
+        <p:txBody>
+          <a:bodyPr rtlCol="0" anchor="ctr"/>
+          <a:lstStyle/>
+          <a:p>
+            <a:pPr algn="ctr"/>
+            <a:endParaRPr lang="zh-TW" altLang="en-US" dirty="0"/>
+          </a:p>
+        </p:txBody>
+      </p:sp>
+      <p:sp>
+        <p:nvSpPr>
+          <p:cNvPr id="9" name="向右箭號 6">
+            <a:extLst>
+              <a:ext uri="{FF2B5EF4-FFF2-40B4-BE49-F238E27FC236}">
+                <a16:creationId xmlns:a16="http://schemas.microsoft.com/office/drawing/2014/main" id="{EAD13984-A447-4CA3-ADA2-6FD4D4B45DA2}"/>
+              </a:ext>
+            </a:extLst>
+          </p:cNvPr>
+          <p:cNvSpPr/>
+          <p:nvPr/>
+        </p:nvSpPr>
+        <p:spPr>
+          <a:xfrm>
+            <a:off x="3028161" y="2199274"/>
+            <a:ext cx="1588555" cy="325149"/>
+          </a:xfrm>
+          <a:prstGeom prst="rightArrow">
+            <a:avLst/>
+          </a:prstGeom>
+          <a:solidFill>
+            <a:srgbClr val="FF0000"/>
+          </a:solidFill>
+          <a:ln>
+            <a:noFill/>
+          </a:ln>
+        </p:spPr>
+        <p:style>
+          <a:lnRef idx="2">
+            <a:schemeClr val="accent1">
+              <a:shade val="50000"/>
+            </a:schemeClr>
+          </a:lnRef>
+          <a:fillRef idx="1">
+            <a:schemeClr val="accent1"/>
+          </a:fillRef>
+          <a:effectRef idx="0">
+            <a:schemeClr val="accent1"/>
+          </a:effectRef>
+          <a:fontRef idx="minor">
+            <a:schemeClr val="lt1"/>
+          </a:fontRef>
+        </p:style>
+        <p:txBody>
+          <a:bodyPr rtlCol="0" anchor="ctr"/>
+          <a:lstStyle/>
+          <a:p>
+            <a:pPr algn="ctr"/>
+            <a:endParaRPr lang="zh-TW" altLang="en-US"/>
+          </a:p>
+        </p:txBody>
+      </p:sp>
+      <p:sp>
+        <p:nvSpPr>
+          <p:cNvPr id="10" name="文字方塊 9">
+            <a:extLst>
+              <a:ext uri="{FF2B5EF4-FFF2-40B4-BE49-F238E27FC236}">
+                <a16:creationId xmlns:a16="http://schemas.microsoft.com/office/drawing/2014/main" id="{2B112DF4-6621-4377-BC64-494DE628C97F}"/>
+              </a:ext>
+            </a:extLst>
+          </p:cNvPr>
+          <p:cNvSpPr txBox="1"/>
+          <p:nvPr/>
+        </p:nvSpPr>
+        <p:spPr>
+          <a:xfrm>
+            <a:off x="4701947" y="2124753"/>
+            <a:ext cx="1588556" cy="477054"/>
+          </a:xfrm>
+          <a:prstGeom prst="rect">
+            <a:avLst/>
+          </a:prstGeom>
+          <a:noFill/>
+        </p:spPr>
+        <p:txBody>
+          <a:bodyPr wrap="square" rtlCol="0">
+            <a:spAutoFit/>
+          </a:bodyPr>
+          <a:lstStyle/>
+          <a:p>
+            <a:r>
+              <a:rPr lang="zh-TW" altLang="en-US" sz="2500" dirty="0">
+                <a:solidFill>
+                  <a:srgbClr val="0070C0"/>
+                </a:solidFill>
+                <a:latin typeface="微軟正黑體" panose="020B0604030504040204" pitchFamily="34" charset="-120"/>
+                <a:ea typeface="微軟正黑體" panose="020B0604030504040204" pitchFamily="34" charset="-120"/>
+              </a:rPr>
+              <a:t>水平置中</a:t>
+            </a:r>
+          </a:p>
+        </p:txBody>
+      </p:sp>
+      <p:pic>
+        <p:nvPicPr>
+          <p:cNvPr id="7" name="圖片 6">
+            <a:extLst>
+              <a:ext uri="{FF2B5EF4-FFF2-40B4-BE49-F238E27FC236}">
+                <a16:creationId xmlns:a16="http://schemas.microsoft.com/office/drawing/2014/main" id="{BD7CAD91-9C42-4CDF-8651-349DFE7161FD}"/>
+              </a:ext>
+            </a:extLst>
+          </p:cNvPr>
+          <p:cNvPicPr>
+            <a:picLocks noChangeAspect="1"/>
+          </p:cNvPicPr>
+          <p:nvPr/>
+        </p:nvPicPr>
+        <p:blipFill>
+          <a:blip r:embed="rId4"/>
+          <a:stretch>
+            <a:fillRect/>
+          </a:stretch>
+        </p:blipFill>
+        <p:spPr>
+          <a:xfrm>
+            <a:off x="0" y="4256194"/>
+            <a:ext cx="9144000" cy="1503245"/>
+          </a:xfrm>
+          <a:prstGeom prst="rect">
+            <a:avLst/>
+          </a:prstGeom>
+        </p:spPr>
+      </p:pic>
+      <p:sp>
+        <p:nvSpPr>
+          <p:cNvPr id="11" name="文字方塊 10">
+            <a:extLst>
+              <a:ext uri="{FF2B5EF4-FFF2-40B4-BE49-F238E27FC236}">
+                <a16:creationId xmlns:a16="http://schemas.microsoft.com/office/drawing/2014/main" id="{C857ED87-19A6-4DD5-8816-EB063F970AD7}"/>
+              </a:ext>
+            </a:extLst>
+          </p:cNvPr>
+          <p:cNvSpPr txBox="1"/>
+          <p:nvPr/>
+        </p:nvSpPr>
+        <p:spPr>
+          <a:xfrm>
+            <a:off x="4720038" y="1059033"/>
+            <a:ext cx="3186154" cy="477054"/>
+          </a:xfrm>
+          <a:prstGeom prst="rect">
+            <a:avLst/>
+          </a:prstGeom>
+          <a:noFill/>
+        </p:spPr>
+        <p:txBody>
+          <a:bodyPr wrap="square" rtlCol="0">
+            <a:spAutoFit/>
+          </a:bodyPr>
+          <a:lstStyle/>
+          <a:p>
+            <a:r>
+              <a:rPr lang="en-US" altLang="zh-TW" sz="2500" dirty="0">
+                <a:solidFill>
+                  <a:srgbClr val="0070C0"/>
+                </a:solidFill>
+                <a:latin typeface="微軟正黑體" panose="020B0604030504040204" pitchFamily="34" charset="-120"/>
+                <a:ea typeface="微軟正黑體" panose="020B0604030504040204" pitchFamily="34" charset="-120"/>
+              </a:rPr>
+              <a:t>margin</a:t>
+            </a:r>
+            <a:r>
+              <a:rPr lang="zh-TW" altLang="en-US" sz="2500" dirty="0">
+                <a:solidFill>
+                  <a:srgbClr val="0070C0"/>
+                </a:solidFill>
+                <a:latin typeface="微軟正黑體" panose="020B0604030504040204" pitchFamily="34" charset="-120"/>
+                <a:ea typeface="微軟正黑體" panose="020B0604030504040204" pitchFamily="34" charset="-120"/>
+              </a:rPr>
+              <a:t>：外邊界距離</a:t>
+            </a:r>
+          </a:p>
+        </p:txBody>
+      </p:sp>
+    </p:spTree>
+    <p:extLst>
+      <p:ext uri="{BB962C8B-B14F-4D97-AF65-F5344CB8AC3E}">
+        <p14:creationId xmlns:p14="http://schemas.microsoft.com/office/powerpoint/2010/main" val="1428718569"/>
+      </p:ext>
+    </p:extLst>
+  </p:cSld>
+  <p:clrMapOvr>
+    <a:masterClrMapping/>
+  </p:clrMapOvr>
+  <p:timing>
+    <p:tnLst>
+      <p:par>
+        <p:cTn id="1" dur="indefinite" restart="never" nodeType="tmRoot">
+          <p:childTnLst>
+            <p:seq concurrent="1" nextAc="seek">
+              <p:cTn id="2" dur="indefinite" nodeType="mainSeq">
+                <p:childTnLst>
+                  <p:par>
+                    <p:cTn id="3" fill="hold">
+                      <p:stCondLst>
+                        <p:cond delay="indefinite"/>
+                      </p:stCondLst>
+                      <p:childTnLst>
+                        <p:par>
+                          <p:cTn id="4" fill="hold">
+                            <p:stCondLst>
+                              <p:cond delay="0"/>
+                            </p:stCondLst>
+                            <p:childTnLst>
+                              <p:par>
+                                <p:cTn id="5" presetID="1" presetClass="entr" presetSubtype="0" fill="hold" grpId="0" nodeType="clickEffect">
+                                  <p:stCondLst>
+                                    <p:cond delay="0"/>
+                                  </p:stCondLst>
+                                  <p:childTnLst>
+                                    <p:set>
+                                      <p:cBhvr>
+                                        <p:cTn id="6" dur="1" fill="hold">
+                                          <p:stCondLst>
+                                            <p:cond delay="0"/>
+                                          </p:stCondLst>
+                                        </p:cTn>
+                                        <p:tgtEl>
+                                          <p:spTgt spid="6"/>
+                                        </p:tgtEl>
+                                        <p:attrNameLst>
+                                          <p:attrName>style.visibility</p:attrName>
+                                        </p:attrNameLst>
+                                      </p:cBhvr>
+                                      <p:to>
+                                        <p:strVal val="visible"/>
+                                      </p:to>
+                                    </p:set>
+                                  </p:childTnLst>
+                                </p:cTn>
+                              </p:par>
+                              <p:par>
+                                <p:cTn id="7" presetID="1" presetClass="entr" presetSubtype="0" fill="hold" grpId="0" nodeType="withEffect">
+                                  <p:stCondLst>
+                                    <p:cond delay="0"/>
+                                  </p:stCondLst>
+                                  <p:childTnLst>
+                                    <p:set>
+                                      <p:cBhvr>
+                                        <p:cTn id="8" dur="1" fill="hold">
+                                          <p:stCondLst>
+                                            <p:cond delay="0"/>
+                                          </p:stCondLst>
+                                        </p:cTn>
+                                        <p:tgtEl>
+                                          <p:spTgt spid="9"/>
+                                        </p:tgtEl>
+                                        <p:attrNameLst>
+                                          <p:attrName>style.visibility</p:attrName>
+                                        </p:attrNameLst>
+                                      </p:cBhvr>
+                                      <p:to>
+                                        <p:strVal val="visible"/>
+                                      </p:to>
+                                    </p:set>
+                                  </p:childTnLst>
+                                </p:cTn>
+                              </p:par>
+                              <p:par>
+                                <p:cTn id="9" presetID="1" presetClass="entr" presetSubtype="0" fill="hold" grpId="0" nodeType="withEffect">
+                                  <p:stCondLst>
+                                    <p:cond delay="0"/>
+                                  </p:stCondLst>
+                                  <p:childTnLst>
+                                    <p:set>
+                                      <p:cBhvr>
+                                        <p:cTn id="10" dur="1" fill="hold">
+                                          <p:stCondLst>
+                                            <p:cond delay="0"/>
+                                          </p:stCondLst>
+                                        </p:cTn>
+                                        <p:tgtEl>
+                                          <p:spTgt spid="10"/>
+                                        </p:tgtEl>
+                                        <p:attrNameLst>
+                                          <p:attrName>style.visibility</p:attrName>
+                                        </p:attrNameLst>
+                                      </p:cBhvr>
+                                      <p:to>
+                                        <p:strVal val="visible"/>
+                                      </p:to>
+                                    </p:set>
+                                  </p:childTnLst>
+                                </p:cTn>
+                              </p:par>
+                              <p:par>
+                                <p:cTn id="11" presetID="1" presetClass="entr" presetSubtype="0" fill="hold" grpId="0" nodeType="withEffect">
+                                  <p:stCondLst>
+                                    <p:cond delay="0"/>
+                                  </p:stCondLst>
+                                  <p:childTnLst>
+                                    <p:set>
+                                      <p:cBhvr>
+                                        <p:cTn id="12" dur="1" fill="hold">
+                                          <p:stCondLst>
+                                            <p:cond delay="0"/>
+                                          </p:stCondLst>
+                                        </p:cTn>
+                                        <p:tgtEl>
+                                          <p:spTgt spid="11"/>
+                                        </p:tgtEl>
+                                        <p:attrNameLst>
+                                          <p:attrName>style.visibility</p:attrName>
+                                        </p:attrNameLst>
+                                      </p:cBhvr>
+                                      <p:to>
+                                        <p:strVal val="visible"/>
+                                      </p:to>
+                                    </p:set>
+                                  </p:childTnLst>
+                                </p:cTn>
+                              </p:par>
+                            </p:childTnLst>
+                          </p:cTn>
+                        </p:par>
+                      </p:childTnLst>
+                    </p:cTn>
+                  </p:par>
+                </p:childTnLst>
+              </p:cTn>
+              <p:prevCondLst>
+                <p:cond evt="onPrev" delay="0">
+                  <p:tgtEl>
+                    <p:sldTgt/>
+                  </p:tgtEl>
+                </p:cond>
+              </p:prevCondLst>
+              <p:nextCondLst>
+                <p:cond evt="onNext" delay="0">
+                  <p:tgtEl>
+                    <p:sldTgt/>
+                  </p:tgtEl>
+                </p:cond>
+              </p:nextCondLst>
+            </p:seq>
+          </p:childTnLst>
+        </p:cTn>
+      </p:par>
+    </p:tnLst>
+    <p:bldLst>
+      <p:bldP spid="6" grpId="0" animBg="1"/>
+      <p:bldP spid="9" grpId="0" animBg="1"/>
+      <p:bldP spid="10" grpId="0"/>
+      <p:bldP spid="11" grpId="0"/>
+    </p:bldLst>
+  </p:timing>
+</p:sld>
+</file>
+
+<file path=ppt/slides/slide39.xml><?xml version="1.0" encoding="utf-8"?>
+<p:sld xmlns:a="http://schemas.openxmlformats.org/drawingml/2006/main" xmlns:r="http://schemas.openxmlformats.org/officeDocument/2006/relationships" xmlns:p="http://schemas.openxmlformats.org/presentationml/2006/main">
+  <p:cSld>
+    <p:spTree>
+      <p:nvGrpSpPr>
+        <p:cNvPr id="1" name=""/>
+        <p:cNvGrpSpPr/>
+        <p:nvPr/>
+      </p:nvGrpSpPr>
+      <p:grpSpPr>
+        <a:xfrm>
+          <a:off x="0" y="0"/>
+          <a:ext cx="0" cy="0"/>
+          <a:chOff x="0" y="0"/>
+          <a:chExt cx="0" cy="0"/>
+        </a:xfrm>
+      </p:grpSpPr>
+      <p:sp>
+        <p:nvSpPr>
+          <p:cNvPr id="2" name="標題 1"/>
+          <p:cNvSpPr>
+            <a:spLocks noGrp="1"/>
+          </p:cNvSpPr>
+          <p:nvPr>
+            <p:ph type="title"/>
+          </p:nvPr>
+        </p:nvSpPr>
+        <p:spPr>
+          <a:xfrm>
+            <a:off x="0" y="1"/>
+            <a:ext cx="9144000" cy="836712"/>
+          </a:xfrm>
+        </p:spPr>
+        <p:txBody>
+          <a:bodyPr anchor="b">
+            <a:normAutofit/>
+          </a:bodyPr>
+          <a:lstStyle/>
+          <a:p>
+            <a:pPr algn="ctr"/>
+            <a:r>
+              <a:rPr lang="zh-TW" altLang="en-US" sz="4000" dirty="0">
+                <a:solidFill>
+                  <a:srgbClr val="0070C0"/>
+                </a:solidFill>
+                <a:latin typeface="微軟正黑體" panose="020B0604030504040204" pitchFamily="34" charset="-120"/>
+                <a:ea typeface="微軟正黑體" panose="020B0604030504040204" pitchFamily="34" charset="-120"/>
+              </a:rPr>
+              <a:t>文字置中</a:t>
+            </a:r>
+          </a:p>
+        </p:txBody>
+      </p:sp>
+      <p:pic>
+        <p:nvPicPr>
+          <p:cNvPr id="3" name="圖片 2">
+            <a:extLst>
+              <a:ext uri="{FF2B5EF4-FFF2-40B4-BE49-F238E27FC236}">
+                <a16:creationId xmlns:a16="http://schemas.microsoft.com/office/drawing/2014/main" id="{89D34367-FC3B-4BDB-B431-752D1C105C46}"/>
+              </a:ext>
+            </a:extLst>
+          </p:cNvPr>
+          <p:cNvPicPr>
+            <a:picLocks noChangeAspect="1"/>
+          </p:cNvPicPr>
+          <p:nvPr/>
+        </p:nvPicPr>
+        <p:blipFill>
+          <a:blip r:embed="rId3">
+            <a:extLst>
+              <a:ext uri="{28A0092B-C50C-407E-A947-70E740481C1C}">
+                <a14:useLocalDpi xmlns:a14="http://schemas.microsoft.com/office/drawing/2010/main" val="0"/>
+              </a:ext>
+            </a:extLst>
+          </a:blip>
+          <a:stretch>
+            <a:fillRect/>
+          </a:stretch>
+        </p:blipFill>
+        <p:spPr>
+          <a:xfrm>
+            <a:off x="2308357" y="1878373"/>
+            <a:ext cx="4527285" cy="1533048"/>
+          </a:xfrm>
+          <a:prstGeom prst="rect">
+            <a:avLst/>
+          </a:prstGeom>
+        </p:spPr>
+      </p:pic>
+      <p:pic>
+        <p:nvPicPr>
+          <p:cNvPr id="7" name="圖片 6">
+            <a:extLst>
+              <a:ext uri="{FF2B5EF4-FFF2-40B4-BE49-F238E27FC236}">
+                <a16:creationId xmlns:a16="http://schemas.microsoft.com/office/drawing/2014/main" id="{BD7CAD91-9C42-4CDF-8651-349DFE7161FD}"/>
+              </a:ext>
+            </a:extLst>
+          </p:cNvPr>
+          <p:cNvPicPr>
+            <a:picLocks noChangeAspect="1"/>
+          </p:cNvPicPr>
+          <p:nvPr/>
+        </p:nvPicPr>
+        <p:blipFill>
+          <a:blip r:embed="rId4">
+            <a:extLst>
+              <a:ext uri="{28A0092B-C50C-407E-A947-70E740481C1C}">
+                <a14:useLocalDpi xmlns:a14="http://schemas.microsoft.com/office/drawing/2010/main" val="0"/>
+              </a:ext>
+            </a:extLst>
+          </a:blip>
+          <a:stretch>
+            <a:fillRect/>
+          </a:stretch>
+        </p:blipFill>
+        <p:spPr>
+          <a:xfrm>
+            <a:off x="1758785" y="3861048"/>
+            <a:ext cx="5626430" cy="1503245"/>
+          </a:xfrm>
+          <a:prstGeom prst="rect">
+            <a:avLst/>
+          </a:prstGeom>
+        </p:spPr>
+      </p:pic>
+      <p:sp>
+        <p:nvSpPr>
+          <p:cNvPr id="11" name="文字方塊 10">
+            <a:extLst>
+              <a:ext uri="{FF2B5EF4-FFF2-40B4-BE49-F238E27FC236}">
+                <a16:creationId xmlns:a16="http://schemas.microsoft.com/office/drawing/2014/main" id="{C857ED87-19A6-4DD5-8816-EB063F970AD7}"/>
+              </a:ext>
+            </a:extLst>
+          </p:cNvPr>
+          <p:cNvSpPr txBox="1"/>
+          <p:nvPr/>
+        </p:nvSpPr>
+        <p:spPr>
+          <a:xfrm>
+            <a:off x="2724884" y="1119016"/>
+            <a:ext cx="3694232" cy="477054"/>
+          </a:xfrm>
+          <a:prstGeom prst="rect">
+            <a:avLst/>
+          </a:prstGeom>
+          <a:noFill/>
+        </p:spPr>
+        <p:txBody>
+          <a:bodyPr wrap="square" rtlCol="0">
+            <a:spAutoFit/>
+          </a:bodyPr>
+          <a:lstStyle/>
+          <a:p>
+            <a:pPr algn="ctr"/>
+            <a:r>
+              <a:rPr lang="en-US" altLang="zh-TW" sz="2500" dirty="0">
+                <a:solidFill>
+                  <a:srgbClr val="0070C0"/>
+                </a:solidFill>
+                <a:latin typeface="微軟正黑體" panose="020B0604030504040204" pitchFamily="34" charset="-120"/>
+                <a:ea typeface="微軟正黑體" panose="020B0604030504040204" pitchFamily="34" charset="-120"/>
+              </a:rPr>
+              <a:t>text-align</a:t>
+            </a:r>
+            <a:r>
+              <a:rPr lang="zh-TW" altLang="en-US" sz="2500" dirty="0">
+                <a:solidFill>
+                  <a:srgbClr val="0070C0"/>
+                </a:solidFill>
+                <a:latin typeface="微軟正黑體" panose="020B0604030504040204" pitchFamily="34" charset="-120"/>
+                <a:ea typeface="微軟正黑體" panose="020B0604030504040204" pitchFamily="34" charset="-120"/>
+              </a:rPr>
+              <a:t>：文字置中</a:t>
+            </a:r>
+          </a:p>
+        </p:txBody>
+      </p:sp>
+    </p:spTree>
+    <p:extLst>
+      <p:ext uri="{BB962C8B-B14F-4D97-AF65-F5344CB8AC3E}">
+        <p14:creationId xmlns:p14="http://schemas.microsoft.com/office/powerpoint/2010/main" val="2001483289"/>
+      </p:ext>
+    </p:extLst>
+  </p:cSld>
+  <p:clrMapOvr>
+    <a:masterClrMapping/>
+  </p:clrMapOvr>
+  <p:timing>
+    <p:tnLst>
+      <p:par>
+        <p:cTn id="1" dur="indefinite" restart="never" nodeType="tmRoot">
+          <p:childTnLst>
+            <p:seq concurrent="1" nextAc="seek">
+              <p:cTn id="2" dur="indefinite" nodeType="mainSeq">
+                <p:childTnLst>
+                  <p:par>
+                    <p:cTn id="3" fill="hold">
+                      <p:stCondLst>
+                        <p:cond delay="indefinite"/>
+                        <p:cond evt="onBegin" delay="0">
+                          <p:tn val="2"/>
+                        </p:cond>
+                      </p:stCondLst>
+                      <p:childTnLst>
+                        <p:par>
+                          <p:cTn id="4" fill="hold">
+                            <p:stCondLst>
+                              <p:cond delay="0"/>
+                            </p:stCondLst>
+                            <p:childTnLst>
+                              <p:par>
+                                <p:cTn id="5" presetID="1" presetClass="entr" presetSubtype="0" fill="hold" grpId="0" nodeType="withEffect">
+                                  <p:stCondLst>
+                                    <p:cond delay="0"/>
+                                  </p:stCondLst>
+                                  <p:childTnLst>
+                                    <p:set>
+                                      <p:cBhvr>
+                                        <p:cTn id="6" dur="1" fill="hold">
+                                          <p:stCondLst>
+                                            <p:cond delay="0"/>
+                                          </p:stCondLst>
+                                        </p:cTn>
+                                        <p:tgtEl>
+                                          <p:spTgt spid="11"/>
+                                        </p:tgtEl>
+                                        <p:attrNameLst>
+                                          <p:attrName>style.visibility</p:attrName>
+                                        </p:attrNameLst>
+                                      </p:cBhvr>
+                                      <p:to>
+                                        <p:strVal val="visible"/>
+                                      </p:to>
+                                    </p:set>
+                                  </p:childTnLst>
+                                </p:cTn>
+                              </p:par>
+                            </p:childTnLst>
+                          </p:cTn>
+                        </p:par>
+                      </p:childTnLst>
+                    </p:cTn>
+                  </p:par>
+                </p:childTnLst>
+              </p:cTn>
+              <p:prevCondLst>
+                <p:cond evt="onPrev" delay="0">
+                  <p:tgtEl>
+                    <p:sldTgt/>
+                  </p:tgtEl>
+                </p:cond>
+              </p:prevCondLst>
+              <p:nextCondLst>
+                <p:cond evt="onNext" delay="0">
+                  <p:tgtEl>
+                    <p:sldTgt/>
+                  </p:tgtEl>
+                </p:cond>
+              </p:nextCondLst>
+            </p:seq>
+          </p:childTnLst>
+        </p:cTn>
+      </p:par>
+    </p:tnLst>
+    <p:bldLst>
+      <p:bldP spid="11" grpId="0"/>
+    </p:bldLst>
+  </p:timing>
+</p:sld>
+</file>
+
 <file path=ppt/slides/slide4.xml><?xml version="1.0" encoding="utf-8"?>
 <p:sld xmlns:a="http://schemas.openxmlformats.org/drawingml/2006/main" xmlns:r="http://schemas.openxmlformats.org/officeDocument/2006/relationships" xmlns:p="http://schemas.openxmlformats.org/presentationml/2006/main">
   <p:cSld>
@@ -13663,6 +18746,192 @@
     <p:extLst>
       <p:ext uri="{BB962C8B-B14F-4D97-AF65-F5344CB8AC3E}">
         <p14:creationId xmlns:p14="http://schemas.microsoft.com/office/powerpoint/2010/main" val="1951891258"/>
+      </p:ext>
+    </p:extLst>
+  </p:cSld>
+  <p:clrMapOvr>
+    <a:masterClrMapping/>
+  </p:clrMapOvr>
+</p:sld>
+</file>
+
+<file path=ppt/slides/slide40.xml><?xml version="1.0" encoding="utf-8"?>
+<p:sld xmlns:a="http://schemas.openxmlformats.org/drawingml/2006/main" xmlns:r="http://schemas.openxmlformats.org/officeDocument/2006/relationships" xmlns:p="http://schemas.openxmlformats.org/presentationml/2006/main">
+  <p:cSld>
+    <p:spTree>
+      <p:nvGrpSpPr>
+        <p:cNvPr id="1" name=""/>
+        <p:cNvGrpSpPr/>
+        <p:nvPr/>
+      </p:nvGrpSpPr>
+      <p:grpSpPr>
+        <a:xfrm>
+          <a:off x="0" y="0"/>
+          <a:ext cx="0" cy="0"/>
+          <a:chOff x="0" y="0"/>
+          <a:chExt cx="0" cy="0"/>
+        </a:xfrm>
+      </p:grpSpPr>
+      <p:sp>
+        <p:nvSpPr>
+          <p:cNvPr id="2" name="標題 1"/>
+          <p:cNvSpPr>
+            <a:spLocks noGrp="1"/>
+          </p:cNvSpPr>
+          <p:nvPr>
+            <p:ph type="title"/>
+          </p:nvPr>
+        </p:nvSpPr>
+        <p:spPr>
+          <a:xfrm>
+            <a:off x="0" y="1"/>
+            <a:ext cx="9144000" cy="836712"/>
+          </a:xfrm>
+        </p:spPr>
+        <p:txBody>
+          <a:bodyPr anchor="b">
+            <a:normAutofit/>
+          </a:bodyPr>
+          <a:lstStyle/>
+          <a:p>
+            <a:pPr algn="ctr"/>
+            <a:r>
+              <a:rPr lang="zh-TW" altLang="en-US" sz="4000">
+                <a:solidFill>
+                  <a:srgbClr val="0070C0"/>
+                </a:solidFill>
+                <a:latin typeface="微軟正黑體" panose="020B0604030504040204" pitchFamily="34" charset="-120"/>
+                <a:ea typeface="微軟正黑體" panose="020B0604030504040204" pitchFamily="34" charset="-120"/>
+              </a:rPr>
+              <a:t>作業</a:t>
+            </a:r>
+            <a:endParaRPr lang="zh-TW" altLang="en-US" sz="4000" dirty="0">
+              <a:solidFill>
+                <a:srgbClr val="0070C0"/>
+              </a:solidFill>
+              <a:latin typeface="微軟正黑體" panose="020B0604030504040204" pitchFamily="34" charset="-120"/>
+              <a:ea typeface="微軟正黑體" panose="020B0604030504040204" pitchFamily="34" charset="-120"/>
+            </a:endParaRPr>
+          </a:p>
+        </p:txBody>
+      </p:sp>
+      <p:sp>
+        <p:nvSpPr>
+          <p:cNvPr id="3" name="內容版面配置區 2"/>
+          <p:cNvSpPr>
+            <a:spLocks noGrp="1"/>
+          </p:cNvSpPr>
+          <p:nvPr>
+            <p:ph idx="1"/>
+          </p:nvPr>
+        </p:nvSpPr>
+        <p:spPr>
+          <a:xfrm>
+            <a:off x="628650" y="1196752"/>
+            <a:ext cx="7886700" cy="4351338"/>
+          </a:xfrm>
+        </p:spPr>
+        <p:txBody>
+          <a:bodyPr/>
+          <a:lstStyle/>
+          <a:p>
+            <a:r>
+              <a:rPr lang="zh-TW" altLang="en-US" dirty="0"/>
+              <a:t>目標：寫出一個課表。</a:t>
+            </a:r>
+            <a:endParaRPr lang="en-US" altLang="zh-TW" dirty="0"/>
+          </a:p>
+          <a:p>
+            <a:r>
+              <a:rPr lang="zh-TW" altLang="en-US" dirty="0"/>
+              <a:t>所需標籤：</a:t>
+            </a:r>
+            <a:r>
+              <a:rPr lang="en-US" altLang="zh-TW" dirty="0">
+                <a:latin typeface="Consolas" panose="020B0609020204030204" pitchFamily="49" charset="0"/>
+              </a:rPr>
+              <a:t>&lt;h&gt;</a:t>
+            </a:r>
+            <a:r>
+              <a:rPr lang="zh-TW" altLang="en-US" dirty="0"/>
+              <a:t>、</a:t>
+            </a:r>
+            <a:r>
+              <a:rPr lang="en-US" altLang="zh-TW" dirty="0">
+                <a:latin typeface="Consolas" panose="020B0609020204030204" pitchFamily="49" charset="0"/>
+              </a:rPr>
+              <a:t>&lt;table&gt;</a:t>
+            </a:r>
+            <a:r>
+              <a:rPr lang="zh-TW" altLang="en-US" dirty="0">
+                <a:latin typeface="Consolas" panose="020B0609020204030204" pitchFamily="49" charset="0"/>
+              </a:rPr>
+              <a:t>、</a:t>
+            </a:r>
+            <a:r>
+              <a:rPr lang="en-US" altLang="zh-TW" dirty="0">
+                <a:latin typeface="Consolas" panose="020B0609020204030204" pitchFamily="49" charset="0"/>
+              </a:rPr>
+              <a:t>&lt;tr&gt;</a:t>
+            </a:r>
+            <a:r>
+              <a:rPr lang="zh-TW" altLang="en-US" dirty="0">
+                <a:latin typeface="Consolas" panose="020B0609020204030204" pitchFamily="49" charset="0"/>
+              </a:rPr>
+              <a:t>、</a:t>
+            </a:r>
+            <a:r>
+              <a:rPr lang="en-US" altLang="zh-TW" dirty="0">
+                <a:latin typeface="Consolas" panose="020B0609020204030204" pitchFamily="49" charset="0"/>
+              </a:rPr>
+              <a:t>&lt;td&gt;</a:t>
+            </a:r>
+          </a:p>
+          <a:p>
+            <a:r>
+              <a:rPr lang="zh-TW" altLang="en-US" dirty="0"/>
+              <a:t>所需標籤屬性：</a:t>
+            </a:r>
+            <a:r>
+              <a:rPr lang="en-US" altLang="zh-TW" dirty="0">
+                <a:latin typeface="Consolas" panose="020B0609020204030204" pitchFamily="49" charset="0"/>
+              </a:rPr>
+              <a:t>style</a:t>
+            </a:r>
+            <a:r>
+              <a:rPr lang="zh-TW" altLang="en-US" dirty="0">
+                <a:latin typeface="Consolas" panose="020B0609020204030204" pitchFamily="49" charset="0"/>
+              </a:rPr>
+              <a:t>、</a:t>
+            </a:r>
+            <a:r>
+              <a:rPr lang="en-US" altLang="zh-TW" dirty="0" err="1">
+                <a:latin typeface="Consolas" panose="020B0609020204030204" pitchFamily="49" charset="0"/>
+              </a:rPr>
+              <a:t>rowspan</a:t>
+            </a:r>
+            <a:r>
+              <a:rPr lang="zh-TW" altLang="en-US" dirty="0">
+                <a:latin typeface="Consolas" panose="020B0609020204030204" pitchFamily="49" charset="0"/>
+              </a:rPr>
+              <a:t>、</a:t>
+            </a:r>
+            <a:r>
+              <a:rPr lang="en" altLang="zh-TW" dirty="0" err="1">
+                <a:latin typeface="Consolas" panose="020B0609020204030204" pitchFamily="49" charset="0"/>
+              </a:rPr>
+              <a:t>colspan</a:t>
+            </a:r>
+            <a:endParaRPr lang="en-US" altLang="zh-TW" dirty="0">
+              <a:latin typeface="Consolas" panose="020B0609020204030204" pitchFamily="49" charset="0"/>
+            </a:endParaRPr>
+          </a:p>
+        </p:txBody>
+      </p:sp>
+    </p:spTree>
+    <p:extLst>
+      <p:ext uri="{BB962C8B-B14F-4D97-AF65-F5344CB8AC3E}">
+        <p14:creationId xmlns:p14="http://schemas.microsoft.com/office/powerpoint/2010/main" val="1866645020"/>
       </p:ext>
     </p:extLst>
   </p:cSld>
@@ -13845,84 +19114,6 @@
               <a:buNone/>
             </a:pPr>
             <a:r>
-              <a:rPr lang="zh-TW" altLang="en-US" sz="13800" dirty="0">
-                <a:solidFill>
-                  <a:srgbClr val="FF5050"/>
-                </a:solidFill>
-                <a:latin typeface="微軟正黑體" panose="020B0604030504040204" pitchFamily="34" charset="-120"/>
-                <a:ea typeface="微軟正黑體" panose="020B0604030504040204" pitchFamily="34" charset="-120"/>
-              </a:rPr>
-              <a:t>不要廢話。</a:t>
-            </a:r>
-            <a:endParaRPr lang="en-US" altLang="zh-TW" sz="6600" dirty="0">
-              <a:solidFill>
-                <a:srgbClr val="FF5050"/>
-              </a:solidFill>
-              <a:latin typeface="微軟正黑體" panose="020B0604030504040204" pitchFamily="34" charset="-120"/>
-              <a:ea typeface="微軟正黑體" panose="020B0604030504040204" pitchFamily="34" charset="-120"/>
-            </a:endParaRPr>
-          </a:p>
-        </p:txBody>
-      </p:sp>
-    </p:spTree>
-    <p:extLst>
-      <p:ext uri="{BB962C8B-B14F-4D97-AF65-F5344CB8AC3E}">
-        <p14:creationId xmlns:p14="http://schemas.microsoft.com/office/powerpoint/2010/main" val="1967930304"/>
-      </p:ext>
-    </p:extLst>
-  </p:cSld>
-  <p:clrMapOvr>
-    <a:masterClrMapping/>
-  </p:clrMapOvr>
-</p:sld>
-</file>
-
-<file path=ppt/slides/slide7.xml><?xml version="1.0" encoding="utf-8"?>
-<p:sld xmlns:a="http://schemas.openxmlformats.org/drawingml/2006/main" xmlns:r="http://schemas.openxmlformats.org/officeDocument/2006/relationships" xmlns:p="http://schemas.openxmlformats.org/presentationml/2006/main">
-  <p:cSld>
-    <p:spTree>
-      <p:nvGrpSpPr>
-        <p:cNvPr id="1" name=""/>
-        <p:cNvGrpSpPr/>
-        <p:nvPr/>
-      </p:nvGrpSpPr>
-      <p:grpSpPr>
-        <a:xfrm>
-          <a:off x="0" y="0"/>
-          <a:ext cx="0" cy="0"/>
-          <a:chOff x="0" y="0"/>
-          <a:chExt cx="0" cy="0"/>
-        </a:xfrm>
-      </p:grpSpPr>
-      <p:sp>
-        <p:nvSpPr>
-          <p:cNvPr id="3" name="內容版面配置區 2"/>
-          <p:cNvSpPr>
-            <a:spLocks noGrp="1"/>
-          </p:cNvSpPr>
-          <p:nvPr>
-            <p:ph idx="1"/>
-          </p:nvPr>
-        </p:nvSpPr>
-        <p:spPr>
-          <a:xfrm>
-            <a:off x="628650" y="1412776"/>
-            <a:ext cx="7886700" cy="4351338"/>
-          </a:xfrm>
-        </p:spPr>
-        <p:txBody>
-          <a:bodyPr anchor="ctr">
-            <a:normAutofit/>
-          </a:bodyPr>
-          <a:lstStyle/>
-          <a:p>
-            <a:pPr marL="0" indent="0" algn="ctr">
-              <a:lnSpc>
-                <a:spcPct val="100000"/>
-              </a:lnSpc>
-              <a:buNone/>
-            </a:pPr>
-            <a:r>
               <a:rPr lang="zh-TW" altLang="en-US" sz="6000" dirty="0">
                 <a:latin typeface="微軟正黑體" panose="020B0604030504040204" pitchFamily="34" charset="-120"/>
                 <a:ea typeface="微軟正黑體" panose="020B0604030504040204" pitchFamily="34" charset="-120"/>
@@ -13952,7 +19143,7 @@
 </p:sld>
 </file>
 
-<file path=ppt/slides/slide8.xml><?xml version="1.0" encoding="utf-8"?>
+<file path=ppt/slides/slide7.xml><?xml version="1.0" encoding="utf-8"?>
 <p:sld xmlns:a="http://schemas.openxmlformats.org/drawingml/2006/main" xmlns:r="http://schemas.openxmlformats.org/officeDocument/2006/relationships" xmlns:p="http://schemas.openxmlformats.org/presentationml/2006/main">
   <p:cSld>
     <p:spTree>
@@ -14444,7 +19635,7 @@
 </p:sld>
 </file>
 
-<file path=ppt/slides/slide9.xml><?xml version="1.0" encoding="utf-8"?>
+<file path=ppt/slides/slide8.xml><?xml version="1.0" encoding="utf-8"?>
 <p:sld xmlns:a="http://schemas.openxmlformats.org/drawingml/2006/main" xmlns:r="http://schemas.openxmlformats.org/officeDocument/2006/relationships" xmlns:p="http://schemas.openxmlformats.org/presentationml/2006/main">
   <p:cSld>
     <p:spTree>
@@ -14636,6 +19827,158 @@
     <p:extLst>
       <p:ext uri="{BB962C8B-B14F-4D97-AF65-F5344CB8AC3E}">
         <p14:creationId xmlns:p14="http://schemas.microsoft.com/office/powerpoint/2010/main" val="1408335041"/>
+      </p:ext>
+    </p:extLst>
+  </p:cSld>
+  <p:clrMapOvr>
+    <a:masterClrMapping/>
+  </p:clrMapOvr>
+</p:sld>
+</file>
+
+<file path=ppt/slides/slide9.xml><?xml version="1.0" encoding="utf-8"?>
+<p:sld xmlns:a="http://schemas.openxmlformats.org/drawingml/2006/main" xmlns:r="http://schemas.openxmlformats.org/officeDocument/2006/relationships" xmlns:p="http://schemas.openxmlformats.org/presentationml/2006/main">
+  <p:cSld>
+    <p:spTree>
+      <p:nvGrpSpPr>
+        <p:cNvPr id="1" name=""/>
+        <p:cNvGrpSpPr/>
+        <p:nvPr/>
+      </p:nvGrpSpPr>
+      <p:grpSpPr>
+        <a:xfrm>
+          <a:off x="0" y="0"/>
+          <a:ext cx="0" cy="0"/>
+          <a:chOff x="0" y="0"/>
+          <a:chExt cx="0" cy="0"/>
+        </a:xfrm>
+      </p:grpSpPr>
+      <p:sp>
+        <p:nvSpPr>
+          <p:cNvPr id="2" name="標題 1"/>
+          <p:cNvSpPr>
+            <a:spLocks noGrp="1"/>
+          </p:cNvSpPr>
+          <p:nvPr>
+            <p:ph type="title"/>
+          </p:nvPr>
+        </p:nvSpPr>
+        <p:spPr>
+          <a:xfrm>
+            <a:off x="0" y="1"/>
+            <a:ext cx="9144000" cy="836712"/>
+          </a:xfrm>
+        </p:spPr>
+        <p:txBody>
+          <a:bodyPr anchor="b">
+            <a:normAutofit/>
+          </a:bodyPr>
+          <a:lstStyle/>
+          <a:p>
+            <a:pPr algn="ctr"/>
+            <a:r>
+              <a:rPr lang="zh-TW" altLang="en-US" sz="4000" dirty="0">
+                <a:solidFill>
+                  <a:srgbClr val="0070C0"/>
+                </a:solidFill>
+                <a:latin typeface="微軟正黑體" panose="020B0604030504040204" pitchFamily="34" charset="-120"/>
+              </a:rPr>
+              <a:t>幾種教派</a:t>
+            </a:r>
+            <a:endParaRPr lang="zh-TW" altLang="en-US" sz="4000" dirty="0">
+              <a:solidFill>
+                <a:srgbClr val="0070C0"/>
+              </a:solidFill>
+              <a:latin typeface="微軟正黑體" panose="020B0604030504040204" pitchFamily="34" charset="-120"/>
+              <a:ea typeface="微軟正黑體" panose="020B0604030504040204" pitchFamily="34" charset="-120"/>
+            </a:endParaRPr>
+          </a:p>
+        </p:txBody>
+      </p:sp>
+      <p:sp>
+        <p:nvSpPr>
+          <p:cNvPr id="3" name="文字方塊 2"/>
+          <p:cNvSpPr txBox="1"/>
+          <p:nvPr/>
+        </p:nvSpPr>
+        <p:spPr>
+          <a:xfrm>
+            <a:off x="8412" y="5005624"/>
+            <a:ext cx="9144000" cy="1015663"/>
+          </a:xfrm>
+          <a:prstGeom prst="rect">
+            <a:avLst/>
+          </a:prstGeom>
+          <a:noFill/>
+        </p:spPr>
+        <p:txBody>
+          <a:bodyPr wrap="square" rtlCol="0">
+            <a:spAutoFit/>
+          </a:bodyPr>
+          <a:lstStyle/>
+          <a:p>
+            <a:pPr algn="ctr"/>
+            <a:r>
+              <a:rPr lang="en-US" altLang="zh-TW" sz="6000" dirty="0">
+                <a:latin typeface="微軟正黑體" panose="020B0604030504040204" pitchFamily="34" charset="-120"/>
+                <a:ea typeface="微軟正黑體" panose="020B0604030504040204" pitchFamily="34" charset="-120"/>
+                <a:hlinkClick r:id="rId3"/>
+              </a:rPr>
+              <a:t>WebStorm</a:t>
+            </a:r>
+            <a:endParaRPr lang="zh-TW" altLang="en-US" sz="6000" dirty="0">
+              <a:latin typeface="微軟正黑體" panose="020B0604030504040204" pitchFamily="34" charset="-120"/>
+              <a:ea typeface="微軟正黑體" panose="020B0604030504040204" pitchFamily="34" charset="-120"/>
+            </a:endParaRPr>
+          </a:p>
+        </p:txBody>
+      </p:sp>
+      <p:pic>
+        <p:nvPicPr>
+          <p:cNvPr id="4" name="圖片 3"/>
+          <p:cNvPicPr>
+            <a:picLocks noChangeAspect="1"/>
+          </p:cNvPicPr>
+          <p:nvPr/>
+        </p:nvPicPr>
+        <p:blipFill>
+          <a:blip r:embed="rId4" cstate="print">
+            <a:extLst>
+              <a:ext uri="{28A0092B-C50C-407E-A947-70E740481C1C}">
+                <a14:useLocalDpi xmlns:a14="http://schemas.microsoft.com/office/drawing/2010/main" val="0"/>
+              </a:ext>
+            </a:extLst>
+          </a:blip>
+          <a:stretch>
+            <a:fillRect/>
+          </a:stretch>
+        </p:blipFill>
+        <p:spPr>
+          <a:xfrm>
+            <a:off x="1475656" y="1290012"/>
+            <a:ext cx="6192688" cy="3715612"/>
+          </a:xfrm>
+          <a:prstGeom prst="rect">
+            <a:avLst/>
+          </a:prstGeom>
+          <a:ln w="28575">
+            <a:solidFill>
+              <a:schemeClr val="bg1"/>
+            </a:solidFill>
+          </a:ln>
+          <a:effectLst>
+            <a:outerShdw blurRad="63500" sx="102000" sy="102000" algn="ctr" rotWithShape="0">
+              <a:prstClr val="black">
+                <a:alpha val="40000"/>
+              </a:prstClr>
+            </a:outerShdw>
+          </a:effectLst>
+        </p:spPr>
+      </p:pic>
+    </p:spTree>
+    <p:extLst>
+      <p:ext uri="{BB962C8B-B14F-4D97-AF65-F5344CB8AC3E}">
+        <p14:creationId xmlns:p14="http://schemas.microsoft.com/office/powerpoint/2010/main" val="3332417897"/>
       </p:ext>
     </p:extLst>
   </p:cSld>
